--- a/docs/CoreIntro.pptx
+++ b/docs/CoreIntro.pptx
@@ -271,7 +271,7 @@
           <a:p>
             <a:fld id="{9210894D-53F3-4060-AF7D-8EA07C655384}" type="datetimeFigureOut">
               <a:rPr lang="en-US" smtClean="0"/>
-              <a:t>4/3/2019</a:t>
+              <a:t>4/8/2019</a:t>
             </a:fld>
             <a:endParaRPr lang="en-US"/>
           </a:p>
@@ -436,7 +436,7 @@
           <a:p>
             <a:fld id="{BD4F7F70-21DE-4C83-92F5-435E90FDCD29}" type="datetimeFigureOut">
               <a:rPr lang="en-US" smtClean="0"/>
-              <a:t>4/3/2019</a:t>
+              <a:t>4/8/2019</a:t>
             </a:fld>
             <a:endParaRPr lang="en-US"/>
           </a:p>
@@ -748,94 +748,58 @@
           <a:lstStyle/>
           <a:p>
             <a:r>
+              <a:rPr lang="en-US" dirty="0"/>
+              <a:t>Preparations:</a:t>
+            </a:r>
+          </a:p>
+          <a:p>
+            <a:pPr marL="171450" indent="-171450">
+              <a:buFontTx/>
+              <a:buChar char="-"/>
+            </a:pPr>
+            <a:r>
+              <a:rPr lang="en-US" dirty="0"/>
+              <a:t>Solution </a:t>
+            </a:r>
+            <a:r>
               <a:rPr lang="en-US" dirty="0" err="1"/>
-              <a:t>Otazka</a:t>
-            </a:r>
+              <a:t>CoreIntro</a:t>
+            </a:r>
+            <a:endParaRPr lang="en-US" dirty="0"/>
+          </a:p>
+          <a:p>
+            <a:pPr marL="171450" indent="-171450">
+              <a:buFontTx/>
+              <a:buChar char="-"/>
+            </a:pPr>
             <a:r>
               <a:rPr lang="en-US" dirty="0"/>
-              <a:t>: Proc </a:t>
+              <a:t>Solution </a:t>
             </a:r>
             <a:r>
               <a:rPr lang="en-US" dirty="0" err="1"/>
-              <a:t>nemuzu</a:t>
+              <a:t>Ori.Common.Exceptions</a:t>
             </a:r>
             <a:r>
               <a:rPr lang="en-US" dirty="0"/>
-              <a:t> </a:t>
+              <a:t> (</a:t>
             </a:r>
             <a:r>
               <a:rPr lang="en-US" dirty="0" err="1"/>
-              <a:t>.net</a:t>
+              <a:t>ServiceCollectionExtensions</a:t>
             </a:r>
             <a:r>
               <a:rPr lang="en-US" dirty="0"/>
-              <a:t> standard </a:t>
+              <a:t>, </a:t>
             </a:r>
             <a:r>
               <a:rPr lang="en-US" dirty="0" err="1"/>
-              <a:t>konzolovku</a:t>
+              <a:t>ExceptionHandlingMiddleware</a:t>
             </a:r>
             <a:r>
               <a:rPr lang="en-US" dirty="0"/>
-              <a:t>?</a:t>
-            </a:r>
-          </a:p>
-          <a:p>
-            <a:endParaRPr lang="en-US" dirty="0"/>
-          </a:p>
-          <a:p>
-            <a:r>
-              <a:rPr lang="en-US" dirty="0"/>
-              <a:t>Test project – </a:t>
-            </a:r>
-            <a:r>
-              <a:rPr lang="en-US" dirty="0" err="1"/>
-              <a:t>mely</a:t>
-            </a:r>
-            <a:r>
-              <a:rPr lang="en-US" dirty="0"/>
-              <a:t> by </a:t>
-            </a:r>
-            <a:r>
-              <a:rPr lang="en-US" dirty="0" err="1"/>
-              <a:t>byt</a:t>
-            </a:r>
-            <a:r>
-              <a:rPr lang="en-US" dirty="0"/>
-              <a:t> </a:t>
-            </a:r>
-            <a:r>
-              <a:rPr lang="en-US" dirty="0" err="1"/>
-              <a:t>na</a:t>
-            </a:r>
-            <a:r>
-              <a:rPr lang="en-US" dirty="0"/>
-              <a:t> </a:t>
-            </a:r>
-            <a:r>
-              <a:rPr lang="en-US" dirty="0" err="1"/>
-              <a:t>vsechny</a:t>
-            </a:r>
-            <a:r>
-              <a:rPr lang="en-US" dirty="0"/>
-              <a:t> platformy, </a:t>
-            </a:r>
-            <a:r>
-              <a:rPr lang="en-US" dirty="0" err="1"/>
-              <a:t>ktery</a:t>
-            </a:r>
-            <a:r>
-              <a:rPr lang="en-US" dirty="0"/>
-              <a:t> me </a:t>
-            </a:r>
-            <a:r>
-              <a:rPr lang="en-US" dirty="0" err="1"/>
-              <a:t>zajimaj</a:t>
-            </a:r>
-            <a:endParaRPr lang="en-US" dirty="0"/>
-          </a:p>
-          <a:p>
-            <a:endParaRPr lang="en-US" dirty="0"/>
+              <a:t>)</a:t>
+            </a:r>
           </a:p>
         </p:txBody>
       </p:sp>
@@ -856,7 +820,7 @@
           <a:p>
             <a:fld id="{8A4A6133-5E02-4CB3-8CD2-79D67A7D8CF8}" type="slidenum">
               <a:rPr lang="en-US" smtClean="0"/>
-              <a:t>4</a:t>
+              <a:t>1</a:t>
             </a:fld>
             <a:endParaRPr lang="en-US"/>
           </a:p>
@@ -865,7 +829,7 @@
     </p:spTree>
     <p:extLst>
       <p:ext uri="{BB962C8B-B14F-4D97-AF65-F5344CB8AC3E}">
-        <p14:creationId xmlns:p14="http://schemas.microsoft.com/office/powerpoint/2010/main" val="2546818646"/>
+        <p14:creationId xmlns:p14="http://schemas.microsoft.com/office/powerpoint/2010/main" val="2241448013"/>
       </p:ext>
     </p:extLst>
   </p:cSld>
@@ -876,6 +840,56 @@
 </file>
 
 <file path=ppt/notesSlides/notesSlide10.xml><?xml version="1.0" encoding="utf-8"?>
+<p:notes xmlns:a="http://schemas.openxmlformats.org/drawingml/2006/main" xmlns:r="http://schemas.openxmlformats.org/officeDocument/2006/relationships" xmlns:p="http://schemas.openxmlformats.org/presentationml/2006/main">
+  <p:cSld>
+    <p:spTree>
+      <p:nvGrpSpPr>
+        <p:cNvPr id="1" name=""/>
+        <p:cNvGrpSpPr/>
+        <p:nvPr/>
+      </p:nvGrpSpPr>
+      <p:grpSpPr>
+        <a:xfrm>
+          <a:off x="0" y="0"/>
+          <a:ext cx="0" cy="0"/>
+          <a:chOff x="0" y="0"/>
+          <a:chExt cx="0" cy="0"/>
+        </a:xfrm>
+      </p:grpSpPr>
+    </p:spTree>
+  </p:cSld>
+  <p:clrMapOvr>
+    <a:masterClrMapping/>
+  </p:clrMapOvr>
+</p:notes>
+</file>
+
+<file path=ppt/notesSlides/notesSlide11.xml><?xml version="1.0" encoding="utf-8"?>
+<p:notes xmlns:a="http://schemas.openxmlformats.org/drawingml/2006/main" xmlns:r="http://schemas.openxmlformats.org/officeDocument/2006/relationships" xmlns:p="http://schemas.openxmlformats.org/presentationml/2006/main">
+  <p:cSld>
+    <p:spTree>
+      <p:nvGrpSpPr>
+        <p:cNvPr id="1" name=""/>
+        <p:cNvGrpSpPr/>
+        <p:nvPr/>
+      </p:nvGrpSpPr>
+      <p:grpSpPr>
+        <a:xfrm>
+          <a:off x="0" y="0"/>
+          <a:ext cx="0" cy="0"/>
+          <a:chOff x="0" y="0"/>
+          <a:chExt cx="0" cy="0"/>
+        </a:xfrm>
+      </p:grpSpPr>
+    </p:spTree>
+  </p:cSld>
+  <p:clrMapOvr>
+    <a:masterClrMapping/>
+  </p:clrMapOvr>
+</p:notes>
+</file>
+
+<file path=ppt/notesSlides/notesSlide12.xml><?xml version="1.0" encoding="utf-8"?>
 <p:notes xmlns:a="http://schemas.openxmlformats.org/drawingml/2006/main" xmlns:r="http://schemas.openxmlformats.org/officeDocument/2006/relationships" xmlns:p="http://schemas.openxmlformats.org/presentationml/2006/main">
   <p:cSld>
     <p:spTree>
@@ -945,9 +959,91 @@
           <a:lstStyle/>
           <a:p>
             <a:r>
+              <a:rPr lang="en-US" dirty="0" err="1"/>
+              <a:t>Otazka</a:t>
+            </a:r>
+            <a:r>
               <a:rPr lang="en-US" dirty="0"/>
-              <a:t>Demo</a:t>
-            </a:r>
+              <a:t>: Proc </a:t>
+            </a:r>
+            <a:r>
+              <a:rPr lang="en-US" dirty="0" err="1"/>
+              <a:t>nemuzu</a:t>
+            </a:r>
+            <a:r>
+              <a:rPr lang="en-US" dirty="0"/>
+              <a:t> </a:t>
+            </a:r>
+            <a:r>
+              <a:rPr lang="en-US" dirty="0" err="1"/>
+              <a:t>.net</a:t>
+            </a:r>
+            <a:r>
+              <a:rPr lang="en-US" dirty="0"/>
+              <a:t> standard </a:t>
+            </a:r>
+            <a:r>
+              <a:rPr lang="en-US" dirty="0" err="1"/>
+              <a:t>konzolovku</a:t>
+            </a:r>
+            <a:r>
+              <a:rPr lang="en-US" dirty="0"/>
+              <a:t>?</a:t>
+            </a:r>
+          </a:p>
+          <a:p>
+            <a:endParaRPr lang="en-US" dirty="0"/>
+          </a:p>
+          <a:p>
+            <a:r>
+              <a:rPr lang="en-US" dirty="0"/>
+              <a:t>Test project – </a:t>
+            </a:r>
+            <a:r>
+              <a:rPr lang="en-US" dirty="0" err="1"/>
+              <a:t>mely</a:t>
+            </a:r>
+            <a:r>
+              <a:rPr lang="en-US" dirty="0"/>
+              <a:t> by </a:t>
+            </a:r>
+            <a:r>
+              <a:rPr lang="en-US" dirty="0" err="1"/>
+              <a:t>byt</a:t>
+            </a:r>
+            <a:r>
+              <a:rPr lang="en-US" dirty="0"/>
+              <a:t> </a:t>
+            </a:r>
+            <a:r>
+              <a:rPr lang="en-US" dirty="0" err="1"/>
+              <a:t>na</a:t>
+            </a:r>
+            <a:r>
+              <a:rPr lang="en-US" dirty="0"/>
+              <a:t> </a:t>
+            </a:r>
+            <a:r>
+              <a:rPr lang="en-US" dirty="0" err="1"/>
+              <a:t>vsechny</a:t>
+            </a:r>
+            <a:r>
+              <a:rPr lang="en-US" dirty="0"/>
+              <a:t> platformy, </a:t>
+            </a:r>
+            <a:r>
+              <a:rPr lang="en-US" dirty="0" err="1"/>
+              <a:t>ktery</a:t>
+            </a:r>
+            <a:r>
+              <a:rPr lang="en-US" dirty="0"/>
+              <a:t> me </a:t>
+            </a:r>
+            <a:r>
+              <a:rPr lang="en-US" dirty="0" err="1"/>
+              <a:t>zajimaj</a:t>
+            </a:r>
+            <a:endParaRPr lang="en-US" dirty="0"/>
           </a:p>
           <a:p>
             <a:endParaRPr lang="en-US" dirty="0"/>
@@ -971,7 +1067,7 @@
           <a:p>
             <a:fld id="{8A4A6133-5E02-4CB3-8CD2-79D67A7D8CF8}" type="slidenum">
               <a:rPr lang="en-US" smtClean="0"/>
-              <a:t>6</a:t>
+              <a:t>4</a:t>
             </a:fld>
             <a:endParaRPr lang="en-US"/>
           </a:p>
@@ -980,7 +1076,7 @@
     </p:spTree>
     <p:extLst>
       <p:ext uri="{BB962C8B-B14F-4D97-AF65-F5344CB8AC3E}">
-        <p14:creationId xmlns:p14="http://schemas.microsoft.com/office/powerpoint/2010/main" val="1992424139"/>
+        <p14:creationId xmlns:p14="http://schemas.microsoft.com/office/powerpoint/2010/main" val="2546818646"/>
       </p:ext>
     </p:extLst>
   </p:cSld>
@@ -1034,37 +1130,9 @@
           <a:bodyPr/>
           <a:lstStyle/>
           <a:p>
-            <a:r>
-              <a:rPr lang="en-US" dirty="0"/>
-              <a:t>Demo </a:t>
-            </a:r>
-            <a:r>
-              <a:rPr lang="en-US" dirty="0" err="1"/>
-              <a:t>na</a:t>
-            </a:r>
-            <a:r>
-              <a:rPr lang="en-US"/>
-              <a:t> selfhosted</a:t>
-            </a:r>
             <a:endParaRPr lang="en-US" dirty="0"/>
           </a:p>
           <a:p>
-            <a:r>
-              <a:rPr lang="en-US" dirty="0"/>
-              <a:t>Demo </a:t>
-            </a:r>
-            <a:r>
-              <a:rPr lang="en-US" dirty="0" err="1"/>
-              <a:t>na</a:t>
-            </a:r>
-            <a:r>
-              <a:rPr lang="en-US" dirty="0"/>
-              <a:t> </a:t>
-            </a:r>
-            <a:r>
-              <a:rPr lang="en-US" dirty="0" err="1"/>
-              <a:t>Directory.Build.props</a:t>
-            </a:r>
             <a:endParaRPr lang="en-US" dirty="0"/>
           </a:p>
         </p:txBody>
@@ -1086,7 +1154,7 @@
           <a:p>
             <a:fld id="{8A4A6133-5E02-4CB3-8CD2-79D67A7D8CF8}" type="slidenum">
               <a:rPr lang="en-US" smtClean="0"/>
-              <a:t>7</a:t>
+              <a:t>6</a:t>
             </a:fld>
             <a:endParaRPr lang="en-US"/>
           </a:p>
@@ -1095,7 +1163,7 @@
     </p:spTree>
     <p:extLst>
       <p:ext uri="{BB962C8B-B14F-4D97-AF65-F5344CB8AC3E}">
-        <p14:creationId xmlns:p14="http://schemas.microsoft.com/office/powerpoint/2010/main" val="2680126375"/>
+        <p14:creationId xmlns:p14="http://schemas.microsoft.com/office/powerpoint/2010/main" val="1992424139"/>
       </p:ext>
     </p:extLst>
   </p:cSld>
@@ -1151,10 +1219,234 @@
           <a:p>
             <a:r>
               <a:rPr lang="en-US" dirty="0"/>
-              <a:t>Demo?</a:t>
-            </a:r>
-          </a:p>
-          <a:p>
+              <a:t>Demo </a:t>
+            </a:r>
+            <a:r>
+              <a:rPr lang="en-US" dirty="0" err="1"/>
+              <a:t>packages.config</a:t>
+            </a:r>
+            <a:endParaRPr lang="en-US" dirty="0"/>
+          </a:p>
+          <a:p>
+            <a:pPr marL="171450" indent="-171450">
+              <a:buFontTx/>
+              <a:buChar char="-"/>
+            </a:pPr>
+            <a:r>
+              <a:rPr lang="en-US" dirty="0"/>
+              <a:t>01-Tooling</a:t>
+            </a:r>
+          </a:p>
+          <a:p>
+            <a:pPr marL="171450" indent="-171450">
+              <a:buFontTx/>
+              <a:buChar char="-"/>
+            </a:pPr>
+            <a:r>
+              <a:rPr lang="en-US" dirty="0"/>
+              <a:t>Dependencies v packages config, </a:t>
+            </a:r>
+            <a:r>
+              <a:rPr lang="en-US" dirty="0" err="1"/>
+              <a:t>ruzne</a:t>
+            </a:r>
+            <a:r>
+              <a:rPr lang="en-US" dirty="0"/>
+              <a:t> </a:t>
+            </a:r>
+            <a:r>
+              <a:rPr lang="en-US" dirty="0" err="1"/>
+              <a:t>verze</a:t>
+            </a:r>
+            <a:endParaRPr lang="en-US" dirty="0"/>
+          </a:p>
+          <a:p>
+            <a:pPr marL="171450" indent="-171450">
+              <a:buFontTx/>
+              <a:buChar char="-"/>
+            </a:pPr>
+            <a:r>
+              <a:rPr lang="en-US" dirty="0" err="1"/>
+              <a:t>Hierarchicke</a:t>
+            </a:r>
+            <a:r>
+              <a:rPr lang="en-US" dirty="0"/>
+              <a:t> dependencies (ne </a:t>
+            </a:r>
+            <a:r>
+              <a:rPr lang="en-US" dirty="0" err="1"/>
+              <a:t>komplet</a:t>
+            </a:r>
+            <a:r>
+              <a:rPr lang="en-US" dirty="0"/>
+              <a:t> blast, ale </a:t>
+            </a:r>
+            <a:r>
+              <a:rPr lang="en-US" dirty="0" err="1"/>
+              <a:t>jenom</a:t>
+            </a:r>
+            <a:r>
+              <a:rPr lang="en-US" dirty="0"/>
+              <a:t> to, co </a:t>
+            </a:r>
+            <a:r>
+              <a:rPr lang="en-US" dirty="0" err="1"/>
+              <a:t>chci</a:t>
+            </a:r>
+            <a:endParaRPr lang="en-US" dirty="0"/>
+          </a:p>
+          <a:p>
+            <a:pPr marL="171450" indent="-171450">
+              <a:buFontTx/>
+              <a:buChar char="-"/>
+            </a:pPr>
+            <a:r>
+              <a:rPr lang="en-US" dirty="0" err="1"/>
+              <a:t>Pouze</a:t>
+            </a:r>
+            <a:r>
+              <a:rPr lang="en-US" dirty="0"/>
+              <a:t> </a:t>
+            </a:r>
+            <a:r>
+              <a:rPr lang="en-US" dirty="0" err="1"/>
+              <a:t>jedino</a:t>
+            </a:r>
+            <a:r>
+              <a:rPr lang="en-US" dirty="0"/>
+              <a:t> </a:t>
+            </a:r>
+            <a:r>
+              <a:rPr lang="en-US" dirty="0" err="1"/>
+              <a:t>DLLko</a:t>
+            </a:r>
+            <a:r>
+              <a:rPr lang="en-US" dirty="0"/>
+              <a:t> v output</a:t>
+            </a:r>
+          </a:p>
+          <a:p>
+            <a:pPr marL="0" indent="0">
+              <a:buFontTx/>
+              <a:buNone/>
+            </a:pPr>
+            <a:r>
+              <a:rPr lang="en-US" dirty="0"/>
+              <a:t>Demo </a:t>
+            </a:r>
+            <a:r>
+              <a:rPr lang="en-US" dirty="0" err="1"/>
+              <a:t>na</a:t>
+            </a:r>
+            <a:r>
+              <a:rPr lang="en-US" dirty="0"/>
+              <a:t> self-hosted</a:t>
+            </a:r>
+          </a:p>
+          <a:p>
+            <a:pPr marL="171450" indent="-171450">
+              <a:buFontTx/>
+              <a:buChar char="-"/>
+            </a:pPr>
+            <a:r>
+              <a:rPr lang="en-US" sz="1200" kern="1200" dirty="0">
+                <a:solidFill>
+                  <a:schemeClr val="tx1"/>
+                </a:solidFill>
+                <a:latin typeface="+mn-lt"/>
+                <a:ea typeface="+mn-ea"/>
+                <a:cs typeface="+mn-cs"/>
+              </a:rPr>
+              <a:t>&lt;</a:t>
+            </a:r>
+            <a:r>
+              <a:rPr lang="en-US" sz="1200" kern="1200" dirty="0" err="1">
+                <a:solidFill>
+                  <a:schemeClr val="tx1"/>
+                </a:solidFill>
+                <a:latin typeface="+mn-lt"/>
+                <a:ea typeface="+mn-ea"/>
+                <a:cs typeface="+mn-cs"/>
+              </a:rPr>
+              <a:t>RuntimeIdentifier</a:t>
+            </a:r>
+            <a:r>
+              <a:rPr lang="en-US" sz="1200" kern="1200" dirty="0">
+                <a:solidFill>
+                  <a:schemeClr val="tx1"/>
+                </a:solidFill>
+                <a:latin typeface="+mn-lt"/>
+                <a:ea typeface="+mn-ea"/>
+                <a:cs typeface="+mn-cs"/>
+              </a:rPr>
+              <a:t>&gt;win7-x64&lt;/</a:t>
+            </a:r>
+            <a:r>
+              <a:rPr lang="en-US" sz="1200" kern="1200" dirty="0" err="1">
+                <a:solidFill>
+                  <a:schemeClr val="tx1"/>
+                </a:solidFill>
+                <a:latin typeface="+mn-lt"/>
+                <a:ea typeface="+mn-ea"/>
+                <a:cs typeface="+mn-cs"/>
+              </a:rPr>
+              <a:t>RuntimeIdentifier</a:t>
+            </a:r>
+            <a:r>
+              <a:rPr lang="en-US" sz="1200" kern="1200" dirty="0">
+                <a:solidFill>
+                  <a:schemeClr val="tx1"/>
+                </a:solidFill>
+                <a:latin typeface="+mn-lt"/>
+                <a:ea typeface="+mn-ea"/>
+                <a:cs typeface="+mn-cs"/>
+              </a:rPr>
+              <a:t>&gt;</a:t>
+            </a:r>
+          </a:p>
+          <a:p>
+            <a:pPr marL="171450" indent="-171450">
+              <a:buFontTx/>
+              <a:buChar char="-"/>
+            </a:pPr>
+            <a:endParaRPr lang="en-US" dirty="0"/>
+          </a:p>
+          <a:p>
+            <a:r>
+              <a:rPr lang="en-US" dirty="0"/>
+              <a:t>Demo </a:t>
+            </a:r>
+            <a:r>
+              <a:rPr lang="en-US" dirty="0" err="1"/>
+              <a:t>na</a:t>
+            </a:r>
+            <a:r>
+              <a:rPr lang="en-US" dirty="0"/>
+              <a:t> </a:t>
+            </a:r>
+            <a:r>
+              <a:rPr lang="en-US" dirty="0" err="1"/>
+              <a:t>Directory.Build.props</a:t>
+            </a:r>
+            <a:endParaRPr lang="en-US" dirty="0"/>
+          </a:p>
+          <a:p>
+            <a:r>
+              <a:rPr lang="en-US" dirty="0"/>
+              <a:t>- Version </a:t>
+            </a:r>
+            <a:r>
+              <a:rPr lang="en-US" dirty="0" err="1"/>
+              <a:t>pryc</a:t>
+            </a:r>
+            <a:r>
+              <a:rPr lang="en-US" dirty="0"/>
+              <a:t> z </a:t>
+            </a:r>
+            <a:r>
+              <a:rPr lang="en-US" dirty="0" err="1"/>
+              <a:t>projectu</a:t>
+            </a:r>
             <a:endParaRPr lang="en-US" dirty="0"/>
           </a:p>
         </p:txBody>
@@ -1176,7 +1468,7 @@
           <a:p>
             <a:fld id="{8A4A6133-5E02-4CB3-8CD2-79D67A7D8CF8}" type="slidenum">
               <a:rPr lang="en-US" smtClean="0"/>
-              <a:t>11</a:t>
+              <a:t>7</a:t>
             </a:fld>
             <a:endParaRPr lang="en-US"/>
           </a:p>
@@ -1185,7 +1477,7 @@
     </p:spTree>
     <p:extLst>
       <p:ext uri="{BB962C8B-B14F-4D97-AF65-F5344CB8AC3E}">
-        <p14:creationId xmlns:p14="http://schemas.microsoft.com/office/powerpoint/2010/main" val="2785056519"/>
+        <p14:creationId xmlns:p14="http://schemas.microsoft.com/office/powerpoint/2010/main" val="2680126375"/>
       </p:ext>
     </p:extLst>
   </p:cSld>
@@ -1249,18 +1541,212 @@
             </a:r>
             <a:r>
               <a:rPr lang="en-US" dirty="0"/>
+              <a:t> middleware pipelines</a:t>
+            </a:r>
+          </a:p>
+          <a:p>
+            <a:pPr marL="171450" indent="-171450">
+              <a:buFontTx/>
+              <a:buChar char="-"/>
+            </a:pPr>
+            <a:r>
+              <a:rPr lang="en-US" dirty="0"/>
+              <a:t>02-Middlewares</a:t>
+            </a:r>
+          </a:p>
+          <a:p>
+            <a:pPr marL="171450" indent="-171450">
+              <a:buFontTx/>
+              <a:buChar char="-"/>
+            </a:pPr>
+            <a:r>
+              <a:rPr lang="en-US" dirty="0" err="1"/>
+              <a:t>Pridat</a:t>
+            </a:r>
+            <a:r>
+              <a:rPr lang="en-US" dirty="0"/>
               <a:t> </a:t>
             </a:r>
             <a:r>
               <a:rPr lang="en-US" dirty="0" err="1"/>
-              <a:t>logovani</a:t>
+              <a:t>Ori.Common.Exceptions</a:t>
             </a:r>
             <a:r>
               <a:rPr lang="en-US" dirty="0"/>
-              <a:t> a named placeholders</a:t>
-            </a:r>
-          </a:p>
-          <a:p>
+              <a:t> -&gt; </a:t>
+            </a:r>
+            <a:r>
+              <a:rPr lang="en-US" dirty="0" err="1"/>
+              <a:t>app.</a:t>
+            </a:r>
+            <a:r>
+              <a:rPr lang="en-US" sz="1200" kern="1200" dirty="0" err="1">
+                <a:solidFill>
+                  <a:schemeClr val="tx1"/>
+                </a:solidFill>
+                <a:latin typeface="+mn-lt"/>
+                <a:ea typeface="+mn-ea"/>
+                <a:cs typeface="+mn-cs"/>
+              </a:rPr>
+              <a:t>UseExceptionHandlingMiddleware</a:t>
+            </a:r>
+            <a:r>
+              <a:rPr lang="en-US" sz="1200" kern="1200" dirty="0">
+                <a:solidFill>
+                  <a:schemeClr val="tx1"/>
+                </a:solidFill>
+                <a:latin typeface="+mn-lt"/>
+                <a:ea typeface="+mn-ea"/>
+                <a:cs typeface="+mn-cs"/>
+              </a:rPr>
+              <a:t> -&gt; </a:t>
+            </a:r>
+            <a:r>
+              <a:rPr lang="en-US" sz="1200" kern="1200" dirty="0" err="1">
+                <a:solidFill>
+                  <a:schemeClr val="tx1"/>
+                </a:solidFill>
+                <a:latin typeface="+mn-lt"/>
+                <a:ea typeface="+mn-ea"/>
+                <a:cs typeface="+mn-cs"/>
+              </a:rPr>
+              <a:t>podivat</a:t>
+            </a:r>
+            <a:r>
+              <a:rPr lang="en-US" sz="1200" kern="1200" dirty="0">
+                <a:solidFill>
+                  <a:schemeClr val="tx1"/>
+                </a:solidFill>
+                <a:latin typeface="+mn-lt"/>
+                <a:ea typeface="+mn-ea"/>
+                <a:cs typeface="+mn-cs"/>
+              </a:rPr>
+              <a:t> se </a:t>
+            </a:r>
+            <a:r>
+              <a:rPr lang="en-US" sz="1200" kern="1200" dirty="0" err="1">
+                <a:solidFill>
+                  <a:schemeClr val="tx1"/>
+                </a:solidFill>
+                <a:latin typeface="+mn-lt"/>
+                <a:ea typeface="+mn-ea"/>
+                <a:cs typeface="+mn-cs"/>
+              </a:rPr>
+              <a:t>dovnitr</a:t>
+            </a:r>
+            <a:endParaRPr lang="en-US" sz="1200" kern="1200" dirty="0">
+              <a:solidFill>
+                <a:schemeClr val="tx1"/>
+              </a:solidFill>
+              <a:latin typeface="+mn-lt"/>
+              <a:ea typeface="+mn-ea"/>
+              <a:cs typeface="+mn-cs"/>
+            </a:endParaRPr>
+          </a:p>
+          <a:p>
+            <a:pPr marL="171450" indent="-171450">
+              <a:buFontTx/>
+              <a:buChar char="-"/>
+            </a:pPr>
+            <a:r>
+              <a:rPr lang="en-US" sz="1200" kern="1200" dirty="0">
+                <a:solidFill>
+                  <a:schemeClr val="tx1"/>
+                </a:solidFill>
+                <a:latin typeface="+mn-lt"/>
+                <a:ea typeface="+mn-ea"/>
+                <a:cs typeface="+mn-cs"/>
+              </a:rPr>
+              <a:t>Proc to </a:t>
+            </a:r>
+            <a:r>
+              <a:rPr lang="en-US" sz="1200" kern="1200" dirty="0" err="1">
+                <a:solidFill>
+                  <a:schemeClr val="tx1"/>
+                </a:solidFill>
+                <a:latin typeface="+mn-lt"/>
+                <a:ea typeface="+mn-ea"/>
+                <a:cs typeface="+mn-cs"/>
+              </a:rPr>
+              <a:t>musim</a:t>
+            </a:r>
+            <a:r>
+              <a:rPr lang="en-US" sz="1200" kern="1200" dirty="0">
+                <a:solidFill>
+                  <a:schemeClr val="tx1"/>
+                </a:solidFill>
+                <a:latin typeface="+mn-lt"/>
+                <a:ea typeface="+mn-ea"/>
+                <a:cs typeface="+mn-cs"/>
+              </a:rPr>
+              <a:t> </a:t>
+            </a:r>
+            <a:r>
+              <a:rPr lang="en-US" sz="1200" kern="1200" dirty="0" err="1">
+                <a:solidFill>
+                  <a:schemeClr val="tx1"/>
+                </a:solidFill>
+                <a:latin typeface="+mn-lt"/>
+                <a:ea typeface="+mn-ea"/>
+                <a:cs typeface="+mn-cs"/>
+              </a:rPr>
+              <a:t>dat</a:t>
+            </a:r>
+            <a:r>
+              <a:rPr lang="en-US" sz="1200" kern="1200" dirty="0">
+                <a:solidFill>
+                  <a:schemeClr val="tx1"/>
+                </a:solidFill>
+                <a:latin typeface="+mn-lt"/>
+                <a:ea typeface="+mn-ea"/>
+                <a:cs typeface="+mn-cs"/>
+              </a:rPr>
+              <a:t> </a:t>
+            </a:r>
+            <a:r>
+              <a:rPr lang="en-US" sz="1200" kern="1200" dirty="0" err="1">
+                <a:solidFill>
+                  <a:schemeClr val="tx1"/>
+                </a:solidFill>
+                <a:latin typeface="+mn-lt"/>
+                <a:ea typeface="+mn-ea"/>
+                <a:cs typeface="+mn-cs"/>
+              </a:rPr>
+              <a:t>az</a:t>
+            </a:r>
+            <a:r>
+              <a:rPr lang="en-US" sz="1200" kern="1200" dirty="0">
+                <a:solidFill>
+                  <a:schemeClr val="tx1"/>
+                </a:solidFill>
+                <a:latin typeface="+mn-lt"/>
+                <a:ea typeface="+mn-ea"/>
+                <a:cs typeface="+mn-cs"/>
+              </a:rPr>
+              <a:t> za </a:t>
+            </a:r>
+            <a:r>
+              <a:rPr lang="en-US" sz="1200" kern="1200" dirty="0" err="1">
+                <a:solidFill>
+                  <a:schemeClr val="tx1"/>
+                </a:solidFill>
+                <a:latin typeface="+mn-lt"/>
+                <a:ea typeface="+mn-ea"/>
+                <a:cs typeface="+mn-cs"/>
+              </a:rPr>
+              <a:t>UseMVC</a:t>
+            </a:r>
+            <a:r>
+              <a:rPr lang="en-US" sz="1200" kern="1200" dirty="0">
+                <a:solidFill>
+                  <a:schemeClr val="tx1"/>
+                </a:solidFill>
+                <a:latin typeface="+mn-lt"/>
+                <a:ea typeface="+mn-ea"/>
+                <a:cs typeface="+mn-cs"/>
+              </a:rPr>
+              <a:t>?</a:t>
+            </a:r>
             <a:endParaRPr lang="en-US" dirty="0"/>
           </a:p>
         </p:txBody>
@@ -1282,7 +1768,7 @@
           <a:p>
             <a:fld id="{8A4A6133-5E02-4CB3-8CD2-79D67A7D8CF8}" type="slidenum">
               <a:rPr lang="en-US" smtClean="0"/>
-              <a:t>12</a:t>
+              <a:t>9</a:t>
             </a:fld>
             <a:endParaRPr lang="en-US"/>
           </a:p>
@@ -1291,7 +1777,7 @@
     </p:spTree>
     <p:extLst>
       <p:ext uri="{BB962C8B-B14F-4D97-AF65-F5344CB8AC3E}">
-        <p14:creationId xmlns:p14="http://schemas.microsoft.com/office/powerpoint/2010/main" val="2580023241"/>
+        <p14:creationId xmlns:p14="http://schemas.microsoft.com/office/powerpoint/2010/main" val="1875924373"/>
       </p:ext>
     </p:extLst>
   </p:cSld>
@@ -1347,29 +1833,8 @@
           <a:p>
             <a:r>
               <a:rPr lang="en-US" dirty="0"/>
-              <a:t>Demo </a:t>
-            </a:r>
-            <a:r>
-              <a:rPr lang="en-US" dirty="0" err="1"/>
-              <a:t>na</a:t>
-            </a:r>
-            <a:r>
-              <a:rPr lang="en-US" dirty="0"/>
-              <a:t> </a:t>
-            </a:r>
-            <a:r>
-              <a:rPr lang="en-US" dirty="0" err="1"/>
-              <a:t>ioptions</a:t>
-            </a:r>
-            <a:r>
-              <a:rPr lang="en-US" dirty="0"/>
-              <a:t> vs </a:t>
-            </a:r>
-            <a:r>
-              <a:rPr lang="en-US" dirty="0" err="1"/>
-              <a:t>iconfiguration</a:t>
-            </a:r>
-            <a:endParaRPr lang="en-US" dirty="0"/>
+              <a:t>Demo?</a:t>
+            </a:r>
           </a:p>
           <a:p>
             <a:endParaRPr lang="en-US" dirty="0"/>
@@ -1393,7 +1858,7 @@
           <a:p>
             <a:fld id="{8A4A6133-5E02-4CB3-8CD2-79D67A7D8CF8}" type="slidenum">
               <a:rPr lang="en-US" smtClean="0"/>
-              <a:t>13</a:t>
+              <a:t>11</a:t>
             </a:fld>
             <a:endParaRPr lang="en-US"/>
           </a:p>
@@ -1402,7 +1867,7 @@
     </p:spTree>
     <p:extLst>
       <p:ext uri="{BB962C8B-B14F-4D97-AF65-F5344CB8AC3E}">
-        <p14:creationId xmlns:p14="http://schemas.microsoft.com/office/powerpoint/2010/main" val="1836945804"/>
+        <p14:creationId xmlns:p14="http://schemas.microsoft.com/office/powerpoint/2010/main" val="2785056519"/>
       </p:ext>
     </p:extLst>
   </p:cSld>
@@ -1470,17 +1935,12 @@
             </a:r>
             <a:r>
               <a:rPr lang="en-US" dirty="0" err="1"/>
-              <a:t>ioptions</a:t>
+              <a:t>logovani</a:t>
             </a:r>
             <a:r>
               <a:rPr lang="en-US" dirty="0"/>
-              <a:t> vs </a:t>
-            </a:r>
-            <a:r>
-              <a:rPr lang="en-US" dirty="0" err="1"/>
-              <a:t>iconfiguration</a:t>
-            </a:r>
-            <a:endParaRPr lang="en-US" dirty="0"/>
+              <a:t> a named placeholders</a:t>
+            </a:r>
           </a:p>
           <a:p>
             <a:endParaRPr lang="en-US" dirty="0"/>
@@ -1504,7 +1964,7 @@
           <a:p>
             <a:fld id="{8A4A6133-5E02-4CB3-8CD2-79D67A7D8CF8}" type="slidenum">
               <a:rPr lang="en-US" smtClean="0"/>
-              <a:t>14</a:t>
+              <a:t>12</a:t>
             </a:fld>
             <a:endParaRPr lang="en-US"/>
           </a:p>
@@ -1513,7 +1973,7 @@
     </p:spTree>
     <p:extLst>
       <p:ext uri="{BB962C8B-B14F-4D97-AF65-F5344CB8AC3E}">
-        <p14:creationId xmlns:p14="http://schemas.microsoft.com/office/powerpoint/2010/main" val="2844588320"/>
+        <p14:creationId xmlns:p14="http://schemas.microsoft.com/office/powerpoint/2010/main" val="2580023241"/>
       </p:ext>
     </p:extLst>
   </p:cSld>
@@ -1540,7 +2000,93 @@
           <a:chExt cx="0" cy="0"/>
         </a:xfrm>
       </p:grpSpPr>
+      <p:sp>
+        <p:nvSpPr>
+          <p:cNvPr id="2" name="Slide Image Placeholder 1"/>
+          <p:cNvSpPr>
+            <a:spLocks noGrp="1" noRot="1" noChangeAspect="1"/>
+          </p:cNvSpPr>
+          <p:nvPr>
+            <p:ph type="sldImg"/>
+          </p:nvPr>
+        </p:nvSpPr>
+        <p:spPr/>
+      </p:sp>
+      <p:sp>
+        <p:nvSpPr>
+          <p:cNvPr id="3" name="Notes Placeholder 2"/>
+          <p:cNvSpPr>
+            <a:spLocks noGrp="1"/>
+          </p:cNvSpPr>
+          <p:nvPr>
+            <p:ph type="body" idx="1"/>
+          </p:nvPr>
+        </p:nvSpPr>
+        <p:spPr/>
+        <p:txBody>
+          <a:bodyPr/>
+          <a:lstStyle/>
+          <a:p>
+            <a:r>
+              <a:rPr lang="en-US" dirty="0"/>
+              <a:t>Demo </a:t>
+            </a:r>
+            <a:r>
+              <a:rPr lang="en-US" dirty="0" err="1"/>
+              <a:t>na</a:t>
+            </a:r>
+            <a:r>
+              <a:rPr lang="en-US" dirty="0"/>
+              <a:t> </a:t>
+            </a:r>
+            <a:r>
+              <a:rPr lang="en-US" dirty="0" err="1"/>
+              <a:t>ioptions</a:t>
+            </a:r>
+            <a:r>
+              <a:rPr lang="en-US" dirty="0"/>
+              <a:t> vs </a:t>
+            </a:r>
+            <a:r>
+              <a:rPr lang="en-US" dirty="0" err="1"/>
+              <a:t>iconfiguration</a:t>
+            </a:r>
+            <a:endParaRPr lang="en-US" dirty="0"/>
+          </a:p>
+          <a:p>
+            <a:endParaRPr lang="en-US" dirty="0"/>
+          </a:p>
+        </p:txBody>
+      </p:sp>
+      <p:sp>
+        <p:nvSpPr>
+          <p:cNvPr id="4" name="Slide Number Placeholder 3"/>
+          <p:cNvSpPr>
+            <a:spLocks noGrp="1"/>
+          </p:cNvSpPr>
+          <p:nvPr>
+            <p:ph type="sldNum" sz="quarter" idx="5"/>
+          </p:nvPr>
+        </p:nvSpPr>
+        <p:spPr/>
+        <p:txBody>
+          <a:bodyPr/>
+          <a:lstStyle/>
+          <a:p>
+            <a:fld id="{8A4A6133-5E02-4CB3-8CD2-79D67A7D8CF8}" type="slidenum">
+              <a:rPr lang="en-US" smtClean="0"/>
+              <a:t>13</a:t>
+            </a:fld>
+            <a:endParaRPr lang="en-US"/>
+          </a:p>
+        </p:txBody>
+      </p:sp>
     </p:spTree>
+    <p:extLst>
+      <p:ext uri="{BB962C8B-B14F-4D97-AF65-F5344CB8AC3E}">
+        <p14:creationId xmlns:p14="http://schemas.microsoft.com/office/powerpoint/2010/main" val="1836945804"/>
+      </p:ext>
+    </p:extLst>
   </p:cSld>
   <p:clrMapOvr>
     <a:masterClrMapping/>
@@ -1565,7 +2111,93 @@
           <a:chExt cx="0" cy="0"/>
         </a:xfrm>
       </p:grpSpPr>
+      <p:sp>
+        <p:nvSpPr>
+          <p:cNvPr id="2" name="Slide Image Placeholder 1"/>
+          <p:cNvSpPr>
+            <a:spLocks noGrp="1" noRot="1" noChangeAspect="1"/>
+          </p:cNvSpPr>
+          <p:nvPr>
+            <p:ph type="sldImg"/>
+          </p:nvPr>
+        </p:nvSpPr>
+        <p:spPr/>
+      </p:sp>
+      <p:sp>
+        <p:nvSpPr>
+          <p:cNvPr id="3" name="Notes Placeholder 2"/>
+          <p:cNvSpPr>
+            <a:spLocks noGrp="1"/>
+          </p:cNvSpPr>
+          <p:nvPr>
+            <p:ph type="body" idx="1"/>
+          </p:nvPr>
+        </p:nvSpPr>
+        <p:spPr/>
+        <p:txBody>
+          <a:bodyPr/>
+          <a:lstStyle/>
+          <a:p>
+            <a:r>
+              <a:rPr lang="en-US" dirty="0"/>
+              <a:t>Demo </a:t>
+            </a:r>
+            <a:r>
+              <a:rPr lang="en-US" dirty="0" err="1"/>
+              <a:t>na</a:t>
+            </a:r>
+            <a:r>
+              <a:rPr lang="en-US" dirty="0"/>
+              <a:t> </a:t>
+            </a:r>
+            <a:r>
+              <a:rPr lang="en-US" dirty="0" err="1"/>
+              <a:t>ioptions</a:t>
+            </a:r>
+            <a:r>
+              <a:rPr lang="en-US" dirty="0"/>
+              <a:t> vs </a:t>
+            </a:r>
+            <a:r>
+              <a:rPr lang="en-US" dirty="0" err="1"/>
+              <a:t>iconfiguration</a:t>
+            </a:r>
+            <a:endParaRPr lang="en-US" dirty="0"/>
+          </a:p>
+          <a:p>
+            <a:endParaRPr lang="en-US" dirty="0"/>
+          </a:p>
+        </p:txBody>
+      </p:sp>
+      <p:sp>
+        <p:nvSpPr>
+          <p:cNvPr id="4" name="Slide Number Placeholder 3"/>
+          <p:cNvSpPr>
+            <a:spLocks noGrp="1"/>
+          </p:cNvSpPr>
+          <p:nvPr>
+            <p:ph type="sldNum" sz="quarter" idx="5"/>
+          </p:nvPr>
+        </p:nvSpPr>
+        <p:spPr/>
+        <p:txBody>
+          <a:bodyPr/>
+          <a:lstStyle/>
+          <a:p>
+            <a:fld id="{8A4A6133-5E02-4CB3-8CD2-79D67A7D8CF8}" type="slidenum">
+              <a:rPr lang="en-US" smtClean="0"/>
+              <a:t>14</a:t>
+            </a:fld>
+            <a:endParaRPr lang="en-US"/>
+          </a:p>
+        </p:txBody>
+      </p:sp>
     </p:spTree>
+    <p:extLst>
+      <p:ext uri="{BB962C8B-B14F-4D97-AF65-F5344CB8AC3E}">
+        <p14:creationId xmlns:p14="http://schemas.microsoft.com/office/powerpoint/2010/main" val="2844588320"/>
+      </p:ext>
+    </p:extLst>
   </p:cSld>
   <p:clrMapOvr>
     <a:masterClrMapping/>
@@ -26547,6 +27179,23 @@
               <a:t> push, …)</a:t>
             </a:r>
           </a:p>
+          <a:p>
+            <a:pPr lvl="1"/>
+            <a:endParaRPr lang="en-US" dirty="0"/>
+          </a:p>
+          <a:p>
+            <a:r>
+              <a:rPr lang="en-US" dirty="0"/>
+              <a:t>Global tools</a:t>
+            </a:r>
+          </a:p>
+          <a:p>
+            <a:pPr lvl="1"/>
+            <a:r>
+              <a:rPr lang="en-US" dirty="0"/>
+              <a:t>dotnet tool xxx</a:t>
+            </a:r>
+          </a:p>
         </p:txBody>
       </p:sp>
       <p:sp>
@@ -26987,7 +27636,7 @@
           </p:nvPr>
         </p:nvPicPr>
         <p:blipFill>
-          <a:blip r:embed="rId2"/>
+          <a:blip r:embed="rId3"/>
           <a:stretch>
             <a:fillRect/>
           </a:stretch>

--- a/docs/CoreIntro.pptx
+++ b/docs/CoreIntro.pptx
@@ -856,7 +856,93 @@
           <a:chExt cx="0" cy="0"/>
         </a:xfrm>
       </p:grpSpPr>
+      <p:sp>
+        <p:nvSpPr>
+          <p:cNvPr id="2" name="Slide Image Placeholder 1"/>
+          <p:cNvSpPr>
+            <a:spLocks noGrp="1" noRot="1" noChangeAspect="1"/>
+          </p:cNvSpPr>
+          <p:nvPr>
+            <p:ph type="sldImg"/>
+          </p:nvPr>
+        </p:nvSpPr>
+        <p:spPr/>
+      </p:sp>
+      <p:sp>
+        <p:nvSpPr>
+          <p:cNvPr id="3" name="Notes Placeholder 2"/>
+          <p:cNvSpPr>
+            <a:spLocks noGrp="1"/>
+          </p:cNvSpPr>
+          <p:nvPr>
+            <p:ph type="body" idx="1"/>
+          </p:nvPr>
+        </p:nvSpPr>
+        <p:spPr/>
+        <p:txBody>
+          <a:bodyPr/>
+          <a:lstStyle/>
+          <a:p>
+            <a:r>
+              <a:rPr lang="en-US" dirty="0"/>
+              <a:t>Demo </a:t>
+            </a:r>
+            <a:r>
+              <a:rPr lang="en-US" dirty="0" err="1"/>
+              <a:t>na</a:t>
+            </a:r>
+            <a:r>
+              <a:rPr lang="en-US" dirty="0"/>
+              <a:t> </a:t>
+            </a:r>
+            <a:r>
+              <a:rPr lang="en-US" dirty="0" err="1"/>
+              <a:t>ioptions</a:t>
+            </a:r>
+            <a:r>
+              <a:rPr lang="en-US" dirty="0"/>
+              <a:t> vs </a:t>
+            </a:r>
+            <a:r>
+              <a:rPr lang="en-US" dirty="0" err="1"/>
+              <a:t>iconfiguration</a:t>
+            </a:r>
+            <a:endParaRPr lang="en-US" dirty="0"/>
+          </a:p>
+          <a:p>
+            <a:endParaRPr lang="en-US" dirty="0"/>
+          </a:p>
+        </p:txBody>
+      </p:sp>
+      <p:sp>
+        <p:nvSpPr>
+          <p:cNvPr id="4" name="Slide Number Placeholder 3"/>
+          <p:cNvSpPr>
+            <a:spLocks noGrp="1"/>
+          </p:cNvSpPr>
+          <p:nvPr>
+            <p:ph type="sldNum" sz="quarter" idx="5"/>
+          </p:nvPr>
+        </p:nvSpPr>
+        <p:spPr/>
+        <p:txBody>
+          <a:bodyPr/>
+          <a:lstStyle/>
+          <a:p>
+            <a:fld id="{8A4A6133-5E02-4CB3-8CD2-79D67A7D8CF8}" type="slidenum">
+              <a:rPr lang="en-US" smtClean="0"/>
+              <a:t>14</a:t>
+            </a:fld>
+            <a:endParaRPr lang="en-US"/>
+          </a:p>
+        </p:txBody>
+      </p:sp>
     </p:spTree>
+    <p:extLst>
+      <p:ext uri="{BB962C8B-B14F-4D97-AF65-F5344CB8AC3E}">
+        <p14:creationId xmlns:p14="http://schemas.microsoft.com/office/powerpoint/2010/main" val="2844588320"/>
+      </p:ext>
+    </p:extLst>
   </p:cSld>
   <p:clrMapOvr>
     <a:masterClrMapping/>
@@ -914,6 +1000,31 @@
 </p:notes>
 </file>
 
+<file path=ppt/notesSlides/notesSlide13.xml><?xml version="1.0" encoding="utf-8"?>
+<p:notes xmlns:a="http://schemas.openxmlformats.org/drawingml/2006/main" xmlns:r="http://schemas.openxmlformats.org/officeDocument/2006/relationships" xmlns:p="http://schemas.openxmlformats.org/presentationml/2006/main">
+  <p:cSld>
+    <p:spTree>
+      <p:nvGrpSpPr>
+        <p:cNvPr id="1" name=""/>
+        <p:cNvGrpSpPr/>
+        <p:nvPr/>
+      </p:nvGrpSpPr>
+      <p:grpSpPr>
+        <a:xfrm>
+          <a:off x="0" y="0"/>
+          <a:ext cx="0" cy="0"/>
+          <a:chOff x="0" y="0"/>
+          <a:chExt cx="0" cy="0"/>
+        </a:xfrm>
+      </p:grpSpPr>
+    </p:spTree>
+  </p:cSld>
+  <p:clrMapOvr>
+    <a:masterClrMapping/>
+  </p:clrMapOvr>
+</p:notes>
+</file>
+
 <file path=ppt/notesSlides/notesSlide2.xml><?xml version="1.0" encoding="utf-8"?>
 <p:notes xmlns:a="http://schemas.openxmlformats.org/drawingml/2006/main" xmlns:r="http://schemas.openxmlformats.org/officeDocument/2006/relationships" xmlns:p="http://schemas.openxmlformats.org/presentationml/2006/main">
   <p:cSld>
@@ -1747,6 +1858,18 @@
               </a:rPr>
               <a:t>?</a:t>
             </a:r>
+          </a:p>
+          <a:p>
+            <a:pPr marL="171450" indent="-171450">
+              <a:buFontTx/>
+              <a:buChar char="-"/>
+            </a:pPr>
+            <a:r>
+              <a:rPr lang="en-US" dirty="0">
+                <a:hlinkClick r:id="rId3"/>
+              </a:rPr>
+              <a:t>https://oriflame.visualstudio.com/Ori.Common/_git/Ori.Common.Exceptions?path=%2Fsrc%2FInfrastructure%2FExceptionHandlingMiddleware.cs&amp;version=GBdevelop</a:t>
+            </a:r>
             <a:endParaRPr lang="en-US" dirty="0"/>
           </a:p>
         </p:txBody>
@@ -1833,10 +1956,40 @@
           <a:p>
             <a:r>
               <a:rPr lang="en-US" dirty="0"/>
-              <a:t>Demo?</a:t>
-            </a:r>
-          </a:p>
-          <a:p>
+              <a:t>Demo </a:t>
+            </a:r>
+          </a:p>
+          <a:p>
+            <a:pPr marL="171450" indent="-171450">
+              <a:buFontTx/>
+              <a:buChar char="-"/>
+            </a:pPr>
+            <a:r>
+              <a:rPr lang="en-US" dirty="0"/>
+              <a:t>03-Hosting</a:t>
+            </a:r>
+          </a:p>
+          <a:p>
+            <a:pPr marL="171450" indent="-171450">
+              <a:buFontTx/>
+              <a:buChar char="-"/>
+            </a:pPr>
+            <a:r>
+              <a:rPr lang="en-US" dirty="0"/>
+              <a:t>Properties-&gt;Debug-&gt;Profile</a:t>
+            </a:r>
+          </a:p>
+          <a:p>
+            <a:pPr marL="171450" indent="-171450">
+              <a:buFontTx/>
+              <a:buChar char="-"/>
+            </a:pPr>
+            <a:r>
+              <a:rPr lang="en-US" dirty="0">
+                <a:hlinkClick r:id="rId3"/>
+              </a:rPr>
+              <a:t>https://oriflame.visualstudio.com/_git/ReportingService?path=%2Fsrc%2FReporting%2Fsrc%2FOri.Reporting.UI%2FProperties%2FlaunchSettings.json&amp;version=GBmaster</a:t>
+            </a:r>
             <a:endParaRPr lang="en-US" dirty="0"/>
           </a:p>
         </p:txBody>
@@ -1858,7 +2011,7 @@
           <a:p>
             <a:fld id="{8A4A6133-5E02-4CB3-8CD2-79D67A7D8CF8}" type="slidenum">
               <a:rPr lang="en-US" smtClean="0"/>
-              <a:t>11</a:t>
+              <a:t>10</a:t>
             </a:fld>
             <a:endParaRPr lang="en-US"/>
           </a:p>
@@ -1867,7 +2020,7 @@
     </p:spTree>
     <p:extLst>
       <p:ext uri="{BB962C8B-B14F-4D97-AF65-F5344CB8AC3E}">
-        <p14:creationId xmlns:p14="http://schemas.microsoft.com/office/powerpoint/2010/main" val="2785056519"/>
+        <p14:creationId xmlns:p14="http://schemas.microsoft.com/office/powerpoint/2010/main" val="860766697"/>
       </p:ext>
     </p:extLst>
   </p:cSld>
@@ -1923,27 +2076,14 @@
           <a:p>
             <a:r>
               <a:rPr lang="en-US" dirty="0"/>
-              <a:t>Demo </a:t>
-            </a:r>
-            <a:r>
-              <a:rPr lang="en-US" dirty="0" err="1"/>
-              <a:t>na</a:t>
-            </a:r>
+              <a:t>Demo</a:t>
+            </a:r>
+          </a:p>
+          <a:p>
             <a:r>
               <a:rPr lang="en-US" dirty="0"/>
-              <a:t> </a:t>
-            </a:r>
-            <a:r>
-              <a:rPr lang="en-US" dirty="0" err="1"/>
-              <a:t>logovani</a:t>
-            </a:r>
-            <a:r>
-              <a:rPr lang="en-US" dirty="0"/>
-              <a:t> a named placeholders</a:t>
-            </a:r>
-          </a:p>
-          <a:p>
-            <a:endParaRPr lang="en-US" dirty="0"/>
+              <a:t>- 03-Hosting</a:t>
+            </a:r>
           </a:p>
         </p:txBody>
       </p:sp>
@@ -1964,7 +2104,7 @@
           <a:p>
             <a:fld id="{8A4A6133-5E02-4CB3-8CD2-79D67A7D8CF8}" type="slidenum">
               <a:rPr lang="en-US" smtClean="0"/>
-              <a:t>12</a:t>
+              <a:t>11</a:t>
             </a:fld>
             <a:endParaRPr lang="en-US"/>
           </a:p>
@@ -1973,7 +2113,7 @@
     </p:spTree>
     <p:extLst>
       <p:ext uri="{BB962C8B-B14F-4D97-AF65-F5344CB8AC3E}">
-        <p14:creationId xmlns:p14="http://schemas.microsoft.com/office/powerpoint/2010/main" val="2580023241"/>
+        <p14:creationId xmlns:p14="http://schemas.microsoft.com/office/powerpoint/2010/main" val="2785056519"/>
       </p:ext>
     </p:extLst>
   </p:cSld>
@@ -2041,17 +2181,12 @@
             </a:r>
             <a:r>
               <a:rPr lang="en-US" dirty="0" err="1"/>
-              <a:t>ioptions</a:t>
+              <a:t>logovani</a:t>
             </a:r>
             <a:r>
               <a:rPr lang="en-US" dirty="0"/>
-              <a:t> vs </a:t>
-            </a:r>
-            <a:r>
-              <a:rPr lang="en-US" dirty="0" err="1"/>
-              <a:t>iconfiguration</a:t>
-            </a:r>
-            <a:endParaRPr lang="en-US" dirty="0"/>
+              <a:t> a named placeholders</a:t>
+            </a:r>
           </a:p>
           <a:p>
             <a:endParaRPr lang="en-US" dirty="0"/>
@@ -2075,7 +2210,7 @@
           <a:p>
             <a:fld id="{8A4A6133-5E02-4CB3-8CD2-79D67A7D8CF8}" type="slidenum">
               <a:rPr lang="en-US" smtClean="0"/>
-              <a:t>13</a:t>
+              <a:t>12</a:t>
             </a:fld>
             <a:endParaRPr lang="en-US"/>
           </a:p>
@@ -2084,7 +2219,7 @@
     </p:spTree>
     <p:extLst>
       <p:ext uri="{BB962C8B-B14F-4D97-AF65-F5344CB8AC3E}">
-        <p14:creationId xmlns:p14="http://schemas.microsoft.com/office/powerpoint/2010/main" val="1836945804"/>
+        <p14:creationId xmlns:p14="http://schemas.microsoft.com/office/powerpoint/2010/main" val="2580023241"/>
       </p:ext>
     </p:extLst>
   </p:cSld>
@@ -2186,7 +2321,7 @@
           <a:p>
             <a:fld id="{8A4A6133-5E02-4CB3-8CD2-79D67A7D8CF8}" type="slidenum">
               <a:rPr lang="en-US" smtClean="0"/>
-              <a:t>14</a:t>
+              <a:t>13</a:t>
             </a:fld>
             <a:endParaRPr lang="en-US"/>
           </a:p>
@@ -2195,7 +2330,7 @@
     </p:spTree>
     <p:extLst>
       <p:ext uri="{BB962C8B-B14F-4D97-AF65-F5344CB8AC3E}">
-        <p14:creationId xmlns:p14="http://schemas.microsoft.com/office/powerpoint/2010/main" val="2844588320"/>
+        <p14:creationId xmlns:p14="http://schemas.microsoft.com/office/powerpoint/2010/main" val="1836945804"/>
       </p:ext>
     </p:extLst>
   </p:cSld>
@@ -15483,6 +15618,17 @@
               <a:t>Open source</a:t>
             </a:r>
           </a:p>
+          <a:p>
+            <a:r>
+              <a:rPr lang="en-US" dirty="0"/>
+              <a:t>Properties/</a:t>
+            </a:r>
+            <a:r>
+              <a:rPr lang="en-US" dirty="0" err="1"/>
+              <a:t>launchSettings.json</a:t>
+            </a:r>
+            <a:endParaRPr lang="en-US" dirty="0"/>
+          </a:p>
         </p:txBody>
       </p:sp>
       <p:pic>
@@ -15500,7 +15646,7 @@
           <p:nvPr/>
         </p:nvPicPr>
         <p:blipFill>
-          <a:blip r:embed="rId2"/>
+          <a:blip r:embed="rId3"/>
           <a:stretch>
             <a:fillRect/>
           </a:stretch>
@@ -15751,6 +15897,37 @@
                                           <p:spTgt spid="8">
                                             <p:txEl>
                                               <p:pRg st="6" end="6"/>
+                                            </p:txEl>
+                                          </p:spTgt>
+                                        </p:tgtEl>
+                                        <p:attrNameLst>
+                                          <p:attrName>style.visibility</p:attrName>
+                                        </p:attrNameLst>
+                                      </p:cBhvr>
+                                      <p:to>
+                                        <p:strVal val="visible"/>
+                                      </p:to>
+                                    </p:set>
+                                  </p:childTnLst>
+                                </p:cTn>
+                              </p:par>
+                              <p:par>
+                                <p:cTn id="19" presetID="1" presetClass="entr" presetSubtype="0" fill="hold" nodeType="withEffect">
+                                  <p:stCondLst>
+                                    <p:cond delay="0"/>
+                                  </p:stCondLst>
+                                  <p:childTnLst>
+                                    <p:set>
+                                      <p:cBhvr>
+                                        <p:cTn id="20" dur="1" fill="hold">
+                                          <p:stCondLst>
+                                            <p:cond delay="0"/>
+                                          </p:stCondLst>
+                                        </p:cTn>
+                                        <p:tgtEl>
+                                          <p:spTgt spid="8">
+                                            <p:txEl>
+                                              <p:pRg st="7" end="7"/>
                                             </p:txEl>
                                           </p:spTgt>
                                         </p:tgtEl>
@@ -17579,6 +17756,19 @@
               <a:t>();</a:t>
             </a:r>
           </a:p>
+          <a:p>
+            <a:endParaRPr lang="en-US" dirty="0"/>
+          </a:p>
+          <a:p>
+            <a:r>
+              <a:rPr lang="en-US" dirty="0" err="1"/>
+              <a:t>Logging.ApplicationInsights</a:t>
+            </a:r>
+            <a:r>
+              <a:rPr lang="en-US" dirty="0"/>
+              <a:t> package?</a:t>
+            </a:r>
+          </a:p>
         </p:txBody>
       </p:sp>
     </p:spTree>
@@ -17972,6 +18162,37 @@
                                           <p:spTgt spid="9">
                                             <p:txEl>
                                               <p:pRg st="2" end="2"/>
+                                            </p:txEl>
+                                          </p:spTgt>
+                                        </p:tgtEl>
+                                        <p:attrNameLst>
+                                          <p:attrName>style.visibility</p:attrName>
+                                        </p:attrNameLst>
+                                      </p:cBhvr>
+                                      <p:to>
+                                        <p:strVal val="visible"/>
+                                      </p:to>
+                                    </p:set>
+                                  </p:childTnLst>
+                                </p:cTn>
+                              </p:par>
+                              <p:par>
+                                <p:cTn id="29" presetID="1" presetClass="entr" presetSubtype="0" fill="hold" nodeType="withEffect">
+                                  <p:stCondLst>
+                                    <p:cond delay="0"/>
+                                  </p:stCondLst>
+                                  <p:childTnLst>
+                                    <p:set>
+                                      <p:cBhvr>
+                                        <p:cTn id="30" dur="1" fill="hold">
+                                          <p:stCondLst>
+                                            <p:cond delay="0"/>
+                                          </p:stCondLst>
+                                        </p:cTn>
+                                        <p:tgtEl>
+                                          <p:spTgt spid="9">
+                                            <p:txEl>
+                                              <p:pRg st="4" end="4"/>
                                             </p:txEl>
                                           </p:spTgt>
                                         </p:tgtEl>

--- a/docs/CoreIntro.pptx
+++ b/docs/CoreIntro.pptx
@@ -2189,6 +2189,79 @@
             </a:r>
           </a:p>
           <a:p>
+            <a:pPr marL="171450" indent="-171450">
+              <a:buFontTx/>
+              <a:buChar char="-"/>
+            </a:pPr>
+            <a:r>
+              <a:rPr lang="en-US" dirty="0"/>
+              <a:t>04-Logging</a:t>
+            </a:r>
+          </a:p>
+          <a:p>
+            <a:pPr marL="171450" indent="-171450">
+              <a:buFontTx/>
+              <a:buChar char="-"/>
+            </a:pPr>
+            <a:r>
+              <a:rPr lang="en-US" dirty="0" err="1"/>
+              <a:t>Program.cs</a:t>
+            </a:r>
+            <a:r>
+              <a:rPr lang="en-US" dirty="0"/>
+              <a:t> -&gt; </a:t>
+            </a:r>
+            <a:r>
+              <a:rPr lang="en-US" dirty="0" err="1"/>
+              <a:t>ConfigureLogging</a:t>
+            </a:r>
+            <a:endParaRPr lang="en-US" dirty="0"/>
+          </a:p>
+          <a:p>
+            <a:pPr marL="171450" indent="-171450">
+              <a:buFontTx/>
+              <a:buChar char="-"/>
+            </a:pPr>
+            <a:r>
+              <a:rPr lang="en-US" dirty="0"/>
+              <a:t>Different sources</a:t>
+            </a:r>
+          </a:p>
+          <a:p>
+            <a:pPr marL="171450" indent="-171450">
+              <a:buFontTx/>
+              <a:buChar char="-"/>
+            </a:pPr>
+            <a:r>
+              <a:rPr lang="en-US" dirty="0"/>
+              <a:t>Logger inject + example</a:t>
+            </a:r>
+          </a:p>
+          <a:p>
+            <a:pPr marL="171450" indent="-171450">
+              <a:buFontTx/>
+              <a:buChar char="-"/>
+            </a:pPr>
+            <a:r>
+              <a:rPr lang="en-US" dirty="0"/>
+              <a:t>Add AI SDK + Update!</a:t>
+            </a:r>
+          </a:p>
+          <a:p>
+            <a:pPr marL="171450" indent="-171450">
+              <a:buFontTx/>
+              <a:buChar char="-"/>
+            </a:pPr>
+            <a:r>
+              <a:rPr lang="en-US" dirty="0" err="1"/>
+              <a:t>Addnamed</a:t>
+            </a:r>
+            <a:r>
+              <a:rPr lang="en-US" dirty="0"/>
+              <a:t> placeholders for logging</a:t>
+            </a:r>
+          </a:p>
+          <a:p>
             <a:endParaRPr lang="en-US" dirty="0"/>
           </a:p>
         </p:txBody>
@@ -2275,27 +2348,154 @@
           <a:p>
             <a:r>
               <a:rPr lang="en-US" dirty="0"/>
-              <a:t>Demo </a:t>
-            </a:r>
+              <a:t>Demo</a:t>
+            </a:r>
+          </a:p>
+          <a:p>
+            <a:pPr marL="171450" indent="-171450">
+              <a:buFontTx/>
+              <a:buChar char="-"/>
+            </a:pPr>
+            <a:r>
+              <a:rPr lang="en-US" dirty="0"/>
+              <a:t>05-Settings</a:t>
+            </a:r>
+          </a:p>
+          <a:p>
+            <a:pPr marL="171450" indent="-171450">
+              <a:buFontTx/>
+              <a:buChar char="-"/>
+            </a:pPr>
             <a:r>
               <a:rPr lang="en-US" dirty="0" err="1"/>
-              <a:t>na</a:t>
+              <a:t>StartUp</a:t>
+            </a:r>
+            <a:r>
+              <a:rPr lang="en-US" dirty="0"/>
+              <a:t> -&gt; </a:t>
+            </a:r>
+            <a:r>
+              <a:rPr lang="en-US" dirty="0" err="1"/>
+              <a:t>ConfigureServices</a:t>
+            </a:r>
+            <a:r>
+              <a:rPr lang="en-US" dirty="0"/>
+              <a:t> -&gt; </a:t>
+            </a:r>
+            <a:r>
+              <a:rPr lang="en-US" dirty="0" err="1"/>
+              <a:t>DirectInject</a:t>
+            </a:r>
+            <a:r>
+              <a:rPr lang="en-US" dirty="0"/>
+              <a:t> + Options</a:t>
+            </a:r>
+          </a:p>
+          <a:p>
+            <a:pPr marL="171450" indent="-171450">
+              <a:buFontTx/>
+              <a:buChar char="-"/>
+            </a:pPr>
+            <a:r>
+              <a:rPr lang="en-US" dirty="0"/>
+              <a:t>/</a:t>
+            </a:r>
+            <a:r>
+              <a:rPr lang="en-US" dirty="0" err="1"/>
+              <a:t>api</a:t>
+            </a:r>
+            <a:r>
+              <a:rPr lang="en-US" dirty="0"/>
+              <a:t>/settings and /</a:t>
+            </a:r>
+            <a:r>
+              <a:rPr lang="en-US" dirty="0" err="1"/>
+              <a:t>api</a:t>
+            </a:r>
+            <a:r>
+              <a:rPr lang="en-US" dirty="0"/>
+              <a:t>/options</a:t>
+            </a:r>
+          </a:p>
+          <a:p>
+            <a:pPr marL="171450" indent="-171450">
+              <a:buFontTx/>
+              <a:buChar char="-"/>
+            </a:pPr>
+            <a:r>
+              <a:rPr lang="en-US" dirty="0"/>
+              <a:t>Change </a:t>
+            </a:r>
+            <a:r>
+              <a:rPr lang="en-US" dirty="0" err="1"/>
+              <a:t>PublicValue</a:t>
             </a:r>
             <a:r>
               <a:rPr lang="en-US" dirty="0"/>
               <a:t> </a:t>
             </a:r>
             <a:r>
+              <a:rPr lang="en-US"/>
+              <a:t>for options</a:t>
+            </a:r>
+            <a:endParaRPr lang="en-US" dirty="0"/>
+          </a:p>
+          <a:p>
+            <a:pPr marL="171450" indent="-171450">
+              <a:buFontTx/>
+              <a:buChar char="-"/>
+            </a:pPr>
+            <a:r>
               <a:rPr lang="en-US" dirty="0" err="1"/>
-              <a:t>ioptions</a:t>
+              <a:t>UserSecretsId</a:t>
             </a:r>
             <a:r>
               <a:rPr lang="en-US" dirty="0"/>
-              <a:t> vs </a:t>
+              <a:t> in </a:t>
             </a:r>
             <a:r>
               <a:rPr lang="en-US" dirty="0" err="1"/>
-              <a:t>iconfiguration</a:t>
+              <a:t>proj</a:t>
+            </a:r>
+            <a:r>
+              <a:rPr lang="en-US" dirty="0"/>
+              <a:t> file</a:t>
+            </a:r>
+          </a:p>
+          <a:p>
+            <a:pPr marL="171450" indent="-171450">
+              <a:buFontTx/>
+              <a:buChar char="-"/>
+            </a:pPr>
+            <a:r>
+              <a:rPr lang="en-US" dirty="0"/>
+              <a:t>dotnet user-secrets set "</a:t>
+            </a:r>
+            <a:r>
+              <a:rPr lang="en-US" dirty="0" err="1"/>
+              <a:t>SettingsClass:SecretPhrase</a:t>
+            </a:r>
+            <a:r>
+              <a:rPr lang="en-US" dirty="0"/>
+              <a:t>" "</a:t>
+            </a:r>
+            <a:r>
+              <a:rPr lang="en-US" dirty="0" err="1"/>
+              <a:t>bubak</a:t>
+            </a:r>
+            <a:r>
+              <a:rPr lang="en-US" dirty="0"/>
+              <a:t>" --project D:\Work\Oriflame\ArchSync\coreintro\src\Settings</a:t>
+            </a:r>
+          </a:p>
+          <a:p>
+            <a:pPr marL="171450" indent="-171450">
+              <a:buFontTx/>
+              <a:buChar char="-"/>
+            </a:pPr>
+            <a:r>
+              <a:rPr lang="en-US" dirty="0" err="1"/>
+              <a:t>Ori.Configuration.Manager</a:t>
             </a:r>
             <a:endParaRPr lang="en-US" dirty="0"/>
           </a:p>
@@ -17474,6 +17674,17 @@
             <a:pPr lvl="1"/>
             <a:r>
               <a:rPr lang="en-US" dirty="0" err="1"/>
+              <a:t>AddApplicationInsights</a:t>
+            </a:r>
+            <a:r>
+              <a:rPr lang="en-US" dirty="0"/>
+              <a:t>()</a:t>
+            </a:r>
+          </a:p>
+          <a:p>
+            <a:pPr lvl="1"/>
+            <a:r>
+              <a:rPr lang="en-US" dirty="0" err="1"/>
               <a:t>AddXxx</a:t>
             </a:r>
             <a:endParaRPr lang="en-US" dirty="0"/>
@@ -17488,27 +17699,24 @@
           </a:p>
           <a:p>
             <a:r>
+              <a:rPr lang="en-US" dirty="0"/>
+              <a:t>Inject </a:t>
+            </a:r>
+            <a:r>
+              <a:rPr lang="en-US" dirty="0" err="1"/>
+              <a:t>ILoggerFactory</a:t>
+            </a:r>
+            <a:r>
+              <a:rPr lang="en-US" dirty="0"/>
+              <a:t>, </a:t>
+            </a:r>
+            <a:r>
               <a:rPr lang="en-US" dirty="0" err="1"/>
               <a:t>ILogger</a:t>
             </a:r>
             <a:r>
               <a:rPr lang="en-US" dirty="0"/>
-              <a:t>, </a:t>
-            </a:r>
-            <a:r>
-              <a:rPr lang="en-US" dirty="0" err="1"/>
-              <a:t>ILogger</a:t>
-            </a:r>
-            <a:r>
-              <a:rPr lang="en-US" dirty="0"/>
               <a:t>&lt;T&gt;</a:t>
-            </a:r>
-          </a:p>
-          <a:p>
-            <a:pPr lvl="1"/>
-            <a:r>
-              <a:rPr lang="en-US" dirty="0"/>
-              <a:t>Named placeholders</a:t>
             </a:r>
           </a:p>
           <a:p>
@@ -17738,35 +17946,14 @@
           </a:p>
           <a:p>
             <a:r>
-              <a:rPr lang="en-US" dirty="0" err="1"/>
-              <a:t>HostBuilder.UseApplicationInsights</a:t>
-            </a:r>
-            <a:r>
               <a:rPr lang="en-US" dirty="0"/>
-              <a:t>()</a:t>
-            </a:r>
-          </a:p>
-          <a:p>
-            <a:r>
-              <a:rPr lang="en-US" dirty="0" err="1"/>
-              <a:t>loggerFactory.AddApplicationInsights</a:t>
-            </a:r>
+              <a:t>Named placeholders</a:t>
+            </a:r>
+          </a:p>
+          <a:p>
             <a:r>
               <a:rPr lang="en-US" dirty="0"/>
-              <a:t>();</a:t>
-            </a:r>
-          </a:p>
-          <a:p>
-            <a:endParaRPr lang="en-US" dirty="0"/>
-          </a:p>
-          <a:p>
-            <a:r>
-              <a:rPr lang="en-US" dirty="0" err="1"/>
-              <a:t>Logging.ApplicationInsights</a:t>
-            </a:r>
-            <a:r>
-              <a:rPr lang="en-US" dirty="0"/>
-              <a:t> package?</a:t>
+              <a:t>No structured logging</a:t>
             </a:r>
           </a:p>
         </p:txBody>
@@ -18037,7 +18224,7 @@
                                         <p:tgtEl>
                                           <p:spTgt spid="8">
                                             <p:txEl>
-                                              <p:pRg st="9" end="9"/>
+                                              <p:pRg st="7" end="7"/>
                                             </p:txEl>
                                           </p:spTgt>
                                         </p:tgtEl>
@@ -18176,37 +18363,6 @@
                                   </p:childTnLst>
                                 </p:cTn>
                               </p:par>
-                              <p:par>
-                                <p:cTn id="29" presetID="1" presetClass="entr" presetSubtype="0" fill="hold" nodeType="withEffect">
-                                  <p:stCondLst>
-                                    <p:cond delay="0"/>
-                                  </p:stCondLst>
-                                  <p:childTnLst>
-                                    <p:set>
-                                      <p:cBhvr>
-                                        <p:cTn id="30" dur="1" fill="hold">
-                                          <p:stCondLst>
-                                            <p:cond delay="0"/>
-                                          </p:stCondLst>
-                                        </p:cTn>
-                                        <p:tgtEl>
-                                          <p:spTgt spid="9">
-                                            <p:txEl>
-                                              <p:pRg st="4" end="4"/>
-                                            </p:txEl>
-                                          </p:spTgt>
-                                        </p:tgtEl>
-                                        <p:attrNameLst>
-                                          <p:attrName>style.visibility</p:attrName>
-                                        </p:attrNameLst>
-                                      </p:cBhvr>
-                                      <p:to>
-                                        <p:strVal val="visible"/>
-                                      </p:to>
-                                    </p:set>
-                                  </p:childTnLst>
-                                </p:cTn>
-                              </p:par>
                             </p:childTnLst>
                           </p:cTn>
                         </p:par>
@@ -18574,6 +18730,31 @@
               <a:t>Last value wins</a:t>
             </a:r>
           </a:p>
+          <a:p>
+            <a:endParaRPr lang="en-US" dirty="0"/>
+          </a:p>
+          <a:p>
+            <a:r>
+              <a:rPr lang="en-US" dirty="0" err="1"/>
+              <a:t>UserSecrets</a:t>
+            </a:r>
+            <a:endParaRPr lang="en-US" dirty="0"/>
+          </a:p>
+          <a:p>
+            <a:pPr lvl="1"/>
+            <a:r>
+              <a:rPr lang="en-US" dirty="0" err="1"/>
+              <a:t>KeyVault</a:t>
+            </a:r>
+            <a:endParaRPr lang="en-US" dirty="0"/>
+          </a:p>
+          <a:p>
+            <a:pPr lvl="1"/>
+            <a:r>
+              <a:rPr lang="en-US" dirty="0"/>
+              <a:t>Local machine secret store</a:t>
+            </a:r>
+          </a:p>
         </p:txBody>
       </p:sp>
       <p:sp>
@@ -18999,12 +19180,6 @@
               <a:rPr lang="en-US" dirty="0"/>
               <a:t>&lt;T&gt;()</a:t>
             </a:r>
-          </a:p>
-          <a:p>
-            <a:pPr marL="0" indent="0">
-              <a:buNone/>
-            </a:pPr>
-            <a:endParaRPr lang="en-US" b="1" dirty="0"/>
           </a:p>
           <a:p>
             <a:pPr marL="0" indent="0">
@@ -19341,15 +19516,10 @@
                                 </p:cTn>
                               </p:par>
                               <p:par>
-                                <p:cTn id="21" presetID="1" presetClass="entr" presetSubtype="0" fill="hold" nodeType="withEffect" nodePh="1">
+                                <p:cTn id="21" presetID="1" presetClass="entr" presetSubtype="0" fill="hold" nodeType="withEffect">
                                   <p:stCondLst>
                                     <p:cond delay="0"/>
                                   </p:stCondLst>
-                                  <p:endCondLst>
-                                    <p:cond evt="begin" delay="0">
-                                      <p:tn val="21"/>
-                                    </p:cond>
-                                  </p:endCondLst>
                                   <p:childTnLst>
                                     <p:set>
                                       <p:cBhvr>
@@ -19359,9 +19529,9 @@
                                           </p:stCondLst>
                                         </p:cTn>
                                         <p:tgtEl>
-                                          <p:spTgt spid="6">
+                                          <p:spTgt spid="8">
                                             <p:txEl>
-                                              <p:pRg st="0" end="0"/>
+                                              <p:pRg st="9" end="9"/>
                                             </p:txEl>
                                           </p:spTgt>
                                         </p:tgtEl>
@@ -19390,9 +19560,9 @@
                                           </p:stCondLst>
                                         </p:cTn>
                                         <p:tgtEl>
-                                          <p:spTgt spid="9">
+                                          <p:spTgt spid="8">
                                             <p:txEl>
-                                              <p:pRg st="4" end="4"/>
+                                              <p:pRg st="10" end="10"/>
                                             </p:txEl>
                                           </p:spTgt>
                                         </p:tgtEl>
@@ -19421,9 +19591,9 @@
                                           </p:stCondLst>
                                         </p:cTn>
                                         <p:tgtEl>
-                                          <p:spTgt spid="9">
+                                          <p:spTgt spid="8">
                                             <p:txEl>
-                                              <p:pRg st="0" end="0"/>
+                                              <p:pRg st="11" end="11"/>
                                             </p:txEl>
                                           </p:spTgt>
                                         </p:tgtEl>
@@ -19439,10 +19609,15 @@
                                 </p:cTn>
                               </p:par>
                               <p:par>
-                                <p:cTn id="27" presetID="1" presetClass="entr" presetSubtype="0" fill="hold" nodeType="withEffect">
+                                <p:cTn id="27" presetID="1" presetClass="entr" presetSubtype="0" fill="hold" nodeType="withEffect" nodePh="1">
                                   <p:stCondLst>
                                     <p:cond delay="0"/>
                                   </p:stCondLst>
+                                  <p:endCondLst>
+                                    <p:cond evt="begin" delay="0">
+                                      <p:tn val="27"/>
+                                    </p:cond>
+                                  </p:endCondLst>
                                   <p:childTnLst>
                                     <p:set>
                                       <p:cBhvr>
@@ -19452,9 +19627,9 @@
                                           </p:stCondLst>
                                         </p:cTn>
                                         <p:tgtEl>
-                                          <p:spTgt spid="9">
+                                          <p:spTgt spid="6">
                                             <p:txEl>
-                                              <p:pRg st="1" end="1"/>
+                                              <p:pRg st="0" end="0"/>
                                             </p:txEl>
                                           </p:spTgt>
                                         </p:tgtEl>
@@ -19485,7 +19660,7 @@
                                         <p:tgtEl>
                                           <p:spTgt spid="9">
                                             <p:txEl>
-                                              <p:pRg st="5" end="5"/>
+                                              <p:pRg st="3" end="3"/>
                                             </p:txEl>
                                           </p:spTgt>
                                         </p:tgtEl>
@@ -19516,7 +19691,7 @@
                                         <p:tgtEl>
                                           <p:spTgt spid="9">
                                             <p:txEl>
-                                              <p:pRg st="6" end="6"/>
+                                              <p:pRg st="0" end="0"/>
                                             </p:txEl>
                                           </p:spTgt>
                                         </p:tgtEl>
@@ -19547,7 +19722,7 @@
                                         <p:tgtEl>
                                           <p:spTgt spid="9">
                                             <p:txEl>
-                                              <p:pRg st="7" end="7"/>
+                                              <p:pRg st="1" end="1"/>
                                             </p:txEl>
                                           </p:spTgt>
                                         </p:tgtEl>
@@ -19578,7 +19753,100 @@
                                         <p:tgtEl>
                                           <p:spTgt spid="9">
                                             <p:txEl>
-                                              <p:pRg st="8" end="8"/>
+                                              <p:pRg st="4" end="4"/>
+                                            </p:txEl>
+                                          </p:spTgt>
+                                        </p:tgtEl>
+                                        <p:attrNameLst>
+                                          <p:attrName>style.visibility</p:attrName>
+                                        </p:attrNameLst>
+                                      </p:cBhvr>
+                                      <p:to>
+                                        <p:strVal val="visible"/>
+                                      </p:to>
+                                    </p:set>
+                                  </p:childTnLst>
+                                </p:cTn>
+                              </p:par>
+                              <p:par>
+                                <p:cTn id="37" presetID="1" presetClass="entr" presetSubtype="0" fill="hold" nodeType="withEffect">
+                                  <p:stCondLst>
+                                    <p:cond delay="0"/>
+                                  </p:stCondLst>
+                                  <p:childTnLst>
+                                    <p:set>
+                                      <p:cBhvr>
+                                        <p:cTn id="38" dur="1" fill="hold">
+                                          <p:stCondLst>
+                                            <p:cond delay="0"/>
+                                          </p:stCondLst>
+                                        </p:cTn>
+                                        <p:tgtEl>
+                                          <p:spTgt spid="9">
+                                            <p:txEl>
+                                              <p:pRg st="5" end="5"/>
+                                            </p:txEl>
+                                          </p:spTgt>
+                                        </p:tgtEl>
+                                        <p:attrNameLst>
+                                          <p:attrName>style.visibility</p:attrName>
+                                        </p:attrNameLst>
+                                      </p:cBhvr>
+                                      <p:to>
+                                        <p:strVal val="visible"/>
+                                      </p:to>
+                                    </p:set>
+                                  </p:childTnLst>
+                                </p:cTn>
+                              </p:par>
+                              <p:par>
+                                <p:cTn id="39" presetID="1" presetClass="entr" presetSubtype="0" fill="hold" nodeType="withEffect">
+                                  <p:stCondLst>
+                                    <p:cond delay="0"/>
+                                  </p:stCondLst>
+                                  <p:childTnLst>
+                                    <p:set>
+                                      <p:cBhvr>
+                                        <p:cTn id="40" dur="1" fill="hold">
+                                          <p:stCondLst>
+                                            <p:cond delay="0"/>
+                                          </p:stCondLst>
+                                        </p:cTn>
+                                        <p:tgtEl>
+                                          <p:spTgt spid="9">
+                                            <p:txEl>
+                                              <p:pRg st="6" end="6"/>
+                                            </p:txEl>
+                                          </p:spTgt>
+                                        </p:tgtEl>
+                                        <p:attrNameLst>
+                                          <p:attrName>style.visibility</p:attrName>
+                                        </p:attrNameLst>
+                                      </p:cBhvr>
+                                      <p:to>
+                                        <p:strVal val="visible"/>
+                                      </p:to>
+                                    </p:set>
+                                  </p:childTnLst>
+                                </p:cTn>
+                              </p:par>
+                              <p:par>
+                                <p:cTn id="41" presetID="1" presetClass="entr" presetSubtype="0" fill="hold" nodeType="withEffect">
+                                  <p:stCondLst>
+                                    <p:cond delay="0"/>
+                                  </p:stCondLst>
+                                  <p:childTnLst>
+                                    <p:set>
+                                      <p:cBhvr>
+                                        <p:cTn id="42" dur="1" fill="hold">
+                                          <p:stCondLst>
+                                            <p:cond delay="0"/>
+                                          </p:stCondLst>
+                                        </p:cTn>
+                                        <p:tgtEl>
+                                          <p:spTgt spid="9">
+                                            <p:txEl>
+                                              <p:pRg st="7" end="7"/>
                                             </p:txEl>
                                           </p:spTgt>
                                         </p:tgtEl>

--- a/docs/CoreIntro.pptx
+++ b/docs/CoreIntro.pptx
@@ -897,17 +897,85 @@
             </a:r>
             <a:r>
               <a:rPr lang="en-US" dirty="0" err="1"/>
-              <a:t>ioptions</a:t>
+              <a:t>logovani</a:t>
             </a:r>
             <a:r>
               <a:rPr lang="en-US" dirty="0"/>
-              <a:t> vs </a:t>
-            </a:r>
+              <a:t> a named placeholders</a:t>
+            </a:r>
+          </a:p>
+          <a:p>
+            <a:pPr marL="171450" indent="-171450">
+              <a:buFontTx/>
+              <a:buChar char="-"/>
+            </a:pPr>
+            <a:r>
+              <a:rPr lang="en-US" dirty="0"/>
+              <a:t>04-Logging</a:t>
+            </a:r>
+          </a:p>
+          <a:p>
+            <a:pPr marL="171450" indent="-171450">
+              <a:buFontTx/>
+              <a:buChar char="-"/>
+            </a:pPr>
             <a:r>
               <a:rPr lang="en-US" dirty="0" err="1"/>
-              <a:t>iconfiguration</a:t>
+              <a:t>Program.cs</a:t>
+            </a:r>
+            <a:r>
+              <a:rPr lang="en-US" dirty="0"/>
+              <a:t> -&gt; </a:t>
+            </a:r>
+            <a:r>
+              <a:rPr lang="en-US" dirty="0" err="1"/>
+              <a:t>ConfigureLogging</a:t>
             </a:r>
             <a:endParaRPr lang="en-US" dirty="0"/>
+          </a:p>
+          <a:p>
+            <a:pPr marL="171450" indent="-171450">
+              <a:buFontTx/>
+              <a:buChar char="-"/>
+            </a:pPr>
+            <a:r>
+              <a:rPr lang="en-US" dirty="0"/>
+              <a:t>Different sources</a:t>
+            </a:r>
+          </a:p>
+          <a:p>
+            <a:pPr marL="171450" indent="-171450">
+              <a:buFontTx/>
+              <a:buChar char="-"/>
+            </a:pPr>
+            <a:r>
+              <a:rPr lang="en-US" dirty="0"/>
+              <a:t>Logger inject + example</a:t>
+            </a:r>
+          </a:p>
+          <a:p>
+            <a:pPr marL="171450" indent="-171450">
+              <a:buFontTx/>
+              <a:buChar char="-"/>
+            </a:pPr>
+            <a:r>
+              <a:rPr lang="en-US" dirty="0"/>
+              <a:t>Add AI SDK + Update!</a:t>
+            </a:r>
+          </a:p>
+          <a:p>
+            <a:pPr marL="171450" indent="-171450">
+              <a:buFontTx/>
+              <a:buChar char="-"/>
+            </a:pPr>
+            <a:r>
+              <a:rPr lang="en-US" dirty="0" err="1"/>
+              <a:t>Addnamed</a:t>
+            </a:r>
+            <a:r>
+              <a:rPr lang="en-US" dirty="0"/>
+              <a:t> placeholders for logging</a:t>
+            </a:r>
           </a:p>
           <a:p>
             <a:endParaRPr lang="en-US" dirty="0"/>
@@ -931,7 +999,7 @@
           <a:p>
             <a:fld id="{8A4A6133-5E02-4CB3-8CD2-79D67A7D8CF8}" type="slidenum">
               <a:rPr lang="en-US" smtClean="0"/>
-              <a:t>14</a:t>
+              <a:t>12</a:t>
             </a:fld>
             <a:endParaRPr lang="en-US"/>
           </a:p>
@@ -940,7 +1008,7 @@
     </p:spTree>
     <p:extLst>
       <p:ext uri="{BB962C8B-B14F-4D97-AF65-F5344CB8AC3E}">
-        <p14:creationId xmlns:p14="http://schemas.microsoft.com/office/powerpoint/2010/main" val="2844588320"/>
+        <p14:creationId xmlns:p14="http://schemas.microsoft.com/office/powerpoint/2010/main" val="2580023241"/>
       </p:ext>
     </p:extLst>
   </p:cSld>
@@ -967,7 +1035,235 @@
           <a:chExt cx="0" cy="0"/>
         </a:xfrm>
       </p:grpSpPr>
+      <p:sp>
+        <p:nvSpPr>
+          <p:cNvPr id="2" name="Slide Image Placeholder 1"/>
+          <p:cNvSpPr>
+            <a:spLocks noGrp="1" noRot="1" noChangeAspect="1"/>
+          </p:cNvSpPr>
+          <p:nvPr>
+            <p:ph type="sldImg"/>
+          </p:nvPr>
+        </p:nvSpPr>
+        <p:spPr/>
+      </p:sp>
+      <p:sp>
+        <p:nvSpPr>
+          <p:cNvPr id="3" name="Notes Placeholder 2"/>
+          <p:cNvSpPr>
+            <a:spLocks noGrp="1"/>
+          </p:cNvSpPr>
+          <p:nvPr>
+            <p:ph type="body" idx="1"/>
+          </p:nvPr>
+        </p:nvSpPr>
+        <p:spPr/>
+        <p:txBody>
+          <a:bodyPr/>
+          <a:lstStyle/>
+          <a:p>
+            <a:r>
+              <a:rPr lang="en-US" dirty="0"/>
+              <a:t>Demo</a:t>
+            </a:r>
+          </a:p>
+          <a:p>
+            <a:pPr marL="171450" indent="-171450">
+              <a:buFontTx/>
+              <a:buChar char="-"/>
+            </a:pPr>
+            <a:r>
+              <a:rPr lang="en-US" dirty="0"/>
+              <a:t>05-Settings</a:t>
+            </a:r>
+          </a:p>
+          <a:p>
+            <a:pPr marL="171450" indent="-171450">
+              <a:buFontTx/>
+              <a:buChar char="-"/>
+            </a:pPr>
+            <a:r>
+              <a:rPr lang="en-US" dirty="0" err="1"/>
+              <a:t>StartUp</a:t>
+            </a:r>
+            <a:r>
+              <a:rPr lang="en-US" dirty="0"/>
+              <a:t> -&gt; </a:t>
+            </a:r>
+            <a:r>
+              <a:rPr lang="en-US" dirty="0" err="1"/>
+              <a:t>ConfigureServices</a:t>
+            </a:r>
+            <a:r>
+              <a:rPr lang="en-US" dirty="0"/>
+              <a:t> -&gt; </a:t>
+            </a:r>
+            <a:r>
+              <a:rPr lang="en-US" dirty="0" err="1"/>
+              <a:t>DirectInject</a:t>
+            </a:r>
+            <a:r>
+              <a:rPr lang="en-US" dirty="0"/>
+              <a:t> + Options</a:t>
+            </a:r>
+          </a:p>
+          <a:p>
+            <a:pPr marL="171450" indent="-171450">
+              <a:buFontTx/>
+              <a:buChar char="-"/>
+            </a:pPr>
+            <a:r>
+              <a:rPr lang="en-US" dirty="0"/>
+              <a:t>/</a:t>
+            </a:r>
+            <a:r>
+              <a:rPr lang="en-US" dirty="0" err="1"/>
+              <a:t>api</a:t>
+            </a:r>
+            <a:r>
+              <a:rPr lang="en-US" dirty="0"/>
+              <a:t>/settings and /</a:t>
+            </a:r>
+            <a:r>
+              <a:rPr lang="en-US" dirty="0" err="1"/>
+              <a:t>api</a:t>
+            </a:r>
+            <a:r>
+              <a:rPr lang="en-US" dirty="0"/>
+              <a:t>/options</a:t>
+            </a:r>
+          </a:p>
+          <a:p>
+            <a:pPr marL="171450" indent="-171450">
+              <a:buFontTx/>
+              <a:buChar char="-"/>
+            </a:pPr>
+            <a:r>
+              <a:rPr lang="en-US" dirty="0"/>
+              <a:t>Change </a:t>
+            </a:r>
+            <a:r>
+              <a:rPr lang="en-US" dirty="0" err="1"/>
+              <a:t>PublicValue</a:t>
+            </a:r>
+            <a:r>
+              <a:rPr lang="en-US" dirty="0"/>
+              <a:t> for options</a:t>
+            </a:r>
+          </a:p>
+          <a:p>
+            <a:pPr marL="171450" indent="-171450">
+              <a:buFontTx/>
+              <a:buChar char="-"/>
+            </a:pPr>
+            <a:r>
+              <a:rPr lang="en-US" dirty="0" err="1"/>
+              <a:t>UserSecretsId</a:t>
+            </a:r>
+            <a:r>
+              <a:rPr lang="en-US" dirty="0"/>
+              <a:t> in </a:t>
+            </a:r>
+            <a:r>
+              <a:rPr lang="en-US" dirty="0" err="1"/>
+              <a:t>proj</a:t>
+            </a:r>
+            <a:r>
+              <a:rPr lang="en-US" dirty="0"/>
+              <a:t> file</a:t>
+            </a:r>
+          </a:p>
+          <a:p>
+            <a:pPr marL="171450" indent="-171450">
+              <a:buFontTx/>
+              <a:buChar char="-"/>
+            </a:pPr>
+            <a:r>
+              <a:rPr lang="en-US" dirty="0"/>
+              <a:t>dotnet user-secrets set "</a:t>
+            </a:r>
+            <a:r>
+              <a:rPr lang="en-US" dirty="0" err="1"/>
+              <a:t>SettingsClass:SecretPhrase</a:t>
+            </a:r>
+            <a:r>
+              <a:rPr lang="en-US" dirty="0"/>
+              <a:t>" "</a:t>
+            </a:r>
+            <a:r>
+              <a:rPr lang="en-US" dirty="0" err="1"/>
+              <a:t>bubak</a:t>
+            </a:r>
+            <a:r>
+              <a:rPr lang="en-US" dirty="0"/>
+              <a:t>" --project D:\Work\Oriflame\ArchSync\coreintro\src\Settings</a:t>
+            </a:r>
+          </a:p>
+          <a:p>
+            <a:pPr marL="171450" indent="-171450">
+              <a:buFontTx/>
+              <a:buChar char="-"/>
+            </a:pPr>
+            <a:r>
+              <a:rPr lang="en-US" dirty="0" err="1"/>
+              <a:t>Ori.Configuration.Manager</a:t>
+            </a:r>
+            <a:r>
+              <a:rPr lang="en-US" dirty="0"/>
+              <a:t> (</a:t>
+            </a:r>
+            <a:r>
+              <a:rPr lang="en-US" dirty="0">
+                <a:hlinkClick r:id="rId3"/>
+              </a:rPr>
+              <a:t>https://oriflame.visualstudio.com/Configuration%20Manager/_wiki/wikis/Configuration%20manager?wikiVersion=GBdevelop&amp;pageId=60&amp;pagePath=%2FConfigurationManager</a:t>
+            </a:r>
+            <a:r>
+              <a:rPr lang="en-US" dirty="0"/>
+              <a:t>)</a:t>
+            </a:r>
+          </a:p>
+          <a:p>
+            <a:pPr marL="171450" indent="-171450">
+              <a:buFontTx/>
+              <a:buChar char="-"/>
+            </a:pPr>
+            <a:endParaRPr lang="en-US" dirty="0"/>
+          </a:p>
+          <a:p>
+            <a:endParaRPr lang="en-US" dirty="0"/>
+          </a:p>
+        </p:txBody>
+      </p:sp>
+      <p:sp>
+        <p:nvSpPr>
+          <p:cNvPr id="4" name="Slide Number Placeholder 3"/>
+          <p:cNvSpPr>
+            <a:spLocks noGrp="1"/>
+          </p:cNvSpPr>
+          <p:nvPr>
+            <p:ph type="sldNum" sz="quarter" idx="5"/>
+          </p:nvPr>
+        </p:nvSpPr>
+        <p:spPr/>
+        <p:txBody>
+          <a:bodyPr/>
+          <a:lstStyle/>
+          <a:p>
+            <a:fld id="{8A4A6133-5E02-4CB3-8CD2-79D67A7D8CF8}" type="slidenum">
+              <a:rPr lang="en-US" smtClean="0"/>
+              <a:t>13</a:t>
+            </a:fld>
+            <a:endParaRPr lang="en-US"/>
+          </a:p>
+        </p:txBody>
+      </p:sp>
     </p:spTree>
+    <p:extLst>
+      <p:ext uri="{BB962C8B-B14F-4D97-AF65-F5344CB8AC3E}">
+        <p14:creationId xmlns:p14="http://schemas.microsoft.com/office/powerpoint/2010/main" val="1836945804"/>
+      </p:ext>
+    </p:extLst>
   </p:cSld>
   <p:clrMapOvr>
     <a:masterClrMapping/>
@@ -992,6 +1288,168 @@
           <a:chExt cx="0" cy="0"/>
         </a:xfrm>
       </p:grpSpPr>
+      <p:sp>
+        <p:nvSpPr>
+          <p:cNvPr id="2" name="Slide Image Placeholder 1"/>
+          <p:cNvSpPr>
+            <a:spLocks noGrp="1" noRot="1" noChangeAspect="1"/>
+          </p:cNvSpPr>
+          <p:nvPr>
+            <p:ph type="sldImg"/>
+          </p:nvPr>
+        </p:nvSpPr>
+        <p:spPr/>
+      </p:sp>
+      <p:sp>
+        <p:nvSpPr>
+          <p:cNvPr id="3" name="Notes Placeholder 2"/>
+          <p:cNvSpPr>
+            <a:spLocks noGrp="1"/>
+          </p:cNvSpPr>
+          <p:nvPr>
+            <p:ph type="body" idx="1"/>
+          </p:nvPr>
+        </p:nvSpPr>
+        <p:spPr/>
+        <p:txBody>
+          <a:bodyPr/>
+          <a:lstStyle/>
+          <a:p>
+            <a:r>
+              <a:rPr lang="en-US" dirty="0"/>
+              <a:t>Demo</a:t>
+            </a:r>
+          </a:p>
+          <a:p>
+            <a:pPr marL="171450" indent="-171450">
+              <a:buFontTx/>
+              <a:buChar char="-"/>
+            </a:pPr>
+            <a:r>
+              <a:rPr lang="en-US" dirty="0"/>
+              <a:t>06-DI</a:t>
+            </a:r>
+          </a:p>
+          <a:p>
+            <a:pPr marL="171450" indent="-171450">
+              <a:buFontTx/>
+              <a:buChar char="-"/>
+            </a:pPr>
+            <a:r>
+              <a:rPr lang="en-US" dirty="0"/>
+              <a:t>How to register</a:t>
+            </a:r>
+          </a:p>
+          <a:p>
+            <a:pPr marL="171450" indent="-171450">
+              <a:buFontTx/>
+              <a:buChar char="-"/>
+            </a:pPr>
+            <a:r>
+              <a:rPr lang="en-US" dirty="0"/>
+              <a:t>Register collections</a:t>
+            </a:r>
+          </a:p>
+          <a:p>
+            <a:pPr marL="171450" indent="-171450">
+              <a:buFontTx/>
+              <a:buChar char="-"/>
+            </a:pPr>
+            <a:r>
+              <a:rPr lang="en-US" dirty="0"/>
+              <a:t>Manual resolve (service locator)</a:t>
+            </a:r>
+          </a:p>
+          <a:p>
+            <a:pPr marL="171450" indent="-171450">
+              <a:buFontTx/>
+              <a:buChar char="-"/>
+            </a:pPr>
+            <a:r>
+              <a:rPr lang="en-US" dirty="0" err="1"/>
+              <a:t>Scrutor</a:t>
+            </a:r>
+            <a:r>
+              <a:rPr lang="en-US" dirty="0"/>
+              <a:t> Scan + Decorators</a:t>
+            </a:r>
+          </a:p>
+          <a:p>
+            <a:pPr marL="171450" indent="-171450">
+              <a:buFontTx/>
+              <a:buChar char="-"/>
+            </a:pPr>
+            <a:r>
+              <a:rPr lang="en-US" dirty="0"/>
+              <a:t>Custom DI container – return </a:t>
+            </a:r>
+            <a:r>
+              <a:rPr lang="en-US" dirty="0" err="1"/>
+              <a:t>IServiceProvider</a:t>
+            </a:r>
+            <a:r>
+              <a:rPr lang="en-US" dirty="0"/>
+              <a:t> from Configure</a:t>
+            </a:r>
+          </a:p>
+          <a:p>
+            <a:endParaRPr lang="en-US" dirty="0"/>
+          </a:p>
+        </p:txBody>
+      </p:sp>
+      <p:sp>
+        <p:nvSpPr>
+          <p:cNvPr id="4" name="Slide Number Placeholder 3"/>
+          <p:cNvSpPr>
+            <a:spLocks noGrp="1"/>
+          </p:cNvSpPr>
+          <p:nvPr>
+            <p:ph type="sldNum" sz="quarter" idx="5"/>
+          </p:nvPr>
+        </p:nvSpPr>
+        <p:spPr/>
+        <p:txBody>
+          <a:bodyPr/>
+          <a:lstStyle/>
+          <a:p>
+            <a:fld id="{8A4A6133-5E02-4CB3-8CD2-79D67A7D8CF8}" type="slidenum">
+              <a:rPr lang="en-US" smtClean="0"/>
+              <a:t>14</a:t>
+            </a:fld>
+            <a:endParaRPr lang="en-US"/>
+          </a:p>
+        </p:txBody>
+      </p:sp>
+    </p:spTree>
+    <p:extLst>
+      <p:ext uri="{BB962C8B-B14F-4D97-AF65-F5344CB8AC3E}">
+        <p14:creationId xmlns:p14="http://schemas.microsoft.com/office/powerpoint/2010/main" val="2844588320"/>
+      </p:ext>
+    </p:extLst>
+  </p:cSld>
+  <p:clrMapOvr>
+    <a:masterClrMapping/>
+  </p:clrMapOvr>
+</p:notes>
+</file>
+
+<file path=ppt/notesSlides/notesSlide13.xml><?xml version="1.0" encoding="utf-8"?>
+<p:notes xmlns:a="http://schemas.openxmlformats.org/drawingml/2006/main" xmlns:r="http://schemas.openxmlformats.org/officeDocument/2006/relationships" xmlns:p="http://schemas.openxmlformats.org/presentationml/2006/main">
+  <p:cSld>
+    <p:spTree>
+      <p:nvGrpSpPr>
+        <p:cNvPr id="1" name=""/>
+        <p:cNvGrpSpPr/>
+        <p:nvPr/>
+      </p:nvGrpSpPr>
+      <p:grpSpPr>
+        <a:xfrm>
+          <a:off x="0" y="0"/>
+          <a:ext cx="0" cy="0"/>
+          <a:chOff x="0" y="0"/>
+          <a:chExt cx="0" cy="0"/>
+        </a:xfrm>
+      </p:grpSpPr>
     </p:spTree>
   </p:cSld>
   <p:clrMapOvr>
@@ -1000,7 +1458,32 @@
 </p:notes>
 </file>
 
-<file path=ppt/notesSlides/notesSlide13.xml><?xml version="1.0" encoding="utf-8"?>
+<file path=ppt/notesSlides/notesSlide14.xml><?xml version="1.0" encoding="utf-8"?>
+<p:notes xmlns:a="http://schemas.openxmlformats.org/drawingml/2006/main" xmlns:r="http://schemas.openxmlformats.org/officeDocument/2006/relationships" xmlns:p="http://schemas.openxmlformats.org/presentationml/2006/main">
+  <p:cSld>
+    <p:spTree>
+      <p:nvGrpSpPr>
+        <p:cNvPr id="1" name=""/>
+        <p:cNvGrpSpPr/>
+        <p:nvPr/>
+      </p:nvGrpSpPr>
+      <p:grpSpPr>
+        <a:xfrm>
+          <a:off x="0" y="0"/>
+          <a:ext cx="0" cy="0"/>
+          <a:chOff x="0" y="0"/>
+          <a:chExt cx="0" cy="0"/>
+        </a:xfrm>
+      </p:grpSpPr>
+    </p:spTree>
+  </p:cSld>
+  <p:clrMapOvr>
+    <a:masterClrMapping/>
+  </p:clrMapOvr>
+</p:notes>
+</file>
+
+<file path=ppt/notesSlides/notesSlide15.xml><?xml version="1.0" encoding="utf-8"?>
 <p:notes xmlns:a="http://schemas.openxmlformats.org/drawingml/2006/main" xmlns:r="http://schemas.openxmlformats.org/officeDocument/2006/relationships" xmlns:p="http://schemas.openxmlformats.org/presentationml/2006/main">
   <p:cSld>
     <p:spTree>
@@ -1071,93 +1554,20 @@
           <a:p>
             <a:r>
               <a:rPr lang="en-US" dirty="0" err="1"/>
-              <a:t>Otazka</a:t>
+              <a:t>System.Generics</a:t>
             </a:r>
             <a:r>
               <a:rPr lang="en-US" dirty="0"/>
-              <a:t>: Proc </a:t>
+              <a:t>, System.IO, </a:t>
             </a:r>
             <a:r>
               <a:rPr lang="en-US" dirty="0" err="1"/>
-              <a:t>nemuzu</a:t>
+              <a:t>System.Linq</a:t>
             </a:r>
             <a:r>
               <a:rPr lang="en-US" dirty="0"/>
-              <a:t> </a:t>
-            </a:r>
-            <a:r>
-              <a:rPr lang="en-US" dirty="0" err="1"/>
-              <a:t>.net</a:t>
-            </a:r>
-            <a:r>
-              <a:rPr lang="en-US" dirty="0"/>
-              <a:t> standard </a:t>
-            </a:r>
-            <a:r>
-              <a:rPr lang="en-US" dirty="0" err="1"/>
-              <a:t>konzolovku</a:t>
-            </a:r>
-            <a:r>
-              <a:rPr lang="en-US" dirty="0"/>
-              <a:t>?</a:t>
-            </a:r>
-          </a:p>
-          <a:p>
-            <a:endParaRPr lang="en-US" dirty="0"/>
-          </a:p>
-          <a:p>
-            <a:r>
-              <a:rPr lang="en-US" dirty="0"/>
-              <a:t>Test project – </a:t>
-            </a:r>
-            <a:r>
-              <a:rPr lang="en-US" dirty="0" err="1"/>
-              <a:t>mely</a:t>
-            </a:r>
-            <a:r>
-              <a:rPr lang="en-US" dirty="0"/>
-              <a:t> by </a:t>
-            </a:r>
-            <a:r>
-              <a:rPr lang="en-US" dirty="0" err="1"/>
-              <a:t>byt</a:t>
-            </a:r>
-            <a:r>
-              <a:rPr lang="en-US" dirty="0"/>
-              <a:t> </a:t>
-            </a:r>
-            <a:r>
-              <a:rPr lang="en-US" dirty="0" err="1"/>
-              <a:t>na</a:t>
-            </a:r>
-            <a:r>
-              <a:rPr lang="en-US" dirty="0"/>
-              <a:t> </a:t>
-            </a:r>
-            <a:r>
-              <a:rPr lang="en-US" dirty="0" err="1"/>
-              <a:t>vsechny</a:t>
-            </a:r>
-            <a:r>
-              <a:rPr lang="en-US" dirty="0"/>
-              <a:t> platformy, </a:t>
-            </a:r>
-            <a:r>
-              <a:rPr lang="en-US" dirty="0" err="1"/>
-              <a:t>ktery</a:t>
-            </a:r>
-            <a:r>
-              <a:rPr lang="en-US" dirty="0"/>
-              <a:t> me </a:t>
-            </a:r>
-            <a:r>
-              <a:rPr lang="en-US" dirty="0" err="1"/>
-              <a:t>zajimaj</a:t>
-            </a:r>
-            <a:endParaRPr lang="en-US" dirty="0"/>
-          </a:p>
-          <a:p>
-            <a:endParaRPr lang="en-US" dirty="0"/>
+              <a:t>, …</a:t>
+            </a:r>
           </a:p>
         </p:txBody>
       </p:sp>
@@ -1178,7 +1588,7 @@
           <a:p>
             <a:fld id="{8A4A6133-5E02-4CB3-8CD2-79D67A7D8CF8}" type="slidenum">
               <a:rPr lang="en-US" smtClean="0"/>
-              <a:t>4</a:t>
+              <a:t>3</a:t>
             </a:fld>
             <a:endParaRPr lang="en-US"/>
           </a:p>
@@ -1187,7 +1597,7 @@
     </p:spTree>
     <p:extLst>
       <p:ext uri="{BB962C8B-B14F-4D97-AF65-F5344CB8AC3E}">
-        <p14:creationId xmlns:p14="http://schemas.microsoft.com/office/powerpoint/2010/main" val="2546818646"/>
+        <p14:creationId xmlns:p14="http://schemas.microsoft.com/office/powerpoint/2010/main" val="3454320773"/>
       </p:ext>
     </p:extLst>
   </p:cSld>
@@ -1241,6 +1651,91 @@
           <a:bodyPr/>
           <a:lstStyle/>
           <a:p>
+            <a:r>
+              <a:rPr lang="en-US" dirty="0" err="1"/>
+              <a:t>Otazka</a:t>
+            </a:r>
+            <a:r>
+              <a:rPr lang="en-US" dirty="0"/>
+              <a:t>: Proc </a:t>
+            </a:r>
+            <a:r>
+              <a:rPr lang="en-US" dirty="0" err="1"/>
+              <a:t>nemuzu</a:t>
+            </a:r>
+            <a:r>
+              <a:rPr lang="en-US" dirty="0"/>
+              <a:t> </a:t>
+            </a:r>
+            <a:r>
+              <a:rPr lang="en-US" dirty="0" err="1"/>
+              <a:t>.net</a:t>
+            </a:r>
+            <a:r>
+              <a:rPr lang="en-US" dirty="0"/>
+              <a:t> standard </a:t>
+            </a:r>
+            <a:r>
+              <a:rPr lang="en-US" dirty="0" err="1"/>
+              <a:t>konzolovku</a:t>
+            </a:r>
+            <a:r>
+              <a:rPr lang="en-US" dirty="0"/>
+              <a:t>?</a:t>
+            </a:r>
+          </a:p>
+          <a:p>
+            <a:endParaRPr lang="en-US" dirty="0"/>
+          </a:p>
+          <a:p>
+            <a:r>
+              <a:rPr lang="en-US" dirty="0"/>
+              <a:t>Test project – </a:t>
+            </a:r>
+            <a:r>
+              <a:rPr lang="en-US" dirty="0" err="1"/>
+              <a:t>mely</a:t>
+            </a:r>
+            <a:r>
+              <a:rPr lang="en-US" dirty="0"/>
+              <a:t> by </a:t>
+            </a:r>
+            <a:r>
+              <a:rPr lang="en-US" dirty="0" err="1"/>
+              <a:t>byt</a:t>
+            </a:r>
+            <a:r>
+              <a:rPr lang="en-US" dirty="0"/>
+              <a:t> </a:t>
+            </a:r>
+            <a:r>
+              <a:rPr lang="en-US" dirty="0" err="1"/>
+              <a:t>na</a:t>
+            </a:r>
+            <a:r>
+              <a:rPr lang="en-US" dirty="0"/>
+              <a:t> </a:t>
+            </a:r>
+            <a:r>
+              <a:rPr lang="en-US" dirty="0" err="1"/>
+              <a:t>vsechny</a:t>
+            </a:r>
+            <a:r>
+              <a:rPr lang="en-US" dirty="0"/>
+              <a:t> platformy, </a:t>
+            </a:r>
+            <a:r>
+              <a:rPr lang="en-US" dirty="0" err="1"/>
+              <a:t>ktery</a:t>
+            </a:r>
+            <a:r>
+              <a:rPr lang="en-US" dirty="0"/>
+              <a:t> me </a:t>
+            </a:r>
+            <a:r>
+              <a:rPr lang="en-US" dirty="0" err="1"/>
+              <a:t>zajimaj</a:t>
+            </a:r>
             <a:endParaRPr lang="en-US" dirty="0"/>
           </a:p>
           <a:p>
@@ -1265,7 +1760,7 @@
           <a:p>
             <a:fld id="{8A4A6133-5E02-4CB3-8CD2-79D67A7D8CF8}" type="slidenum">
               <a:rPr lang="en-US" smtClean="0"/>
-              <a:t>6</a:t>
+              <a:t>4</a:t>
             </a:fld>
             <a:endParaRPr lang="en-US"/>
           </a:p>
@@ -1274,7 +1769,7 @@
     </p:spTree>
     <p:extLst>
       <p:ext uri="{BB962C8B-B14F-4D97-AF65-F5344CB8AC3E}">
-        <p14:creationId xmlns:p14="http://schemas.microsoft.com/office/powerpoint/2010/main" val="1992424139"/>
+        <p14:creationId xmlns:p14="http://schemas.microsoft.com/office/powerpoint/2010/main" val="2546818646"/>
       </p:ext>
     </p:extLst>
   </p:cSld>
@@ -1328,236 +1823,9 @@
           <a:bodyPr/>
           <a:lstStyle/>
           <a:p>
-            <a:r>
-              <a:rPr lang="en-US" dirty="0"/>
-              <a:t>Demo </a:t>
-            </a:r>
-            <a:r>
-              <a:rPr lang="en-US" dirty="0" err="1"/>
-              <a:t>packages.config</a:t>
-            </a:r>
             <a:endParaRPr lang="en-US" dirty="0"/>
           </a:p>
           <a:p>
-            <a:pPr marL="171450" indent="-171450">
-              <a:buFontTx/>
-              <a:buChar char="-"/>
-            </a:pPr>
-            <a:r>
-              <a:rPr lang="en-US" dirty="0"/>
-              <a:t>01-Tooling</a:t>
-            </a:r>
-          </a:p>
-          <a:p>
-            <a:pPr marL="171450" indent="-171450">
-              <a:buFontTx/>
-              <a:buChar char="-"/>
-            </a:pPr>
-            <a:r>
-              <a:rPr lang="en-US" dirty="0"/>
-              <a:t>Dependencies v packages config, </a:t>
-            </a:r>
-            <a:r>
-              <a:rPr lang="en-US" dirty="0" err="1"/>
-              <a:t>ruzne</a:t>
-            </a:r>
-            <a:r>
-              <a:rPr lang="en-US" dirty="0"/>
-              <a:t> </a:t>
-            </a:r>
-            <a:r>
-              <a:rPr lang="en-US" dirty="0" err="1"/>
-              <a:t>verze</a:t>
-            </a:r>
-            <a:endParaRPr lang="en-US" dirty="0"/>
-          </a:p>
-          <a:p>
-            <a:pPr marL="171450" indent="-171450">
-              <a:buFontTx/>
-              <a:buChar char="-"/>
-            </a:pPr>
-            <a:r>
-              <a:rPr lang="en-US" dirty="0" err="1"/>
-              <a:t>Hierarchicke</a:t>
-            </a:r>
-            <a:r>
-              <a:rPr lang="en-US" dirty="0"/>
-              <a:t> dependencies (ne </a:t>
-            </a:r>
-            <a:r>
-              <a:rPr lang="en-US" dirty="0" err="1"/>
-              <a:t>komplet</a:t>
-            </a:r>
-            <a:r>
-              <a:rPr lang="en-US" dirty="0"/>
-              <a:t> blast, ale </a:t>
-            </a:r>
-            <a:r>
-              <a:rPr lang="en-US" dirty="0" err="1"/>
-              <a:t>jenom</a:t>
-            </a:r>
-            <a:r>
-              <a:rPr lang="en-US" dirty="0"/>
-              <a:t> to, co </a:t>
-            </a:r>
-            <a:r>
-              <a:rPr lang="en-US" dirty="0" err="1"/>
-              <a:t>chci</a:t>
-            </a:r>
-            <a:endParaRPr lang="en-US" dirty="0"/>
-          </a:p>
-          <a:p>
-            <a:pPr marL="171450" indent="-171450">
-              <a:buFontTx/>
-              <a:buChar char="-"/>
-            </a:pPr>
-            <a:r>
-              <a:rPr lang="en-US" dirty="0" err="1"/>
-              <a:t>Pouze</a:t>
-            </a:r>
-            <a:r>
-              <a:rPr lang="en-US" dirty="0"/>
-              <a:t> </a:t>
-            </a:r>
-            <a:r>
-              <a:rPr lang="en-US" dirty="0" err="1"/>
-              <a:t>jedino</a:t>
-            </a:r>
-            <a:r>
-              <a:rPr lang="en-US" dirty="0"/>
-              <a:t> </a:t>
-            </a:r>
-            <a:r>
-              <a:rPr lang="en-US" dirty="0" err="1"/>
-              <a:t>DLLko</a:t>
-            </a:r>
-            <a:r>
-              <a:rPr lang="en-US" dirty="0"/>
-              <a:t> v output</a:t>
-            </a:r>
-          </a:p>
-          <a:p>
-            <a:pPr marL="0" indent="0">
-              <a:buFontTx/>
-              <a:buNone/>
-            </a:pPr>
-            <a:r>
-              <a:rPr lang="en-US" dirty="0"/>
-              <a:t>Demo </a:t>
-            </a:r>
-            <a:r>
-              <a:rPr lang="en-US" dirty="0" err="1"/>
-              <a:t>na</a:t>
-            </a:r>
-            <a:r>
-              <a:rPr lang="en-US" dirty="0"/>
-              <a:t> self-hosted</a:t>
-            </a:r>
-          </a:p>
-          <a:p>
-            <a:pPr marL="171450" indent="-171450">
-              <a:buFontTx/>
-              <a:buChar char="-"/>
-            </a:pPr>
-            <a:r>
-              <a:rPr lang="en-US" sz="1200" kern="1200" dirty="0">
-                <a:solidFill>
-                  <a:schemeClr val="tx1"/>
-                </a:solidFill>
-                <a:latin typeface="+mn-lt"/>
-                <a:ea typeface="+mn-ea"/>
-                <a:cs typeface="+mn-cs"/>
-              </a:rPr>
-              <a:t>&lt;</a:t>
-            </a:r>
-            <a:r>
-              <a:rPr lang="en-US" sz="1200" kern="1200" dirty="0" err="1">
-                <a:solidFill>
-                  <a:schemeClr val="tx1"/>
-                </a:solidFill>
-                <a:latin typeface="+mn-lt"/>
-                <a:ea typeface="+mn-ea"/>
-                <a:cs typeface="+mn-cs"/>
-              </a:rPr>
-              <a:t>RuntimeIdentifier</a:t>
-            </a:r>
-            <a:r>
-              <a:rPr lang="en-US" sz="1200" kern="1200" dirty="0">
-                <a:solidFill>
-                  <a:schemeClr val="tx1"/>
-                </a:solidFill>
-                <a:latin typeface="+mn-lt"/>
-                <a:ea typeface="+mn-ea"/>
-                <a:cs typeface="+mn-cs"/>
-              </a:rPr>
-              <a:t>&gt;win7-x64&lt;/</a:t>
-            </a:r>
-            <a:r>
-              <a:rPr lang="en-US" sz="1200" kern="1200" dirty="0" err="1">
-                <a:solidFill>
-                  <a:schemeClr val="tx1"/>
-                </a:solidFill>
-                <a:latin typeface="+mn-lt"/>
-                <a:ea typeface="+mn-ea"/>
-                <a:cs typeface="+mn-cs"/>
-              </a:rPr>
-              <a:t>RuntimeIdentifier</a:t>
-            </a:r>
-            <a:r>
-              <a:rPr lang="en-US" sz="1200" kern="1200" dirty="0">
-                <a:solidFill>
-                  <a:schemeClr val="tx1"/>
-                </a:solidFill>
-                <a:latin typeface="+mn-lt"/>
-                <a:ea typeface="+mn-ea"/>
-                <a:cs typeface="+mn-cs"/>
-              </a:rPr>
-              <a:t>&gt;</a:t>
-            </a:r>
-          </a:p>
-          <a:p>
-            <a:pPr marL="171450" indent="-171450">
-              <a:buFontTx/>
-              <a:buChar char="-"/>
-            </a:pPr>
-            <a:endParaRPr lang="en-US" dirty="0"/>
-          </a:p>
-          <a:p>
-            <a:r>
-              <a:rPr lang="en-US" dirty="0"/>
-              <a:t>Demo </a:t>
-            </a:r>
-            <a:r>
-              <a:rPr lang="en-US" dirty="0" err="1"/>
-              <a:t>na</a:t>
-            </a:r>
-            <a:r>
-              <a:rPr lang="en-US" dirty="0"/>
-              <a:t> </a:t>
-            </a:r>
-            <a:r>
-              <a:rPr lang="en-US" dirty="0" err="1"/>
-              <a:t>Directory.Build.props</a:t>
-            </a:r>
-            <a:endParaRPr lang="en-US" dirty="0"/>
-          </a:p>
-          <a:p>
-            <a:r>
-              <a:rPr lang="en-US" dirty="0"/>
-              <a:t>- Version </a:t>
-            </a:r>
-            <a:r>
-              <a:rPr lang="en-US" dirty="0" err="1"/>
-              <a:t>pryc</a:t>
-            </a:r>
-            <a:r>
-              <a:rPr lang="en-US" dirty="0"/>
-              <a:t> z </a:t>
-            </a:r>
-            <a:r>
-              <a:rPr lang="en-US" dirty="0" err="1"/>
-              <a:t>projectu</a:t>
-            </a:r>
             <a:endParaRPr lang="en-US" dirty="0"/>
           </a:p>
         </p:txBody>
@@ -1579,7 +1847,7 @@
           <a:p>
             <a:fld id="{8A4A6133-5E02-4CB3-8CD2-79D67A7D8CF8}" type="slidenum">
               <a:rPr lang="en-US" smtClean="0"/>
-              <a:t>7</a:t>
+              <a:t>6</a:t>
             </a:fld>
             <a:endParaRPr lang="en-US"/>
           </a:p>
@@ -1588,7 +1856,7 @@
     </p:spTree>
     <p:extLst>
       <p:ext uri="{BB962C8B-B14F-4D97-AF65-F5344CB8AC3E}">
-        <p14:creationId xmlns:p14="http://schemas.microsoft.com/office/powerpoint/2010/main" val="2680126375"/>
+        <p14:creationId xmlns:p14="http://schemas.microsoft.com/office/powerpoint/2010/main" val="1992424139"/>
       </p:ext>
     </p:extLst>
   </p:cSld>
@@ -1648,12 +1916,9 @@
             </a:r>
             <a:r>
               <a:rPr lang="en-US" dirty="0" err="1"/>
-              <a:t>na</a:t>
-            </a:r>
-            <a:r>
-              <a:rPr lang="en-US" dirty="0"/>
-              <a:t> middleware pipelines</a:t>
-            </a:r>
+              <a:t>packages.config</a:t>
+            </a:r>
+            <a:endParaRPr lang="en-US" dirty="0"/>
           </a:p>
           <a:p>
             <a:pPr marL="171450" indent="-171450">
@@ -1662,7 +1927,7 @@
             </a:pPr>
             <a:r>
               <a:rPr lang="en-US" dirty="0"/>
-              <a:t>02-Middlewares</a:t>
+              <a:t>01-Tooling</a:t>
             </a:r>
           </a:p>
           <a:p>
@@ -1671,8 +1936,12 @@
               <a:buChar char="-"/>
             </a:pPr>
             <a:r>
+              <a:rPr lang="en-US" dirty="0"/>
+              <a:t>Dependencies v packages config, </a:t>
+            </a:r>
+            <a:r>
               <a:rPr lang="en-US" dirty="0" err="1"/>
-              <a:t>Pridat</a:t>
+              <a:t>ruzne</a:t>
             </a:r>
             <a:r>
               <a:rPr lang="en-US" dirty="0"/>
@@ -1680,18 +1949,100 @@
             </a:r>
             <a:r>
               <a:rPr lang="en-US" dirty="0" err="1"/>
-              <a:t>Ori.Common.Exceptions</a:t>
+              <a:t>verze</a:t>
+            </a:r>
+            <a:endParaRPr lang="en-US" dirty="0"/>
+          </a:p>
+          <a:p>
+            <a:pPr marL="171450" indent="-171450">
+              <a:buFontTx/>
+              <a:buChar char="-"/>
+            </a:pPr>
+            <a:r>
+              <a:rPr lang="en-US" dirty="0" err="1"/>
+              <a:t>Hierarchicke</a:t>
             </a:r>
             <a:r>
               <a:rPr lang="en-US" dirty="0"/>
-              <a:t> -&gt; </a:t>
+              <a:t> dependencies (ne </a:t>
             </a:r>
             <a:r>
               <a:rPr lang="en-US" dirty="0" err="1"/>
-              <a:t>app.</a:t>
-            </a:r>
-            <a:r>
-              <a:rPr lang="en-US" sz="1200" kern="1200" dirty="0" err="1">
+              <a:t>komplet</a:t>
+            </a:r>
+            <a:r>
+              <a:rPr lang="en-US" dirty="0"/>
+              <a:t> blast, ale </a:t>
+            </a:r>
+            <a:r>
+              <a:rPr lang="en-US" dirty="0" err="1"/>
+              <a:t>jenom</a:t>
+            </a:r>
+            <a:r>
+              <a:rPr lang="en-US" dirty="0"/>
+              <a:t> to, co </a:t>
+            </a:r>
+            <a:r>
+              <a:rPr lang="en-US" dirty="0" err="1"/>
+              <a:t>chci</a:t>
+            </a:r>
+            <a:endParaRPr lang="en-US" dirty="0"/>
+          </a:p>
+          <a:p>
+            <a:pPr marL="171450" indent="-171450">
+              <a:buFontTx/>
+              <a:buChar char="-"/>
+            </a:pPr>
+            <a:r>
+              <a:rPr lang="en-US" dirty="0" err="1"/>
+              <a:t>Pouze</a:t>
+            </a:r>
+            <a:r>
+              <a:rPr lang="en-US" dirty="0"/>
+              <a:t> </a:t>
+            </a:r>
+            <a:r>
+              <a:rPr lang="en-US" dirty="0" err="1"/>
+              <a:t>jedino</a:t>
+            </a:r>
+            <a:r>
+              <a:rPr lang="en-US" dirty="0"/>
+              <a:t> </a:t>
+            </a:r>
+            <a:r>
+              <a:rPr lang="en-US" dirty="0" err="1"/>
+              <a:t>DLLko</a:t>
+            </a:r>
+            <a:r>
+              <a:rPr lang="en-US" dirty="0"/>
+              <a:t> v output</a:t>
+            </a:r>
+          </a:p>
+          <a:p>
+            <a:pPr marL="0" indent="0">
+              <a:buFontTx/>
+              <a:buNone/>
+            </a:pPr>
+            <a:r>
+              <a:rPr lang="en-US" dirty="0"/>
+              <a:t>Demo </a:t>
+            </a:r>
+            <a:r>
+              <a:rPr lang="en-US" dirty="0" err="1"/>
+              <a:t>na</a:t>
+            </a:r>
+            <a:r>
+              <a:rPr lang="en-US" dirty="0"/>
+              <a:t> self-hosted</a:t>
+            </a:r>
+          </a:p>
+          <a:p>
+            <a:pPr marL="171450" indent="-171450">
+              <a:buFontTx/>
+              <a:buChar char="-"/>
+            </a:pPr>
+            <a:r>
+              <a:rPr lang="en-US" sz="1200" kern="1200" dirty="0">
                 <a:solidFill>
                   <a:schemeClr val="tx1"/>
                 </a:solidFill>
@@ -1699,10 +2050,10 @@
                 <a:ea typeface="+mn-ea"/>
                 <a:cs typeface="+mn-cs"/>
               </a:rPr>
-              <a:t>UseExceptionHandlingMiddleware</a:t>
-            </a:r>
-            <a:r>
-              <a:rPr lang="en-US" sz="1200" kern="1200" dirty="0">
+              <a:t>&lt;</a:t>
+            </a:r>
+            <a:r>
+              <a:rPr lang="en-US" sz="1200" kern="1200" dirty="0" err="1">
                 <a:solidFill>
                   <a:schemeClr val="tx1"/>
                 </a:solidFill>
@@ -1710,10 +2061,10 @@
                 <a:ea typeface="+mn-ea"/>
                 <a:cs typeface="+mn-cs"/>
               </a:rPr>
-              <a:t> -&gt; </a:t>
-            </a:r>
-            <a:r>
-              <a:rPr lang="en-US" sz="1200" kern="1200" dirty="0" err="1">
+              <a:t>RuntimeIdentifier</a:t>
+            </a:r>
+            <a:r>
+              <a:rPr lang="en-US" sz="1200" kern="1200" dirty="0">
                 <a:solidFill>
                   <a:schemeClr val="tx1"/>
                 </a:solidFill>
@@ -1721,10 +2072,10 @@
                 <a:ea typeface="+mn-ea"/>
                 <a:cs typeface="+mn-cs"/>
               </a:rPr>
-              <a:t>podivat</a:t>
-            </a:r>
-            <a:r>
-              <a:rPr lang="en-US" sz="1200" kern="1200" dirty="0">
+              <a:t>&gt;win7-x64&lt;/</a:t>
+            </a:r>
+            <a:r>
+              <a:rPr lang="en-US" sz="1200" kern="1200" dirty="0" err="1">
                 <a:solidFill>
                   <a:schemeClr val="tx1"/>
                 </a:solidFill>
@@ -1732,10 +2083,10 @@
                 <a:ea typeface="+mn-ea"/>
                 <a:cs typeface="+mn-cs"/>
               </a:rPr>
-              <a:t> se </a:t>
-            </a:r>
-            <a:r>
-              <a:rPr lang="en-US" sz="1200" kern="1200" dirty="0" err="1">
+              <a:t>RuntimeIdentifier</a:t>
+            </a:r>
+            <a:r>
+              <a:rPr lang="en-US" sz="1200" kern="1200" dirty="0">
                 <a:solidFill>
                   <a:schemeClr val="tx1"/>
                 </a:solidFill>
@@ -1743,132 +2094,51 @@
                 <a:ea typeface="+mn-ea"/>
                 <a:cs typeface="+mn-cs"/>
               </a:rPr>
-              <a:t>dovnitr</a:t>
-            </a:r>
-            <a:endParaRPr lang="en-US" sz="1200" kern="1200" dirty="0">
-              <a:solidFill>
-                <a:schemeClr val="tx1"/>
-              </a:solidFill>
-              <a:latin typeface="+mn-lt"/>
-              <a:ea typeface="+mn-ea"/>
-              <a:cs typeface="+mn-cs"/>
-            </a:endParaRPr>
+              <a:t>&gt;</a:t>
+            </a:r>
           </a:p>
           <a:p>
             <a:pPr marL="171450" indent="-171450">
               <a:buFontTx/>
               <a:buChar char="-"/>
             </a:pPr>
-            <a:r>
-              <a:rPr lang="en-US" sz="1200" kern="1200" dirty="0">
-                <a:solidFill>
-                  <a:schemeClr val="tx1"/>
-                </a:solidFill>
-                <a:latin typeface="+mn-lt"/>
-                <a:ea typeface="+mn-ea"/>
-                <a:cs typeface="+mn-cs"/>
-              </a:rPr>
-              <a:t>Proc to </a:t>
-            </a:r>
-            <a:r>
-              <a:rPr lang="en-US" sz="1200" kern="1200" dirty="0" err="1">
-                <a:solidFill>
-                  <a:schemeClr val="tx1"/>
-                </a:solidFill>
-                <a:latin typeface="+mn-lt"/>
-                <a:ea typeface="+mn-ea"/>
-                <a:cs typeface="+mn-cs"/>
-              </a:rPr>
-              <a:t>musim</a:t>
-            </a:r>
-            <a:r>
-              <a:rPr lang="en-US" sz="1200" kern="1200" dirty="0">
-                <a:solidFill>
-                  <a:schemeClr val="tx1"/>
-                </a:solidFill>
-                <a:latin typeface="+mn-lt"/>
-                <a:ea typeface="+mn-ea"/>
-                <a:cs typeface="+mn-cs"/>
-              </a:rPr>
+            <a:endParaRPr lang="en-US" dirty="0"/>
+          </a:p>
+          <a:p>
+            <a:r>
+              <a:rPr lang="en-US" dirty="0"/>
+              <a:t>Demo </a:t>
+            </a:r>
+            <a:r>
+              <a:rPr lang="en-US" dirty="0" err="1"/>
+              <a:t>na</a:t>
+            </a:r>
+            <a:r>
+              <a:rPr lang="en-US" dirty="0"/>
               <a:t> </a:t>
             </a:r>
             <a:r>
-              <a:rPr lang="en-US" sz="1200" kern="1200" dirty="0" err="1">
-                <a:solidFill>
-                  <a:schemeClr val="tx1"/>
-                </a:solidFill>
-                <a:latin typeface="+mn-lt"/>
-                <a:ea typeface="+mn-ea"/>
-                <a:cs typeface="+mn-cs"/>
-              </a:rPr>
-              <a:t>dat</a:t>
-            </a:r>
-            <a:r>
-              <a:rPr lang="en-US" sz="1200" kern="1200" dirty="0">
-                <a:solidFill>
-                  <a:schemeClr val="tx1"/>
-                </a:solidFill>
-                <a:latin typeface="+mn-lt"/>
-                <a:ea typeface="+mn-ea"/>
-                <a:cs typeface="+mn-cs"/>
-              </a:rPr>
-              <a:t> </a:t>
-            </a:r>
-            <a:r>
-              <a:rPr lang="en-US" sz="1200" kern="1200" dirty="0" err="1">
-                <a:solidFill>
-                  <a:schemeClr val="tx1"/>
-                </a:solidFill>
-                <a:latin typeface="+mn-lt"/>
-                <a:ea typeface="+mn-ea"/>
-                <a:cs typeface="+mn-cs"/>
-              </a:rPr>
-              <a:t>az</a:t>
-            </a:r>
-            <a:r>
-              <a:rPr lang="en-US" sz="1200" kern="1200" dirty="0">
-                <a:solidFill>
-                  <a:schemeClr val="tx1"/>
-                </a:solidFill>
-                <a:latin typeface="+mn-lt"/>
-                <a:ea typeface="+mn-ea"/>
-                <a:cs typeface="+mn-cs"/>
-              </a:rPr>
-              <a:t> za </a:t>
-            </a:r>
-            <a:r>
-              <a:rPr lang="en-US" sz="1200" kern="1200" dirty="0" err="1">
-                <a:solidFill>
-                  <a:schemeClr val="tx1"/>
-                </a:solidFill>
-                <a:latin typeface="+mn-lt"/>
-                <a:ea typeface="+mn-ea"/>
-                <a:cs typeface="+mn-cs"/>
-              </a:rPr>
-              <a:t>UseMVC</a:t>
-            </a:r>
-            <a:r>
-              <a:rPr lang="en-US" sz="1200" kern="1200" dirty="0">
-                <a:solidFill>
-                  <a:schemeClr val="tx1"/>
-                </a:solidFill>
-                <a:latin typeface="+mn-lt"/>
-                <a:ea typeface="+mn-ea"/>
-                <a:cs typeface="+mn-cs"/>
-              </a:rPr>
-              <a:t>?</a:t>
-            </a:r>
-          </a:p>
-          <a:p>
-            <a:pPr marL="171450" indent="-171450">
-              <a:buFontTx/>
-              <a:buChar char="-"/>
-            </a:pPr>
-            <a:r>
-              <a:rPr lang="en-US" dirty="0">
-                <a:hlinkClick r:id="rId3"/>
-              </a:rPr>
-              <a:t>https://oriflame.visualstudio.com/Ori.Common/_git/Ori.Common.Exceptions?path=%2Fsrc%2FInfrastructure%2FExceptionHandlingMiddleware.cs&amp;version=GBdevelop</a:t>
+              <a:rPr lang="en-US" dirty="0" err="1"/>
+              <a:t>Directory.Build.props</a:t>
+            </a:r>
+            <a:endParaRPr lang="en-US" dirty="0"/>
+          </a:p>
+          <a:p>
+            <a:r>
+              <a:rPr lang="en-US" dirty="0"/>
+              <a:t>- Version </a:t>
+            </a:r>
+            <a:r>
+              <a:rPr lang="en-US" dirty="0" err="1"/>
+              <a:t>pryc</a:t>
+            </a:r>
+            <a:r>
+              <a:rPr lang="en-US" dirty="0"/>
+              <a:t> z </a:t>
+            </a:r>
+            <a:r>
+              <a:rPr lang="en-US" dirty="0" err="1"/>
+              <a:t>projectu</a:t>
             </a:r>
             <a:endParaRPr lang="en-US" dirty="0"/>
           </a:p>
@@ -1891,7 +2161,7 @@
           <a:p>
             <a:fld id="{8A4A6133-5E02-4CB3-8CD2-79D67A7D8CF8}" type="slidenum">
               <a:rPr lang="en-US" smtClean="0"/>
-              <a:t>9</a:t>
+              <a:t>7</a:t>
             </a:fld>
             <a:endParaRPr lang="en-US"/>
           </a:p>
@@ -1900,7 +2170,7 @@
     </p:spTree>
     <p:extLst>
       <p:ext uri="{BB962C8B-B14F-4D97-AF65-F5344CB8AC3E}">
-        <p14:creationId xmlns:p14="http://schemas.microsoft.com/office/powerpoint/2010/main" val="1875924373"/>
+        <p14:creationId xmlns:p14="http://schemas.microsoft.com/office/powerpoint/2010/main" val="2680126375"/>
       </p:ext>
     </p:extLst>
   </p:cSld>
@@ -1955,41 +2225,46 @@
           <a:lstStyle/>
           <a:p>
             <a:r>
+              <a:rPr lang="en-US" dirty="0" err="1"/>
+              <a:t>ASP.Net</a:t>
+            </a:r>
+            <a:r>
               <a:rPr lang="en-US" dirty="0"/>
-              <a:t>Demo </a:t>
-            </a:r>
-          </a:p>
-          <a:p>
-            <a:pPr marL="171450" indent="-171450">
+              <a:t> based on </a:t>
+            </a:r>
+            <a:r>
+              <a:rPr lang="en-US" dirty="0" err="1"/>
+              <a:t>System.Web</a:t>
+            </a:r>
+            <a:r>
+              <a:rPr lang="en-US" dirty="0"/>
+              <a:t> and IIS, ASP.NET Core based on OWIN</a:t>
+            </a:r>
+          </a:p>
+          <a:p>
+            <a:pPr marL="0" marR="0" lvl="0" indent="0" algn="l" defTabSz="914400" rtl="0" eaLnBrk="1" fontAlgn="auto" latinLnBrk="0" hangingPunct="1">
+              <a:lnSpc>
+                <a:spcPct val="100000"/>
+              </a:lnSpc>
+              <a:spcBef>
+                <a:spcPts val="0"/>
+              </a:spcBef>
+              <a:spcAft>
+                <a:spcPts val="0"/>
+              </a:spcAft>
+              <a:buClrTx/>
+              <a:buSzTx/>
               <a:buFontTx/>
-              <a:buChar char="-"/>
+              <a:buNone/>
+              <a:tabLst/>
+              <a:defRPr/>
             </a:pPr>
             <a:r>
               <a:rPr lang="en-US" dirty="0"/>
-              <a:t>03-Hosting</a:t>
-            </a:r>
-          </a:p>
-          <a:p>
-            <a:pPr marL="171450" indent="-171450">
-              <a:buFontTx/>
-              <a:buChar char="-"/>
-            </a:pPr>
-            <a:r>
-              <a:rPr lang="en-US" dirty="0"/>
-              <a:t>Properties-&gt;Debug-&gt;Profile</a:t>
-            </a:r>
-          </a:p>
-          <a:p>
-            <a:pPr marL="171450" indent="-171450">
-              <a:buFontTx/>
-              <a:buChar char="-"/>
-            </a:pPr>
-            <a:r>
-              <a:rPr lang="en-US" dirty="0">
-                <a:hlinkClick r:id="rId3"/>
-              </a:rPr>
-              <a:t>https://oriflame.visualstudio.com/_git/ReportingService?path=%2Fsrc%2FReporting%2Fsrc%2FOri.Reporting.UI%2FProperties%2FlaunchSettings.json&amp;version=GBmaster</a:t>
-            </a:r>
+              <a:t>~ Katana</a:t>
+            </a:r>
+          </a:p>
+          <a:p>
             <a:endParaRPr lang="en-US" dirty="0"/>
           </a:p>
         </p:txBody>
@@ -2011,7 +2286,7 @@
           <a:p>
             <a:fld id="{8A4A6133-5E02-4CB3-8CD2-79D67A7D8CF8}" type="slidenum">
               <a:rPr lang="en-US" smtClean="0"/>
-              <a:t>10</a:t>
+              <a:t>8</a:t>
             </a:fld>
             <a:endParaRPr lang="en-US"/>
           </a:p>
@@ -2020,7 +2295,7 @@
     </p:spTree>
     <p:extLst>
       <p:ext uri="{BB962C8B-B14F-4D97-AF65-F5344CB8AC3E}">
-        <p14:creationId xmlns:p14="http://schemas.microsoft.com/office/powerpoint/2010/main" val="860766697"/>
+        <p14:creationId xmlns:p14="http://schemas.microsoft.com/office/powerpoint/2010/main" val="1836495472"/>
       </p:ext>
     </p:extLst>
   </p:cSld>
@@ -2076,14 +2351,233 @@
           <a:p>
             <a:r>
               <a:rPr lang="en-US" dirty="0"/>
-              <a:t>Demo</a:t>
-            </a:r>
-          </a:p>
-          <a:p>
+              <a:t>Demo </a:t>
+            </a:r>
+            <a:r>
+              <a:rPr lang="en-US" dirty="0" err="1"/>
+              <a:t>na</a:t>
+            </a:r>
             <a:r>
               <a:rPr lang="en-US" dirty="0"/>
-              <a:t>- 03-Hosting</a:t>
-            </a:r>
+              <a:t> middleware pipelines</a:t>
+            </a:r>
+          </a:p>
+          <a:p>
+            <a:pPr marL="171450" indent="-171450">
+              <a:buFontTx/>
+              <a:buChar char="-"/>
+            </a:pPr>
+            <a:r>
+              <a:rPr lang="en-US" dirty="0"/>
+              <a:t>02-Middlewares</a:t>
+            </a:r>
+          </a:p>
+          <a:p>
+            <a:pPr marL="171450" indent="-171450">
+              <a:buFontTx/>
+              <a:buChar char="-"/>
+            </a:pPr>
+            <a:r>
+              <a:rPr lang="en-US" dirty="0" err="1"/>
+              <a:t>Pridat</a:t>
+            </a:r>
+            <a:r>
+              <a:rPr lang="en-US" dirty="0"/>
+              <a:t> </a:t>
+            </a:r>
+            <a:r>
+              <a:rPr lang="en-US" dirty="0" err="1"/>
+              <a:t>Ori.Common.Exceptions</a:t>
+            </a:r>
+            <a:r>
+              <a:rPr lang="en-US" dirty="0"/>
+              <a:t> -&gt; </a:t>
+            </a:r>
+            <a:r>
+              <a:rPr lang="en-US" dirty="0" err="1"/>
+              <a:t>app.</a:t>
+            </a:r>
+            <a:r>
+              <a:rPr lang="en-US" sz="1200" kern="1200" dirty="0" err="1">
+                <a:solidFill>
+                  <a:schemeClr val="tx1"/>
+                </a:solidFill>
+                <a:latin typeface="+mn-lt"/>
+                <a:ea typeface="+mn-ea"/>
+                <a:cs typeface="+mn-cs"/>
+              </a:rPr>
+              <a:t>UseExceptionHandlingMiddleware</a:t>
+            </a:r>
+            <a:r>
+              <a:rPr lang="en-US" sz="1200" kern="1200" dirty="0">
+                <a:solidFill>
+                  <a:schemeClr val="tx1"/>
+                </a:solidFill>
+                <a:latin typeface="+mn-lt"/>
+                <a:ea typeface="+mn-ea"/>
+                <a:cs typeface="+mn-cs"/>
+              </a:rPr>
+              <a:t> -&gt; </a:t>
+            </a:r>
+            <a:r>
+              <a:rPr lang="en-US" sz="1200" kern="1200" dirty="0" err="1">
+                <a:solidFill>
+                  <a:schemeClr val="tx1"/>
+                </a:solidFill>
+                <a:latin typeface="+mn-lt"/>
+                <a:ea typeface="+mn-ea"/>
+                <a:cs typeface="+mn-cs"/>
+              </a:rPr>
+              <a:t>podivat</a:t>
+            </a:r>
+            <a:r>
+              <a:rPr lang="en-US" sz="1200" kern="1200" dirty="0">
+                <a:solidFill>
+                  <a:schemeClr val="tx1"/>
+                </a:solidFill>
+                <a:latin typeface="+mn-lt"/>
+                <a:ea typeface="+mn-ea"/>
+                <a:cs typeface="+mn-cs"/>
+              </a:rPr>
+              <a:t> se </a:t>
+            </a:r>
+            <a:r>
+              <a:rPr lang="en-US" sz="1200" kern="1200" dirty="0" err="1">
+                <a:solidFill>
+                  <a:schemeClr val="tx1"/>
+                </a:solidFill>
+                <a:latin typeface="+mn-lt"/>
+                <a:ea typeface="+mn-ea"/>
+                <a:cs typeface="+mn-cs"/>
+              </a:rPr>
+              <a:t>dovnitr</a:t>
+            </a:r>
+            <a:endParaRPr lang="en-US" sz="1200" kern="1200" dirty="0">
+              <a:solidFill>
+                <a:schemeClr val="tx1"/>
+              </a:solidFill>
+              <a:latin typeface="+mn-lt"/>
+              <a:ea typeface="+mn-ea"/>
+              <a:cs typeface="+mn-cs"/>
+            </a:endParaRPr>
+          </a:p>
+          <a:p>
+            <a:pPr marL="171450" indent="-171450">
+              <a:buFontTx/>
+              <a:buChar char="-"/>
+            </a:pPr>
+            <a:r>
+              <a:rPr lang="en-US" sz="1200" kern="1200" dirty="0">
+                <a:solidFill>
+                  <a:schemeClr val="tx1"/>
+                </a:solidFill>
+                <a:latin typeface="+mn-lt"/>
+                <a:ea typeface="+mn-ea"/>
+                <a:cs typeface="+mn-cs"/>
+              </a:rPr>
+              <a:t>Proc to </a:t>
+            </a:r>
+            <a:r>
+              <a:rPr lang="en-US" sz="1200" kern="1200" dirty="0" err="1">
+                <a:solidFill>
+                  <a:schemeClr val="tx1"/>
+                </a:solidFill>
+                <a:latin typeface="+mn-lt"/>
+                <a:ea typeface="+mn-ea"/>
+                <a:cs typeface="+mn-cs"/>
+              </a:rPr>
+              <a:t>musim</a:t>
+            </a:r>
+            <a:r>
+              <a:rPr lang="en-US" sz="1200" kern="1200" dirty="0">
+                <a:solidFill>
+                  <a:schemeClr val="tx1"/>
+                </a:solidFill>
+                <a:latin typeface="+mn-lt"/>
+                <a:ea typeface="+mn-ea"/>
+                <a:cs typeface="+mn-cs"/>
+              </a:rPr>
+              <a:t> </a:t>
+            </a:r>
+            <a:r>
+              <a:rPr lang="en-US" sz="1200" kern="1200" dirty="0" err="1">
+                <a:solidFill>
+                  <a:schemeClr val="tx1"/>
+                </a:solidFill>
+                <a:latin typeface="+mn-lt"/>
+                <a:ea typeface="+mn-ea"/>
+                <a:cs typeface="+mn-cs"/>
+              </a:rPr>
+              <a:t>dat</a:t>
+            </a:r>
+            <a:r>
+              <a:rPr lang="en-US" sz="1200" kern="1200" dirty="0">
+                <a:solidFill>
+                  <a:schemeClr val="tx1"/>
+                </a:solidFill>
+                <a:latin typeface="+mn-lt"/>
+                <a:ea typeface="+mn-ea"/>
+                <a:cs typeface="+mn-cs"/>
+              </a:rPr>
+              <a:t> </a:t>
+            </a:r>
+            <a:r>
+              <a:rPr lang="en-US" sz="1200" kern="1200" dirty="0" err="1">
+                <a:solidFill>
+                  <a:schemeClr val="tx1"/>
+                </a:solidFill>
+                <a:latin typeface="+mn-lt"/>
+                <a:ea typeface="+mn-ea"/>
+                <a:cs typeface="+mn-cs"/>
+              </a:rPr>
+              <a:t>az</a:t>
+            </a:r>
+            <a:r>
+              <a:rPr lang="en-US" sz="1200" kern="1200" dirty="0">
+                <a:solidFill>
+                  <a:schemeClr val="tx1"/>
+                </a:solidFill>
+                <a:latin typeface="+mn-lt"/>
+                <a:ea typeface="+mn-ea"/>
+                <a:cs typeface="+mn-cs"/>
+              </a:rPr>
+              <a:t> za </a:t>
+            </a:r>
+            <a:r>
+              <a:rPr lang="en-US" sz="1200" kern="1200" dirty="0" err="1">
+                <a:solidFill>
+                  <a:schemeClr val="tx1"/>
+                </a:solidFill>
+                <a:latin typeface="+mn-lt"/>
+                <a:ea typeface="+mn-ea"/>
+                <a:cs typeface="+mn-cs"/>
+              </a:rPr>
+              <a:t>UseMVC</a:t>
+            </a:r>
+            <a:r>
+              <a:rPr lang="en-US" sz="1200" kern="1200" dirty="0">
+                <a:solidFill>
+                  <a:schemeClr val="tx1"/>
+                </a:solidFill>
+                <a:latin typeface="+mn-lt"/>
+                <a:ea typeface="+mn-ea"/>
+                <a:cs typeface="+mn-cs"/>
+              </a:rPr>
+              <a:t>?</a:t>
+            </a:r>
+          </a:p>
+          <a:p>
+            <a:pPr marL="171450" indent="-171450">
+              <a:buFontTx/>
+              <a:buChar char="-"/>
+            </a:pPr>
+            <a:r>
+              <a:rPr lang="en-US" dirty="0">
+                <a:hlinkClick r:id="rId3"/>
+              </a:rPr>
+              <a:t>https://oriflame.visualstudio.com/Ori.Common/_git/Ori.Common.Exceptions?path=%2Fsrc%2FInfrastructure%2FExceptionHandlingMiddleware.cs&amp;version=GBdevelop</a:t>
+            </a:r>
+            <a:endParaRPr lang="en-US" dirty="0"/>
           </a:p>
         </p:txBody>
       </p:sp>
@@ -2104,7 +2598,7 @@
           <a:p>
             <a:fld id="{8A4A6133-5E02-4CB3-8CD2-79D67A7D8CF8}" type="slidenum">
               <a:rPr lang="en-US" smtClean="0"/>
-              <a:t>11</a:t>
+              <a:t>9</a:t>
             </a:fld>
             <a:endParaRPr lang="en-US"/>
           </a:p>
@@ -2113,7 +2607,7 @@
     </p:spTree>
     <p:extLst>
       <p:ext uri="{BB962C8B-B14F-4D97-AF65-F5344CB8AC3E}">
-        <p14:creationId xmlns:p14="http://schemas.microsoft.com/office/powerpoint/2010/main" val="2785056519"/>
+        <p14:creationId xmlns:p14="http://schemas.microsoft.com/office/powerpoint/2010/main" val="1875924373"/>
       </p:ext>
     </p:extLst>
   </p:cSld>
@@ -2171,22 +2665,6 @@
               <a:rPr lang="en-US" dirty="0"/>
               <a:t>Demo </a:t>
             </a:r>
-            <a:r>
-              <a:rPr lang="en-US" dirty="0" err="1"/>
-              <a:t>na</a:t>
-            </a:r>
-            <a:r>
-              <a:rPr lang="en-US" dirty="0"/>
-              <a:t> </a:t>
-            </a:r>
-            <a:r>
-              <a:rPr lang="en-US" dirty="0" err="1"/>
-              <a:t>logovani</a:t>
-            </a:r>
-            <a:r>
-              <a:rPr lang="en-US" dirty="0"/>
-              <a:t> a named placeholders</a:t>
-            </a:r>
           </a:p>
           <a:p>
             <a:pPr marL="171450" indent="-171450">
@@ -2195,7 +2673,7 @@
             </a:pPr>
             <a:r>
               <a:rPr lang="en-US" dirty="0"/>
-              <a:t>04-Logging</a:t>
+              <a:t>03-Hosting</a:t>
             </a:r>
           </a:p>
           <a:p>
@@ -2204,18 +2682,9 @@
               <a:buChar char="-"/>
             </a:pPr>
             <a:r>
-              <a:rPr lang="en-US" dirty="0" err="1"/>
-              <a:t>Program.cs</a:t>
-            </a:r>
-            <a:r>
               <a:rPr lang="en-US" dirty="0"/>
-              <a:t> -&gt; </a:t>
-            </a:r>
-            <a:r>
-              <a:rPr lang="en-US" dirty="0" err="1"/>
-              <a:t>ConfigureLogging</a:t>
-            </a:r>
-            <a:endParaRPr lang="en-US" dirty="0"/>
+              <a:t>Properties-&gt;Debug-&gt;Profile</a:t>
+            </a:r>
           </a:p>
           <a:p>
             <a:pPr marL="171450" indent="-171450">
@@ -2223,45 +2692,11 @@
               <a:buChar char="-"/>
             </a:pPr>
             <a:r>
-              <a:rPr lang="en-US" dirty="0"/>
-              <a:t>Different sources</a:t>
-            </a:r>
-          </a:p>
-          <a:p>
-            <a:pPr marL="171450" indent="-171450">
-              <a:buFontTx/>
-              <a:buChar char="-"/>
-            </a:pPr>
-            <a:r>
-              <a:rPr lang="en-US" dirty="0"/>
-              <a:t>Logger inject + example</a:t>
-            </a:r>
-          </a:p>
-          <a:p>
-            <a:pPr marL="171450" indent="-171450">
-              <a:buFontTx/>
-              <a:buChar char="-"/>
-            </a:pPr>
-            <a:r>
-              <a:rPr lang="en-US" dirty="0"/>
-              <a:t>Add AI SDK + Update!</a:t>
-            </a:r>
-          </a:p>
-          <a:p>
-            <a:pPr marL="171450" indent="-171450">
-              <a:buFontTx/>
-              <a:buChar char="-"/>
-            </a:pPr>
-            <a:r>
-              <a:rPr lang="en-US" dirty="0" err="1"/>
-              <a:t>Addnamed</a:t>
-            </a:r>
-            <a:r>
-              <a:rPr lang="en-US" dirty="0"/>
-              <a:t> placeholders for logging</a:t>
-            </a:r>
-          </a:p>
-          <a:p>
+              <a:rPr lang="en-US" dirty="0">
+                <a:hlinkClick r:id="rId3"/>
+              </a:rPr>
+              <a:t>https://oriflame.visualstudio.com/_git/ReportingService?path=%2Fsrc%2FReporting%2Fsrc%2FOri.Reporting.UI%2FProperties%2FlaunchSettings.json&amp;version=GBmaster</a:t>
+            </a:r>
             <a:endParaRPr lang="en-US" dirty="0"/>
           </a:p>
         </p:txBody>
@@ -2283,7 +2718,7 @@
           <a:p>
             <a:fld id="{8A4A6133-5E02-4CB3-8CD2-79D67A7D8CF8}" type="slidenum">
               <a:rPr lang="en-US" smtClean="0"/>
-              <a:t>12</a:t>
+              <a:t>10</a:t>
             </a:fld>
             <a:endParaRPr lang="en-US"/>
           </a:p>
@@ -2292,7 +2727,7 @@
     </p:spTree>
     <p:extLst>
       <p:ext uri="{BB962C8B-B14F-4D97-AF65-F5344CB8AC3E}">
-        <p14:creationId xmlns:p14="http://schemas.microsoft.com/office/powerpoint/2010/main" val="2580023241"/>
+        <p14:creationId xmlns:p14="http://schemas.microsoft.com/office/powerpoint/2010/main" val="860766697"/>
       </p:ext>
     </p:extLst>
   </p:cSld>
@@ -2352,155 +2787,10 @@
             </a:r>
           </a:p>
           <a:p>
-            <a:pPr marL="171450" indent="-171450">
-              <a:buFontTx/>
-              <a:buChar char="-"/>
-            </a:pPr>
             <a:r>
               <a:rPr lang="en-US" dirty="0"/>
-              <a:t>05-Settings</a:t>
-            </a:r>
-          </a:p>
-          <a:p>
-            <a:pPr marL="171450" indent="-171450">
-              <a:buFontTx/>
-              <a:buChar char="-"/>
-            </a:pPr>
-            <a:r>
-              <a:rPr lang="en-US" dirty="0" err="1"/>
-              <a:t>StartUp</a:t>
-            </a:r>
-            <a:r>
-              <a:rPr lang="en-US" dirty="0"/>
-              <a:t> -&gt; </a:t>
-            </a:r>
-            <a:r>
-              <a:rPr lang="en-US" dirty="0" err="1"/>
-              <a:t>ConfigureServices</a:t>
-            </a:r>
-            <a:r>
-              <a:rPr lang="en-US" dirty="0"/>
-              <a:t> -&gt; </a:t>
-            </a:r>
-            <a:r>
-              <a:rPr lang="en-US" dirty="0" err="1"/>
-              <a:t>DirectInject</a:t>
-            </a:r>
-            <a:r>
-              <a:rPr lang="en-US" dirty="0"/>
-              <a:t> + Options</a:t>
-            </a:r>
-          </a:p>
-          <a:p>
-            <a:pPr marL="171450" indent="-171450">
-              <a:buFontTx/>
-              <a:buChar char="-"/>
-            </a:pPr>
-            <a:r>
-              <a:rPr lang="en-US" dirty="0"/>
-              <a:t>/</a:t>
-            </a:r>
-            <a:r>
-              <a:rPr lang="en-US" dirty="0" err="1"/>
-              <a:t>api</a:t>
-            </a:r>
-            <a:r>
-              <a:rPr lang="en-US" dirty="0"/>
-              <a:t>/settings and /</a:t>
-            </a:r>
-            <a:r>
-              <a:rPr lang="en-US" dirty="0" err="1"/>
-              <a:t>api</a:t>
-            </a:r>
-            <a:r>
-              <a:rPr lang="en-US" dirty="0"/>
-              <a:t>/options</a:t>
-            </a:r>
-          </a:p>
-          <a:p>
-            <a:pPr marL="171450" indent="-171450">
-              <a:buFontTx/>
-              <a:buChar char="-"/>
-            </a:pPr>
-            <a:r>
-              <a:rPr lang="en-US" dirty="0"/>
-              <a:t>Change </a:t>
-            </a:r>
-            <a:r>
-              <a:rPr lang="en-US" dirty="0" err="1"/>
-              <a:t>PublicValue</a:t>
-            </a:r>
-            <a:r>
-              <a:rPr lang="en-US" dirty="0"/>
-              <a:t> </a:t>
-            </a:r>
-            <a:r>
-              <a:rPr lang="en-US"/>
-              <a:t>for options</a:t>
-            </a:r>
-            <a:endParaRPr lang="en-US" dirty="0"/>
-          </a:p>
-          <a:p>
-            <a:pPr marL="171450" indent="-171450">
-              <a:buFontTx/>
-              <a:buChar char="-"/>
-            </a:pPr>
-            <a:r>
-              <a:rPr lang="en-US" dirty="0" err="1"/>
-              <a:t>UserSecretsId</a:t>
-            </a:r>
-            <a:r>
-              <a:rPr lang="en-US" dirty="0"/>
-              <a:t> in </a:t>
-            </a:r>
-            <a:r>
-              <a:rPr lang="en-US" dirty="0" err="1"/>
-              <a:t>proj</a:t>
-            </a:r>
-            <a:r>
-              <a:rPr lang="en-US" dirty="0"/>
-              <a:t> file</a:t>
-            </a:r>
-          </a:p>
-          <a:p>
-            <a:pPr marL="171450" indent="-171450">
-              <a:buFontTx/>
-              <a:buChar char="-"/>
-            </a:pPr>
-            <a:r>
-              <a:rPr lang="en-US" dirty="0"/>
-              <a:t>dotnet user-secrets set "</a:t>
-            </a:r>
-            <a:r>
-              <a:rPr lang="en-US" dirty="0" err="1"/>
-              <a:t>SettingsClass:SecretPhrase</a:t>
-            </a:r>
-            <a:r>
-              <a:rPr lang="en-US" dirty="0"/>
-              <a:t>" "</a:t>
-            </a:r>
-            <a:r>
-              <a:rPr lang="en-US" dirty="0" err="1"/>
-              <a:t>bubak</a:t>
-            </a:r>
-            <a:r>
-              <a:rPr lang="en-US" dirty="0"/>
-              <a:t>" --project D:\Work\Oriflame\ArchSync\coreintro\src\Settings</a:t>
-            </a:r>
-          </a:p>
-          <a:p>
-            <a:pPr marL="171450" indent="-171450">
-              <a:buFontTx/>
-              <a:buChar char="-"/>
-            </a:pPr>
-            <a:r>
-              <a:rPr lang="en-US" dirty="0" err="1"/>
-              <a:t>Ori.Configuration.Manager</a:t>
-            </a:r>
-            <a:endParaRPr lang="en-US" dirty="0"/>
-          </a:p>
-          <a:p>
-            <a:endParaRPr lang="en-US" dirty="0"/>
+              <a:t>- 03-Hosting</a:t>
+            </a:r>
           </a:p>
         </p:txBody>
       </p:sp>
@@ -2521,7 +2811,7 @@
           <a:p>
             <a:fld id="{8A4A6133-5E02-4CB3-8CD2-79D67A7D8CF8}" type="slidenum">
               <a:rPr lang="en-US" smtClean="0"/>
-              <a:t>13</a:t>
+              <a:t>11</a:t>
             </a:fld>
             <a:endParaRPr lang="en-US"/>
           </a:p>
@@ -2530,7 +2820,7 @@
     </p:spTree>
     <p:extLst>
       <p:ext uri="{BB962C8B-B14F-4D97-AF65-F5344CB8AC3E}">
-        <p14:creationId xmlns:p14="http://schemas.microsoft.com/office/powerpoint/2010/main" val="1836945804"/>
+        <p14:creationId xmlns:p14="http://schemas.microsoft.com/office/powerpoint/2010/main" val="2785056519"/>
       </p:ext>
     </p:extLst>
   </p:cSld>
@@ -26489,7 +26779,7 @@
         </p:blipFill>
         <p:spPr>
           <a:xfrm>
-            <a:off x="5308265" y="1688511"/>
+            <a:off x="367555" y="1772940"/>
             <a:ext cx="6516179" cy="3312119"/>
           </a:xfrm>
         </p:spPr>
@@ -26537,7 +26827,7 @@
         </p:nvSpPr>
         <p:spPr>
           <a:xfrm>
-            <a:off x="7180737" y="5030989"/>
+            <a:off x="516608" y="5169488"/>
             <a:ext cx="4643708" cy="276999"/>
           </a:xfrm>
           <a:prstGeom prst="rect">
@@ -26577,7 +26867,7 @@
         </p:nvSpPr>
         <p:spPr>
           <a:xfrm>
-            <a:off x="550862" y="1881188"/>
+            <a:off x="7294433" y="1550012"/>
             <a:ext cx="4643708" cy="3852862"/>
           </a:xfrm>
           <a:prstGeom prst="rect">
@@ -27161,78 +27451,6 @@
                       </p:childTnLst>
                     </p:cTn>
                   </p:par>
-                  <p:par>
-                    <p:cTn id="25" fill="hold">
-                      <p:stCondLst>
-                        <p:cond delay="indefinite"/>
-                      </p:stCondLst>
-                      <p:childTnLst>
-                        <p:par>
-                          <p:cTn id="26" fill="hold">
-                            <p:stCondLst>
-                              <p:cond delay="0"/>
-                            </p:stCondLst>
-                            <p:childTnLst>
-                              <p:par>
-                                <p:cTn id="27" presetID="1" presetClass="entr" presetSubtype="0" fill="hold" nodeType="clickEffect">
-                                  <p:stCondLst>
-                                    <p:cond delay="0"/>
-                                  </p:stCondLst>
-                                  <p:childTnLst>
-                                    <p:set>
-                                      <p:cBhvr>
-                                        <p:cTn id="28" dur="1" fill="hold">
-                                          <p:stCondLst>
-                                            <p:cond delay="0"/>
-                                          </p:stCondLst>
-                                        </p:cTn>
-                                        <p:tgtEl>
-                                          <p:spTgt spid="23"/>
-                                        </p:tgtEl>
-                                        <p:attrNameLst>
-                                          <p:attrName>style.visibility</p:attrName>
-                                        </p:attrNameLst>
-                                      </p:cBhvr>
-                                      <p:to>
-                                        <p:strVal val="visible"/>
-                                      </p:to>
-                                    </p:set>
-                                  </p:childTnLst>
-                                </p:cTn>
-                              </p:par>
-                              <p:par>
-                                <p:cTn id="29" presetID="1" presetClass="entr" presetSubtype="0" fill="hold" grpId="0" nodeType="withEffect">
-                                  <p:stCondLst>
-                                    <p:cond delay="0"/>
-                                  </p:stCondLst>
-                                  <p:childTnLst>
-                                    <p:set>
-                                      <p:cBhvr>
-                                        <p:cTn id="30" dur="1" fill="hold">
-                                          <p:stCondLst>
-                                            <p:cond delay="0"/>
-                                          </p:stCondLst>
-                                        </p:cTn>
-                                        <p:tgtEl>
-                                          <p:spTgt spid="24"/>
-                                        </p:tgtEl>
-                                        <p:attrNameLst>
-                                          <p:attrName>style.visibility</p:attrName>
-                                        </p:attrNameLst>
-                                      </p:cBhvr>
-                                      <p:to>
-                                        <p:strVal val="visible"/>
-                                      </p:to>
-                                    </p:set>
-                                  </p:childTnLst>
-                                </p:cTn>
-                              </p:par>
-                            </p:childTnLst>
-                          </p:cTn>
-                        </p:par>
-                      </p:childTnLst>
-                    </p:cTn>
-                  </p:par>
                 </p:childTnLst>
               </p:cTn>
               <p:prevCondLst>
@@ -27254,9 +27472,6 @@
         </p:cTn>
       </p:par>
     </p:tnLst>
-    <p:bldLst>
-      <p:bldP spid="24" grpId="0"/>
-    </p:bldLst>
   </p:timing>
 </p:sld>
 </file>
@@ -27326,6 +27541,12 @@
             <a:r>
               <a:rPr lang="en-US" b="1" dirty="0"/>
               <a:t>Windows dependent</a:t>
+            </a:r>
+          </a:p>
+          <a:p>
+            <a:r>
+              <a:rPr lang="en-US" b="1" dirty="0"/>
+              <a:t>First release ~2002</a:t>
             </a:r>
           </a:p>
         </p:txBody>
@@ -27827,6 +28048,12 @@
           <a:p>
             <a:r>
               <a:rPr lang="en-US" dirty="0"/>
+              <a:t>All files in folder included by default</a:t>
+            </a:r>
+          </a:p>
+          <a:p>
+            <a:r>
+              <a:rPr lang="en-US" dirty="0"/>
               <a:t>Contains package references</a:t>
             </a:r>
           </a:p>
@@ -28009,7 +28236,7 @@
           </p:nvPr>
         </p:nvPicPr>
         <p:blipFill>
-          <a:blip r:embed="rId2"/>
+          <a:blip r:embed="rId3"/>
           <a:stretch>
             <a:fillRect/>
           </a:stretch>
@@ -28403,16 +28630,10 @@
           <a:p>
             <a:pPr lvl="1"/>
             <a:r>
-              <a:rPr lang="en-US" dirty="0"/>
-              <a:t>Exception handling</a:t>
-            </a:r>
-          </a:p>
-          <a:p>
-            <a:pPr lvl="1"/>
-            <a:r>
-              <a:rPr lang="en-US" dirty="0"/>
+              <a:rPr lang="en-US"/>
               <a:t>HTTPS</a:t>
             </a:r>
+            <a:endParaRPr lang="en-US" dirty="0"/>
           </a:p>
           <a:p>
             <a:pPr lvl="1"/>
@@ -28673,37 +28894,6 @@
                                           <p:spTgt spid="8">
                                             <p:txEl>
                                               <p:pRg st="7" end="7"/>
-                                            </p:txEl>
-                                          </p:spTgt>
-                                        </p:tgtEl>
-                                        <p:attrNameLst>
-                                          <p:attrName>style.visibility</p:attrName>
-                                        </p:attrNameLst>
-                                      </p:cBhvr>
-                                      <p:to>
-                                        <p:strVal val="visible"/>
-                                      </p:to>
-                                    </p:set>
-                                  </p:childTnLst>
-                                </p:cTn>
-                              </p:par>
-                              <p:par>
-                                <p:cTn id="19" presetID="1" presetClass="entr" presetSubtype="0" fill="hold" nodeType="withEffect">
-                                  <p:stCondLst>
-                                    <p:cond delay="0"/>
-                                  </p:stCondLst>
-                                  <p:childTnLst>
-                                    <p:set>
-                                      <p:cBhvr>
-                                        <p:cTn id="20" dur="1" fill="hold">
-                                          <p:stCondLst>
-                                            <p:cond delay="0"/>
-                                          </p:stCondLst>
-                                        </p:cTn>
-                                        <p:tgtEl>
-                                          <p:spTgt spid="8">
-                                            <p:txEl>
-                                              <p:pRg st="8" end="8"/>
                                             </p:txEl>
                                           </p:spTgt>
                                         </p:tgtEl>

--- a/docs/CoreIntro.pptx
+++ b/docs/CoreIntro.pptx
@@ -2661,42 +2661,6 @@
           <a:bodyPr/>
           <a:lstStyle/>
           <a:p>
-            <a:r>
-              <a:rPr lang="en-US" dirty="0"/>
-              <a:t>Demo </a:t>
-            </a:r>
-          </a:p>
-          <a:p>
-            <a:pPr marL="171450" indent="-171450">
-              <a:buFontTx/>
-              <a:buChar char="-"/>
-            </a:pPr>
-            <a:r>
-              <a:rPr lang="en-US" dirty="0"/>
-              <a:t>03-Hosting</a:t>
-            </a:r>
-          </a:p>
-          <a:p>
-            <a:pPr marL="171450" indent="-171450">
-              <a:buFontTx/>
-              <a:buChar char="-"/>
-            </a:pPr>
-            <a:r>
-              <a:rPr lang="en-US" dirty="0"/>
-              <a:t>Properties-&gt;Debug-&gt;Profile</a:t>
-            </a:r>
-          </a:p>
-          <a:p>
-            <a:pPr marL="171450" indent="-171450">
-              <a:buFontTx/>
-              <a:buChar char="-"/>
-            </a:pPr>
-            <a:r>
-              <a:rPr lang="en-US" dirty="0">
-                <a:hlinkClick r:id="rId3"/>
-              </a:rPr>
-              <a:t>https://oriflame.visualstudio.com/_git/ReportingService?path=%2Fsrc%2FReporting%2Fsrc%2FOri.Reporting.UI%2FProperties%2FlaunchSettings.json&amp;version=GBmaster</a:t>
-            </a:r>
             <a:endParaRPr lang="en-US" dirty="0"/>
           </a:p>
         </p:txBody>
@@ -2787,10 +2751,44 @@
             </a:r>
           </a:p>
           <a:p>
+            <a:pPr marL="171450" indent="-171450">
+              <a:buFontTx/>
+              <a:buChar char="-"/>
+            </a:pPr>
             <a:r>
               <a:rPr lang="en-US" dirty="0"/>
-              <a:t>- 03-Hosting</a:t>
-            </a:r>
+              <a:t>03-Hosting</a:t>
+            </a:r>
+          </a:p>
+          <a:p>
+            <a:pPr marL="171450" indent="-171450">
+              <a:buFontTx/>
+              <a:buChar char="-"/>
+            </a:pPr>
+            <a:r>
+              <a:rPr lang="en-US" dirty="0"/>
+              <a:t>Properties-&gt;Debug-&gt;Profile</a:t>
+            </a:r>
+          </a:p>
+          <a:p>
+            <a:pPr marL="171450" indent="-171450">
+              <a:buFontTx/>
+              <a:buChar char="-"/>
+            </a:pPr>
+            <a:r>
+              <a:rPr lang="en-US" dirty="0">
+                <a:hlinkClick r:id="rId3"/>
+              </a:rPr>
+              <a:t>https://oriflame.visualstudio.com/_git/ReportingService?path=%2Fsrc%2FReporting%2Fsrc%2FOri.Reporting.UI%2FProperties%2FlaunchSettings.json&amp;version=GBmaster</a:t>
+            </a:r>
+            <a:endParaRPr lang="en-US" dirty="0"/>
+          </a:p>
+          <a:p>
+            <a:pPr marL="171450" indent="-171450">
+              <a:buFontTx/>
+              <a:buChar char="-"/>
+            </a:pPr>
+            <a:endParaRPr lang="en-US" dirty="0"/>
           </a:p>
         </p:txBody>
       </p:sp>
@@ -16161,6 +16159,640 @@
   <p:clrMapOvr>
     <a:masterClrMapping/>
   </p:clrMapOvr>
+</p:sld>
+</file>
+
+<file path=ppt/slides/slide11.xml><?xml version="1.0" encoding="utf-8"?>
+<p:sld xmlns:a="http://schemas.openxmlformats.org/drawingml/2006/main" xmlns:r="http://schemas.openxmlformats.org/officeDocument/2006/relationships" xmlns:p="http://schemas.openxmlformats.org/presentationml/2006/main">
+  <p:cSld>
+    <p:spTree>
+      <p:nvGrpSpPr>
+        <p:cNvPr id="1" name=""/>
+        <p:cNvGrpSpPr/>
+        <p:nvPr/>
+      </p:nvGrpSpPr>
+      <p:grpSpPr>
+        <a:xfrm>
+          <a:off x="0" y="0"/>
+          <a:ext cx="0" cy="0"/>
+          <a:chOff x="0" y="0"/>
+          <a:chExt cx="0" cy="0"/>
+        </a:xfrm>
+      </p:grpSpPr>
+      <p:sp>
+        <p:nvSpPr>
+          <p:cNvPr id="2" name="Title 1">
+            <a:extLst>
+              <a:ext uri="{FF2B5EF4-FFF2-40B4-BE49-F238E27FC236}">
+                <a16:creationId xmlns:a16="http://schemas.microsoft.com/office/drawing/2014/main" id="{9FAA78F2-9459-4D12-BF0B-61751D9F9C66}"/>
+              </a:ext>
+            </a:extLst>
+          </p:cNvPr>
+          <p:cNvSpPr>
+            <a:spLocks noGrp="1"/>
+          </p:cNvSpPr>
+          <p:nvPr>
+            <p:ph type="title"/>
+          </p:nvPr>
+        </p:nvSpPr>
+        <p:spPr/>
+        <p:txBody>
+          <a:bodyPr/>
+          <a:lstStyle/>
+          <a:p>
+            <a:r>
+              <a:rPr lang="en-US" dirty="0"/>
+              <a:t>ASP.NET Core – Startup</a:t>
+            </a:r>
+          </a:p>
+        </p:txBody>
+      </p:sp>
+      <p:sp>
+        <p:nvSpPr>
+          <p:cNvPr id="4" name="Slide Number Placeholder 3">
+            <a:extLst>
+              <a:ext uri="{FF2B5EF4-FFF2-40B4-BE49-F238E27FC236}">
+                <a16:creationId xmlns:a16="http://schemas.microsoft.com/office/drawing/2014/main" id="{5458F73F-44DE-4E01-AAB2-278012EDB8A4}"/>
+              </a:ext>
+            </a:extLst>
+          </p:cNvPr>
+          <p:cNvSpPr>
+            <a:spLocks noGrp="1"/>
+          </p:cNvSpPr>
+          <p:nvPr>
+            <p:ph type="sldNum" sz="quarter" idx="12"/>
+          </p:nvPr>
+        </p:nvSpPr>
+        <p:spPr/>
+        <p:txBody>
+          <a:bodyPr/>
+          <a:lstStyle/>
+          <a:p>
+            <a:fld id="{3F2B5CF4-79E2-4BCE-8F81-53ED60D4893F}" type="slidenum">
+              <a:rPr lang="en-US" smtClean="0"/>
+              <a:t>11</a:t>
+            </a:fld>
+            <a:endParaRPr lang="en-US"/>
+          </a:p>
+        </p:txBody>
+      </p:sp>
+      <p:sp>
+        <p:nvSpPr>
+          <p:cNvPr id="8" name="Content Placeholder 1">
+            <a:extLst>
+              <a:ext uri="{FF2B5EF4-FFF2-40B4-BE49-F238E27FC236}">
+                <a16:creationId xmlns:a16="http://schemas.microsoft.com/office/drawing/2014/main" id="{0A7DAFB0-082F-4775-A9B7-914046843D85}"/>
+              </a:ext>
+            </a:extLst>
+          </p:cNvPr>
+          <p:cNvSpPr txBox="1">
+            <a:spLocks/>
+          </p:cNvSpPr>
+          <p:nvPr/>
+        </p:nvSpPr>
+        <p:spPr>
+          <a:xfrm>
+            <a:off x="550861" y="1881188"/>
+            <a:ext cx="5246823" cy="3852862"/>
+          </a:xfrm>
+          <a:prstGeom prst="rect">
+            <a:avLst/>
+          </a:prstGeom>
+        </p:spPr>
+        <p:txBody>
+          <a:bodyPr vert="horz" lIns="0" tIns="0" rIns="0" bIns="0" rtlCol="0">
+            <a:noAutofit/>
+          </a:bodyPr>
+          <a:lstStyle>
+            <a:lvl1pPr marL="228600" indent="-228600" algn="l" defTabSz="914400" rtl="0" eaLnBrk="1" latinLnBrk="0" hangingPunct="1">
+              <a:lnSpc>
+                <a:spcPct val="90000"/>
+              </a:lnSpc>
+              <a:spcBef>
+                <a:spcPts val="1000"/>
+              </a:spcBef>
+              <a:buSzPct val="110000"/>
+              <a:buFont typeface="Arial" panose="020B0604020202020204" pitchFamily="34" charset="0"/>
+              <a:buChar char="•"/>
+              <a:defRPr sz="2000" kern="1200">
+                <a:solidFill>
+                  <a:schemeClr val="tx1"/>
+                </a:solidFill>
+                <a:latin typeface="+mn-lt"/>
+                <a:ea typeface="+mn-ea"/>
+                <a:cs typeface="+mn-cs"/>
+              </a:defRPr>
+            </a:lvl1pPr>
+            <a:lvl2pPr marL="501650" indent="-236538" algn="l" defTabSz="914400" rtl="0" eaLnBrk="1" latinLnBrk="0" hangingPunct="1">
+              <a:lnSpc>
+                <a:spcPct val="90000"/>
+              </a:lnSpc>
+              <a:spcBef>
+                <a:spcPts val="500"/>
+              </a:spcBef>
+              <a:buFont typeface="Arial" panose="020B0604020202020204" pitchFamily="34" charset="0"/>
+              <a:buChar char="−"/>
+              <a:defRPr sz="2000" kern="1200">
+                <a:solidFill>
+                  <a:schemeClr val="tx1"/>
+                </a:solidFill>
+                <a:latin typeface="+mn-lt"/>
+                <a:ea typeface="+mn-ea"/>
+                <a:cs typeface="+mn-cs"/>
+              </a:defRPr>
+            </a:lvl2pPr>
+            <a:lvl3pPr marL="717550" indent="-215900" algn="l" defTabSz="914400" rtl="0" eaLnBrk="1" latinLnBrk="0" hangingPunct="1">
+              <a:lnSpc>
+                <a:spcPct val="90000"/>
+              </a:lnSpc>
+              <a:spcBef>
+                <a:spcPts val="500"/>
+              </a:spcBef>
+              <a:buFont typeface="Arial" panose="020B0604020202020204" pitchFamily="34" charset="0"/>
+              <a:buChar char="−"/>
+              <a:defRPr sz="2000" kern="1200">
+                <a:solidFill>
+                  <a:schemeClr val="tx1"/>
+                </a:solidFill>
+                <a:latin typeface="+mn-lt"/>
+                <a:ea typeface="+mn-ea"/>
+                <a:cs typeface="+mn-cs"/>
+              </a:defRPr>
+            </a:lvl3pPr>
+            <a:lvl4pPr marL="944563" indent="-246063" algn="l" defTabSz="914400" rtl="0" eaLnBrk="1" latinLnBrk="0" hangingPunct="1">
+              <a:lnSpc>
+                <a:spcPct val="90000"/>
+              </a:lnSpc>
+              <a:spcBef>
+                <a:spcPts val="500"/>
+              </a:spcBef>
+              <a:buFont typeface="Arial" panose="020B0604020202020204" pitchFamily="34" charset="0"/>
+              <a:buChar char="−"/>
+              <a:defRPr sz="2000" kern="1200">
+                <a:solidFill>
+                  <a:schemeClr val="tx1"/>
+                </a:solidFill>
+                <a:latin typeface="+mn-lt"/>
+                <a:ea typeface="+mn-ea"/>
+                <a:cs typeface="+mn-cs"/>
+              </a:defRPr>
+            </a:lvl4pPr>
+            <a:lvl5pPr marL="1169988" indent="-225425" algn="l" defTabSz="914400" rtl="0" eaLnBrk="1" latinLnBrk="0" hangingPunct="1">
+              <a:lnSpc>
+                <a:spcPct val="90000"/>
+              </a:lnSpc>
+              <a:spcBef>
+                <a:spcPts val="500"/>
+              </a:spcBef>
+              <a:buFont typeface="Arial" panose="020B0604020202020204" pitchFamily="34" charset="0"/>
+              <a:buChar char="−"/>
+              <a:defRPr sz="2000" kern="1200">
+                <a:solidFill>
+                  <a:schemeClr val="tx1"/>
+                </a:solidFill>
+                <a:latin typeface="+mn-lt"/>
+                <a:ea typeface="+mn-ea"/>
+                <a:cs typeface="+mn-cs"/>
+              </a:defRPr>
+            </a:lvl5pPr>
+            <a:lvl6pPr marL="2514600" indent="-228600" algn="l" defTabSz="914400" rtl="0" eaLnBrk="1" latinLnBrk="0" hangingPunct="1">
+              <a:lnSpc>
+                <a:spcPct val="90000"/>
+              </a:lnSpc>
+              <a:spcBef>
+                <a:spcPts val="500"/>
+              </a:spcBef>
+              <a:buFont typeface="Arial" panose="020B0604020202020204" pitchFamily="34" charset="0"/>
+              <a:buChar char="•"/>
+              <a:defRPr sz="1800" kern="1200">
+                <a:solidFill>
+                  <a:schemeClr val="tx1"/>
+                </a:solidFill>
+                <a:latin typeface="+mn-lt"/>
+                <a:ea typeface="+mn-ea"/>
+                <a:cs typeface="+mn-cs"/>
+              </a:defRPr>
+            </a:lvl6pPr>
+            <a:lvl7pPr marL="2971800" indent="-228600" algn="l" defTabSz="914400" rtl="0" eaLnBrk="1" latinLnBrk="0" hangingPunct="1">
+              <a:lnSpc>
+                <a:spcPct val="90000"/>
+              </a:lnSpc>
+              <a:spcBef>
+                <a:spcPts val="500"/>
+              </a:spcBef>
+              <a:buFont typeface="Arial" panose="020B0604020202020204" pitchFamily="34" charset="0"/>
+              <a:buChar char="•"/>
+              <a:defRPr sz="1800" kern="1200">
+                <a:solidFill>
+                  <a:schemeClr val="tx1"/>
+                </a:solidFill>
+                <a:latin typeface="+mn-lt"/>
+                <a:ea typeface="+mn-ea"/>
+                <a:cs typeface="+mn-cs"/>
+              </a:defRPr>
+            </a:lvl7pPr>
+            <a:lvl8pPr marL="3429000" indent="-228600" algn="l" defTabSz="914400" rtl="0" eaLnBrk="1" latinLnBrk="0" hangingPunct="1">
+              <a:lnSpc>
+                <a:spcPct val="90000"/>
+              </a:lnSpc>
+              <a:spcBef>
+                <a:spcPts val="500"/>
+              </a:spcBef>
+              <a:buFont typeface="Arial" panose="020B0604020202020204" pitchFamily="34" charset="0"/>
+              <a:buChar char="•"/>
+              <a:defRPr sz="1800" kern="1200">
+                <a:solidFill>
+                  <a:schemeClr val="tx1"/>
+                </a:solidFill>
+                <a:latin typeface="+mn-lt"/>
+                <a:ea typeface="+mn-ea"/>
+                <a:cs typeface="+mn-cs"/>
+              </a:defRPr>
+            </a:lvl8pPr>
+            <a:lvl9pPr marL="3886200" indent="-228600" algn="l" defTabSz="914400" rtl="0" eaLnBrk="1" latinLnBrk="0" hangingPunct="1">
+              <a:lnSpc>
+                <a:spcPct val="90000"/>
+              </a:lnSpc>
+              <a:spcBef>
+                <a:spcPts val="500"/>
+              </a:spcBef>
+              <a:buFont typeface="Arial" panose="020B0604020202020204" pitchFamily="34" charset="0"/>
+              <a:buChar char="•"/>
+              <a:defRPr sz="1800" kern="1200">
+                <a:solidFill>
+                  <a:schemeClr val="tx1"/>
+                </a:solidFill>
+                <a:latin typeface="+mn-lt"/>
+                <a:ea typeface="+mn-ea"/>
+                <a:cs typeface="+mn-cs"/>
+              </a:defRPr>
+            </a:lvl9pPr>
+          </a:lstStyle>
+          <a:p>
+            <a:pPr marL="0" indent="0">
+              <a:buNone/>
+            </a:pPr>
+            <a:r>
+              <a:rPr lang="en-US" b="1" dirty="0"/>
+              <a:t>Main()</a:t>
+            </a:r>
+          </a:p>
+          <a:p>
+            <a:r>
+              <a:rPr lang="en-US" dirty="0" err="1"/>
+              <a:t>WebHostBuilder</a:t>
+            </a:r>
+            <a:r>
+              <a:rPr lang="en-US" dirty="0"/>
+              <a:t> (=&gt; </a:t>
+            </a:r>
+            <a:r>
+              <a:rPr lang="en-US" dirty="0" err="1"/>
+              <a:t>HostBuilder</a:t>
+            </a:r>
+            <a:r>
+              <a:rPr lang="en-US" dirty="0"/>
+              <a:t> in 3.0)</a:t>
+            </a:r>
+          </a:p>
+          <a:p>
+            <a:r>
+              <a:rPr lang="en-US" dirty="0"/>
+              <a:t>Environment setup</a:t>
+            </a:r>
+          </a:p>
+          <a:p>
+            <a:pPr lvl="1"/>
+            <a:r>
+              <a:rPr lang="en-US" dirty="0"/>
+              <a:t>One build for multiple environments</a:t>
+            </a:r>
+          </a:p>
+          <a:p>
+            <a:pPr lvl="1"/>
+            <a:r>
+              <a:rPr lang="en-US" dirty="0" err="1"/>
+              <a:t>BuildIn</a:t>
+            </a:r>
+            <a:r>
+              <a:rPr lang="en-US" dirty="0"/>
+              <a:t>: Development, Staging, Production</a:t>
+            </a:r>
+          </a:p>
+          <a:p>
+            <a:r>
+              <a:rPr lang="en-US" dirty="0"/>
+              <a:t>Logging</a:t>
+            </a:r>
+          </a:p>
+          <a:p>
+            <a:r>
+              <a:rPr lang="en-US" dirty="0"/>
+              <a:t>Settings (config, connection strings, ..)</a:t>
+            </a:r>
+          </a:p>
+          <a:p>
+            <a:r>
+              <a:rPr lang="en-US" dirty="0"/>
+              <a:t>Startup class to use</a:t>
+            </a:r>
+          </a:p>
+          <a:p>
+            <a:pPr marL="265112" lvl="1" indent="0">
+              <a:buNone/>
+            </a:pPr>
+            <a:endParaRPr lang="en-US" dirty="0"/>
+          </a:p>
+          <a:p>
+            <a:endParaRPr lang="en-US" dirty="0"/>
+          </a:p>
+        </p:txBody>
+      </p:sp>
+      <p:sp>
+        <p:nvSpPr>
+          <p:cNvPr id="6" name="Content Placeholder 1">
+            <a:extLst>
+              <a:ext uri="{FF2B5EF4-FFF2-40B4-BE49-F238E27FC236}">
+                <a16:creationId xmlns:a16="http://schemas.microsoft.com/office/drawing/2014/main" id="{3BE2D14E-1C24-4E8A-9778-C73C88184F7C}"/>
+              </a:ext>
+            </a:extLst>
+          </p:cNvPr>
+          <p:cNvSpPr txBox="1">
+            <a:spLocks/>
+          </p:cNvSpPr>
+          <p:nvPr/>
+        </p:nvSpPr>
+        <p:spPr>
+          <a:xfrm>
+            <a:off x="6394314" y="1881188"/>
+            <a:ext cx="5246823" cy="3852862"/>
+          </a:xfrm>
+          <a:prstGeom prst="rect">
+            <a:avLst/>
+          </a:prstGeom>
+        </p:spPr>
+        <p:txBody>
+          <a:bodyPr vert="horz" lIns="0" tIns="0" rIns="0" bIns="0" rtlCol="0">
+            <a:noAutofit/>
+          </a:bodyPr>
+          <a:lstStyle>
+            <a:lvl1pPr marL="228600" indent="-228600" algn="l" defTabSz="914400" rtl="0" eaLnBrk="1" latinLnBrk="0" hangingPunct="1">
+              <a:lnSpc>
+                <a:spcPct val="90000"/>
+              </a:lnSpc>
+              <a:spcBef>
+                <a:spcPts val="1000"/>
+              </a:spcBef>
+              <a:buSzPct val="110000"/>
+              <a:buFont typeface="Arial" panose="020B0604020202020204" pitchFamily="34" charset="0"/>
+              <a:buChar char="•"/>
+              <a:defRPr sz="2000" kern="1200">
+                <a:solidFill>
+                  <a:schemeClr val="tx1"/>
+                </a:solidFill>
+                <a:latin typeface="+mn-lt"/>
+                <a:ea typeface="+mn-ea"/>
+                <a:cs typeface="+mn-cs"/>
+              </a:defRPr>
+            </a:lvl1pPr>
+            <a:lvl2pPr marL="501650" indent="-236538" algn="l" defTabSz="914400" rtl="0" eaLnBrk="1" latinLnBrk="0" hangingPunct="1">
+              <a:lnSpc>
+                <a:spcPct val="90000"/>
+              </a:lnSpc>
+              <a:spcBef>
+                <a:spcPts val="500"/>
+              </a:spcBef>
+              <a:buFont typeface="Arial" panose="020B0604020202020204" pitchFamily="34" charset="0"/>
+              <a:buChar char="−"/>
+              <a:defRPr sz="2000" kern="1200">
+                <a:solidFill>
+                  <a:schemeClr val="tx1"/>
+                </a:solidFill>
+                <a:latin typeface="+mn-lt"/>
+                <a:ea typeface="+mn-ea"/>
+                <a:cs typeface="+mn-cs"/>
+              </a:defRPr>
+            </a:lvl2pPr>
+            <a:lvl3pPr marL="717550" indent="-215900" algn="l" defTabSz="914400" rtl="0" eaLnBrk="1" latinLnBrk="0" hangingPunct="1">
+              <a:lnSpc>
+                <a:spcPct val="90000"/>
+              </a:lnSpc>
+              <a:spcBef>
+                <a:spcPts val="500"/>
+              </a:spcBef>
+              <a:buFont typeface="Arial" panose="020B0604020202020204" pitchFamily="34" charset="0"/>
+              <a:buChar char="−"/>
+              <a:defRPr sz="2000" kern="1200">
+                <a:solidFill>
+                  <a:schemeClr val="tx1"/>
+                </a:solidFill>
+                <a:latin typeface="+mn-lt"/>
+                <a:ea typeface="+mn-ea"/>
+                <a:cs typeface="+mn-cs"/>
+              </a:defRPr>
+            </a:lvl3pPr>
+            <a:lvl4pPr marL="944563" indent="-246063" algn="l" defTabSz="914400" rtl="0" eaLnBrk="1" latinLnBrk="0" hangingPunct="1">
+              <a:lnSpc>
+                <a:spcPct val="90000"/>
+              </a:lnSpc>
+              <a:spcBef>
+                <a:spcPts val="500"/>
+              </a:spcBef>
+              <a:buFont typeface="Arial" panose="020B0604020202020204" pitchFamily="34" charset="0"/>
+              <a:buChar char="−"/>
+              <a:defRPr sz="2000" kern="1200">
+                <a:solidFill>
+                  <a:schemeClr val="tx1"/>
+                </a:solidFill>
+                <a:latin typeface="+mn-lt"/>
+                <a:ea typeface="+mn-ea"/>
+                <a:cs typeface="+mn-cs"/>
+              </a:defRPr>
+            </a:lvl4pPr>
+            <a:lvl5pPr marL="1169988" indent="-225425" algn="l" defTabSz="914400" rtl="0" eaLnBrk="1" latinLnBrk="0" hangingPunct="1">
+              <a:lnSpc>
+                <a:spcPct val="90000"/>
+              </a:lnSpc>
+              <a:spcBef>
+                <a:spcPts val="500"/>
+              </a:spcBef>
+              <a:buFont typeface="Arial" panose="020B0604020202020204" pitchFamily="34" charset="0"/>
+              <a:buChar char="−"/>
+              <a:defRPr sz="2000" kern="1200">
+                <a:solidFill>
+                  <a:schemeClr val="tx1"/>
+                </a:solidFill>
+                <a:latin typeface="+mn-lt"/>
+                <a:ea typeface="+mn-ea"/>
+                <a:cs typeface="+mn-cs"/>
+              </a:defRPr>
+            </a:lvl5pPr>
+            <a:lvl6pPr marL="2514600" indent="-228600" algn="l" defTabSz="914400" rtl="0" eaLnBrk="1" latinLnBrk="0" hangingPunct="1">
+              <a:lnSpc>
+                <a:spcPct val="90000"/>
+              </a:lnSpc>
+              <a:spcBef>
+                <a:spcPts val="500"/>
+              </a:spcBef>
+              <a:buFont typeface="Arial" panose="020B0604020202020204" pitchFamily="34" charset="0"/>
+              <a:buChar char="•"/>
+              <a:defRPr sz="1800" kern="1200">
+                <a:solidFill>
+                  <a:schemeClr val="tx1"/>
+                </a:solidFill>
+                <a:latin typeface="+mn-lt"/>
+                <a:ea typeface="+mn-ea"/>
+                <a:cs typeface="+mn-cs"/>
+              </a:defRPr>
+            </a:lvl6pPr>
+            <a:lvl7pPr marL="2971800" indent="-228600" algn="l" defTabSz="914400" rtl="0" eaLnBrk="1" latinLnBrk="0" hangingPunct="1">
+              <a:lnSpc>
+                <a:spcPct val="90000"/>
+              </a:lnSpc>
+              <a:spcBef>
+                <a:spcPts val="500"/>
+              </a:spcBef>
+              <a:buFont typeface="Arial" panose="020B0604020202020204" pitchFamily="34" charset="0"/>
+              <a:buChar char="•"/>
+              <a:defRPr sz="1800" kern="1200">
+                <a:solidFill>
+                  <a:schemeClr val="tx1"/>
+                </a:solidFill>
+                <a:latin typeface="+mn-lt"/>
+                <a:ea typeface="+mn-ea"/>
+                <a:cs typeface="+mn-cs"/>
+              </a:defRPr>
+            </a:lvl7pPr>
+            <a:lvl8pPr marL="3429000" indent="-228600" algn="l" defTabSz="914400" rtl="0" eaLnBrk="1" latinLnBrk="0" hangingPunct="1">
+              <a:lnSpc>
+                <a:spcPct val="90000"/>
+              </a:lnSpc>
+              <a:spcBef>
+                <a:spcPts val="500"/>
+              </a:spcBef>
+              <a:buFont typeface="Arial" panose="020B0604020202020204" pitchFamily="34" charset="0"/>
+              <a:buChar char="•"/>
+              <a:defRPr sz="1800" kern="1200">
+                <a:solidFill>
+                  <a:schemeClr val="tx1"/>
+                </a:solidFill>
+                <a:latin typeface="+mn-lt"/>
+                <a:ea typeface="+mn-ea"/>
+                <a:cs typeface="+mn-cs"/>
+              </a:defRPr>
+            </a:lvl8pPr>
+            <a:lvl9pPr marL="3886200" indent="-228600" algn="l" defTabSz="914400" rtl="0" eaLnBrk="1" latinLnBrk="0" hangingPunct="1">
+              <a:lnSpc>
+                <a:spcPct val="90000"/>
+              </a:lnSpc>
+              <a:spcBef>
+                <a:spcPts val="500"/>
+              </a:spcBef>
+              <a:buFont typeface="Arial" panose="020B0604020202020204" pitchFamily="34" charset="0"/>
+              <a:buChar char="•"/>
+              <a:defRPr sz="1800" kern="1200">
+                <a:solidFill>
+                  <a:schemeClr val="tx1"/>
+                </a:solidFill>
+                <a:latin typeface="+mn-lt"/>
+                <a:ea typeface="+mn-ea"/>
+                <a:cs typeface="+mn-cs"/>
+              </a:defRPr>
+            </a:lvl9pPr>
+          </a:lstStyle>
+          <a:p>
+            <a:pPr marL="0" indent="0">
+              <a:buNone/>
+            </a:pPr>
+            <a:r>
+              <a:rPr lang="en-US" b="1" dirty="0"/>
+              <a:t>Startup class</a:t>
+            </a:r>
+          </a:p>
+          <a:p>
+            <a:r>
+              <a:rPr lang="en-US" dirty="0" err="1"/>
+              <a:t>ConfigureServices</a:t>
+            </a:r>
+            <a:r>
+              <a:rPr lang="en-US" dirty="0"/>
+              <a:t>()</a:t>
+            </a:r>
+          </a:p>
+          <a:p>
+            <a:pPr lvl="1"/>
+            <a:r>
+              <a:rPr lang="en-US" dirty="0"/>
+              <a:t>Composition root (DI setup)</a:t>
+            </a:r>
+          </a:p>
+          <a:p>
+            <a:r>
+              <a:rPr lang="en-US" dirty="0"/>
+              <a:t>Configure()</a:t>
+            </a:r>
+          </a:p>
+          <a:p>
+            <a:pPr lvl="1"/>
+            <a:r>
+              <a:rPr lang="en-US" dirty="0"/>
+              <a:t>Pipeline setup</a:t>
+            </a:r>
+          </a:p>
+          <a:p>
+            <a:pPr lvl="1"/>
+            <a:r>
+              <a:rPr lang="en-US" i="1" dirty="0"/>
+              <a:t>App initialization?</a:t>
+            </a:r>
+          </a:p>
+          <a:p>
+            <a:endParaRPr lang="en-US" i="1" dirty="0"/>
+          </a:p>
+          <a:p>
+            <a:r>
+              <a:rPr lang="en-US" dirty="0"/>
+              <a:t>Convention based</a:t>
+            </a:r>
+          </a:p>
+          <a:p>
+            <a:pPr lvl="1"/>
+            <a:r>
+              <a:rPr lang="en-US" dirty="0" err="1"/>
+              <a:t>Configure</a:t>
+            </a:r>
+            <a:r>
+              <a:rPr lang="en-US" b="1" dirty="0" err="1"/>
+              <a:t>Development</a:t>
+            </a:r>
+            <a:r>
+              <a:rPr lang="en-US" dirty="0" err="1"/>
+              <a:t>Services</a:t>
+            </a:r>
+            <a:r>
+              <a:rPr lang="en-US" dirty="0"/>
+              <a:t>()</a:t>
+            </a:r>
+          </a:p>
+          <a:p>
+            <a:pPr lvl="1"/>
+            <a:endParaRPr lang="en-US" dirty="0"/>
+          </a:p>
+          <a:p>
+            <a:endParaRPr lang="en-US" dirty="0"/>
+          </a:p>
+        </p:txBody>
+      </p:sp>
+    </p:spTree>
+    <p:extLst>
+      <p:ext uri="{BB962C8B-B14F-4D97-AF65-F5344CB8AC3E}">
+        <p14:creationId xmlns:p14="http://schemas.microsoft.com/office/powerpoint/2010/main" val="261096526"/>
+      </p:ext>
+    </p:extLst>
+  </p:cSld>
+  <p:clrMapOvr>
+    <a:masterClrMapping/>
+  </p:clrMapOvr>
   <p:timing>
     <p:tnLst>
       <p:par>
@@ -16173,9 +16805,6 @@
                     <p:cTn id="3" fill="hold">
                       <p:stCondLst>
                         <p:cond delay="indefinite"/>
-                        <p:cond evt="onBegin" delay="0">
-                          <p:tn val="2"/>
-                        </p:cond>
                       </p:stCondLst>
                       <p:childTnLst>
                         <p:par>
@@ -16185,7 +16814,7 @@
                             </p:stCondLst>
                             <p:childTnLst>
                               <p:par>
-                                <p:cTn id="5" presetID="1" presetClass="entr" presetSubtype="0" fill="hold" nodeType="withEffect">
+                                <p:cTn id="5" presetID="1" presetClass="entr" presetSubtype="0" fill="hold" grpId="0" nodeType="clickEffect">
                                   <p:stCondLst>
                                     <p:cond delay="0"/>
                                   </p:stCondLst>
@@ -16198,228 +16827,7 @@
                                           </p:stCondLst>
                                         </p:cTn>
                                         <p:tgtEl>
-                                          <p:spTgt spid="8">
-                                            <p:txEl>
-                                              <p:pRg st="0" end="0"/>
-                                            </p:txEl>
-                                          </p:spTgt>
-                                        </p:tgtEl>
-                                        <p:attrNameLst>
-                                          <p:attrName>style.visibility</p:attrName>
-                                        </p:attrNameLst>
-                                      </p:cBhvr>
-                                      <p:to>
-                                        <p:strVal val="visible"/>
-                                      </p:to>
-                                    </p:set>
-                                  </p:childTnLst>
-                                </p:cTn>
-                              </p:par>
-                              <p:par>
-                                <p:cTn id="7" presetID="1" presetClass="entr" presetSubtype="0" fill="hold" nodeType="withEffect">
-                                  <p:stCondLst>
-                                    <p:cond delay="0"/>
-                                  </p:stCondLst>
-                                  <p:childTnLst>
-                                    <p:set>
-                                      <p:cBhvr>
-                                        <p:cTn id="8" dur="1" fill="hold">
-                                          <p:stCondLst>
-                                            <p:cond delay="0"/>
-                                          </p:stCondLst>
-                                        </p:cTn>
-                                        <p:tgtEl>
-                                          <p:spTgt spid="8">
-                                            <p:txEl>
-                                              <p:pRg st="1" end="1"/>
-                                            </p:txEl>
-                                          </p:spTgt>
-                                        </p:tgtEl>
-                                        <p:attrNameLst>
-                                          <p:attrName>style.visibility</p:attrName>
-                                        </p:attrNameLst>
-                                      </p:cBhvr>
-                                      <p:to>
-                                        <p:strVal val="visible"/>
-                                      </p:to>
-                                    </p:set>
-                                  </p:childTnLst>
-                                </p:cTn>
-                              </p:par>
-                              <p:par>
-                                <p:cTn id="9" presetID="1" presetClass="entr" presetSubtype="0" fill="hold" nodeType="withEffect">
-                                  <p:stCondLst>
-                                    <p:cond delay="0"/>
-                                  </p:stCondLst>
-                                  <p:childTnLst>
-                                    <p:set>
-                                      <p:cBhvr>
-                                        <p:cTn id="10" dur="1" fill="hold">
-                                          <p:stCondLst>
-                                            <p:cond delay="0"/>
-                                          </p:stCondLst>
-                                        </p:cTn>
-                                        <p:tgtEl>
-                                          <p:spTgt spid="8">
-                                            <p:txEl>
-                                              <p:pRg st="2" end="2"/>
-                                            </p:txEl>
-                                          </p:spTgt>
-                                        </p:tgtEl>
-                                        <p:attrNameLst>
-                                          <p:attrName>style.visibility</p:attrName>
-                                        </p:attrNameLst>
-                                      </p:cBhvr>
-                                      <p:to>
-                                        <p:strVal val="visible"/>
-                                      </p:to>
-                                    </p:set>
-                                  </p:childTnLst>
-                                </p:cTn>
-                              </p:par>
-                              <p:par>
-                                <p:cTn id="11" presetID="1" presetClass="entr" presetSubtype="0" fill="hold" nodeType="withEffect">
-                                  <p:stCondLst>
-                                    <p:cond delay="0"/>
-                                  </p:stCondLst>
-                                  <p:childTnLst>
-                                    <p:set>
-                                      <p:cBhvr>
-                                        <p:cTn id="12" dur="1" fill="hold">
-                                          <p:stCondLst>
-                                            <p:cond delay="0"/>
-                                          </p:stCondLst>
-                                        </p:cTn>
-                                        <p:tgtEl>
-                                          <p:spTgt spid="8">
-                                            <p:txEl>
-                                              <p:pRg st="3" end="3"/>
-                                            </p:txEl>
-                                          </p:spTgt>
-                                        </p:tgtEl>
-                                        <p:attrNameLst>
-                                          <p:attrName>style.visibility</p:attrName>
-                                        </p:attrNameLst>
-                                      </p:cBhvr>
-                                      <p:to>
-                                        <p:strVal val="visible"/>
-                                      </p:to>
-                                    </p:set>
-                                  </p:childTnLst>
-                                </p:cTn>
-                              </p:par>
-                              <p:par>
-                                <p:cTn id="13" presetID="1" presetClass="entr" presetSubtype="0" fill="hold" nodeType="withEffect">
-                                  <p:stCondLst>
-                                    <p:cond delay="0"/>
-                                  </p:stCondLst>
-                                  <p:childTnLst>
-                                    <p:set>
-                                      <p:cBhvr>
-                                        <p:cTn id="14" dur="1" fill="hold">
-                                          <p:stCondLst>
-                                            <p:cond delay="0"/>
-                                          </p:stCondLst>
-                                        </p:cTn>
-                                        <p:tgtEl>
-                                          <p:spTgt spid="8">
-                                            <p:txEl>
-                                              <p:pRg st="4" end="4"/>
-                                            </p:txEl>
-                                          </p:spTgt>
-                                        </p:tgtEl>
-                                        <p:attrNameLst>
-                                          <p:attrName>style.visibility</p:attrName>
-                                        </p:attrNameLst>
-                                      </p:cBhvr>
-                                      <p:to>
-                                        <p:strVal val="visible"/>
-                                      </p:to>
-                                    </p:set>
-                                  </p:childTnLst>
-                                </p:cTn>
-                              </p:par>
-                              <p:par>
-                                <p:cTn id="15" presetID="1" presetClass="entr" presetSubtype="0" fill="hold" nodeType="withEffect">
-                                  <p:stCondLst>
-                                    <p:cond delay="0"/>
-                                  </p:stCondLst>
-                                  <p:childTnLst>
-                                    <p:set>
-                                      <p:cBhvr>
-                                        <p:cTn id="16" dur="1" fill="hold">
-                                          <p:stCondLst>
-                                            <p:cond delay="0"/>
-                                          </p:stCondLst>
-                                        </p:cTn>
-                                        <p:tgtEl>
-                                          <p:spTgt spid="8">
-                                            <p:txEl>
-                                              <p:pRg st="5" end="5"/>
-                                            </p:txEl>
-                                          </p:spTgt>
-                                        </p:tgtEl>
-                                        <p:attrNameLst>
-                                          <p:attrName>style.visibility</p:attrName>
-                                        </p:attrNameLst>
-                                      </p:cBhvr>
-                                      <p:to>
-                                        <p:strVal val="visible"/>
-                                      </p:to>
-                                    </p:set>
-                                  </p:childTnLst>
-                                </p:cTn>
-                              </p:par>
-                              <p:par>
-                                <p:cTn id="17" presetID="1" presetClass="entr" presetSubtype="0" fill="hold" nodeType="withEffect">
-                                  <p:stCondLst>
-                                    <p:cond delay="0"/>
-                                  </p:stCondLst>
-                                  <p:childTnLst>
-                                    <p:set>
-                                      <p:cBhvr>
-                                        <p:cTn id="18" dur="1" fill="hold">
-                                          <p:stCondLst>
-                                            <p:cond delay="0"/>
-                                          </p:stCondLst>
-                                        </p:cTn>
-                                        <p:tgtEl>
-                                          <p:spTgt spid="8">
-                                            <p:txEl>
-                                              <p:pRg st="6" end="6"/>
-                                            </p:txEl>
-                                          </p:spTgt>
-                                        </p:tgtEl>
-                                        <p:attrNameLst>
-                                          <p:attrName>style.visibility</p:attrName>
-                                        </p:attrNameLst>
-                                      </p:cBhvr>
-                                      <p:to>
-                                        <p:strVal val="visible"/>
-                                      </p:to>
-                                    </p:set>
-                                  </p:childTnLst>
-                                </p:cTn>
-                              </p:par>
-                              <p:par>
-                                <p:cTn id="19" presetID="1" presetClass="entr" presetSubtype="0" fill="hold" nodeType="withEffect">
-                                  <p:stCondLst>
-                                    <p:cond delay="0"/>
-                                  </p:stCondLst>
-                                  <p:childTnLst>
-                                    <p:set>
-                                      <p:cBhvr>
-                                        <p:cTn id="20" dur="1" fill="hold">
-                                          <p:stCondLst>
-                                            <p:cond delay="0"/>
-                                          </p:stCondLst>
-                                        </p:cTn>
-                                        <p:tgtEl>
-                                          <p:spTgt spid="8">
-                                            <p:txEl>
-                                              <p:pRg st="7" end="7"/>
-                                            </p:txEl>
-                                          </p:spTgt>
+                                          <p:spTgt spid="6"/>
                                         </p:tgtEl>
                                         <p:attrNameLst>
                                           <p:attrName>style.visibility</p:attrName>
@@ -16459,1187 +16867,9 @@
         </p:cTn>
       </p:par>
     </p:tnLst>
-  </p:timing>
-</p:sld>
-</file>
-
-<file path=ppt/slides/slide11.xml><?xml version="1.0" encoding="utf-8"?>
-<p:sld xmlns:a="http://schemas.openxmlformats.org/drawingml/2006/main" xmlns:r="http://schemas.openxmlformats.org/officeDocument/2006/relationships" xmlns:p="http://schemas.openxmlformats.org/presentationml/2006/main">
-  <p:cSld>
-    <p:spTree>
-      <p:nvGrpSpPr>
-        <p:cNvPr id="1" name=""/>
-        <p:cNvGrpSpPr/>
-        <p:nvPr/>
-      </p:nvGrpSpPr>
-      <p:grpSpPr>
-        <a:xfrm>
-          <a:off x="0" y="0"/>
-          <a:ext cx="0" cy="0"/>
-          <a:chOff x="0" y="0"/>
-          <a:chExt cx="0" cy="0"/>
-        </a:xfrm>
-      </p:grpSpPr>
-      <p:sp>
-        <p:nvSpPr>
-          <p:cNvPr id="2" name="Title 1">
-            <a:extLst>
-              <a:ext uri="{FF2B5EF4-FFF2-40B4-BE49-F238E27FC236}">
-                <a16:creationId xmlns:a16="http://schemas.microsoft.com/office/drawing/2014/main" id="{9FAA78F2-9459-4D12-BF0B-61751D9F9C66}"/>
-              </a:ext>
-            </a:extLst>
-          </p:cNvPr>
-          <p:cNvSpPr>
-            <a:spLocks noGrp="1"/>
-          </p:cNvSpPr>
-          <p:nvPr>
-            <p:ph type="title"/>
-          </p:nvPr>
-        </p:nvSpPr>
-        <p:spPr/>
-        <p:txBody>
-          <a:bodyPr/>
-          <a:lstStyle/>
-          <a:p>
-            <a:r>
-              <a:rPr lang="en-US" dirty="0"/>
-              <a:t>ASP.NET Core – Startup</a:t>
-            </a:r>
-          </a:p>
-        </p:txBody>
-      </p:sp>
-      <p:sp>
-        <p:nvSpPr>
-          <p:cNvPr id="4" name="Slide Number Placeholder 3">
-            <a:extLst>
-              <a:ext uri="{FF2B5EF4-FFF2-40B4-BE49-F238E27FC236}">
-                <a16:creationId xmlns:a16="http://schemas.microsoft.com/office/drawing/2014/main" id="{5458F73F-44DE-4E01-AAB2-278012EDB8A4}"/>
-              </a:ext>
-            </a:extLst>
-          </p:cNvPr>
-          <p:cNvSpPr>
-            <a:spLocks noGrp="1"/>
-          </p:cNvSpPr>
-          <p:nvPr>
-            <p:ph type="sldNum" sz="quarter" idx="12"/>
-          </p:nvPr>
-        </p:nvSpPr>
-        <p:spPr/>
-        <p:txBody>
-          <a:bodyPr/>
-          <a:lstStyle/>
-          <a:p>
-            <a:fld id="{3F2B5CF4-79E2-4BCE-8F81-53ED60D4893F}" type="slidenum">
-              <a:rPr lang="en-US" smtClean="0"/>
-              <a:t>11</a:t>
-            </a:fld>
-            <a:endParaRPr lang="en-US"/>
-          </a:p>
-        </p:txBody>
-      </p:sp>
-      <p:sp>
-        <p:nvSpPr>
-          <p:cNvPr id="8" name="Content Placeholder 1">
-            <a:extLst>
-              <a:ext uri="{FF2B5EF4-FFF2-40B4-BE49-F238E27FC236}">
-                <a16:creationId xmlns:a16="http://schemas.microsoft.com/office/drawing/2014/main" id="{0A7DAFB0-082F-4775-A9B7-914046843D85}"/>
-              </a:ext>
-            </a:extLst>
-          </p:cNvPr>
-          <p:cNvSpPr txBox="1">
-            <a:spLocks/>
-          </p:cNvSpPr>
-          <p:nvPr/>
-        </p:nvSpPr>
-        <p:spPr>
-          <a:xfrm>
-            <a:off x="550861" y="1881188"/>
-            <a:ext cx="5246823" cy="3852862"/>
-          </a:xfrm>
-          <a:prstGeom prst="rect">
-            <a:avLst/>
-          </a:prstGeom>
-        </p:spPr>
-        <p:txBody>
-          <a:bodyPr vert="horz" lIns="0" tIns="0" rIns="0" bIns="0" rtlCol="0">
-            <a:noAutofit/>
-          </a:bodyPr>
-          <a:lstStyle>
-            <a:lvl1pPr marL="228600" indent="-228600" algn="l" defTabSz="914400" rtl="0" eaLnBrk="1" latinLnBrk="0" hangingPunct="1">
-              <a:lnSpc>
-                <a:spcPct val="90000"/>
-              </a:lnSpc>
-              <a:spcBef>
-                <a:spcPts val="1000"/>
-              </a:spcBef>
-              <a:buSzPct val="110000"/>
-              <a:buFont typeface="Arial" panose="020B0604020202020204" pitchFamily="34" charset="0"/>
-              <a:buChar char="•"/>
-              <a:defRPr sz="2000" kern="1200">
-                <a:solidFill>
-                  <a:schemeClr val="tx1"/>
-                </a:solidFill>
-                <a:latin typeface="+mn-lt"/>
-                <a:ea typeface="+mn-ea"/>
-                <a:cs typeface="+mn-cs"/>
-              </a:defRPr>
-            </a:lvl1pPr>
-            <a:lvl2pPr marL="501650" indent="-236538" algn="l" defTabSz="914400" rtl="0" eaLnBrk="1" latinLnBrk="0" hangingPunct="1">
-              <a:lnSpc>
-                <a:spcPct val="90000"/>
-              </a:lnSpc>
-              <a:spcBef>
-                <a:spcPts val="500"/>
-              </a:spcBef>
-              <a:buFont typeface="Arial" panose="020B0604020202020204" pitchFamily="34" charset="0"/>
-              <a:buChar char="−"/>
-              <a:defRPr sz="2000" kern="1200">
-                <a:solidFill>
-                  <a:schemeClr val="tx1"/>
-                </a:solidFill>
-                <a:latin typeface="+mn-lt"/>
-                <a:ea typeface="+mn-ea"/>
-                <a:cs typeface="+mn-cs"/>
-              </a:defRPr>
-            </a:lvl2pPr>
-            <a:lvl3pPr marL="717550" indent="-215900" algn="l" defTabSz="914400" rtl="0" eaLnBrk="1" latinLnBrk="0" hangingPunct="1">
-              <a:lnSpc>
-                <a:spcPct val="90000"/>
-              </a:lnSpc>
-              <a:spcBef>
-                <a:spcPts val="500"/>
-              </a:spcBef>
-              <a:buFont typeface="Arial" panose="020B0604020202020204" pitchFamily="34" charset="0"/>
-              <a:buChar char="−"/>
-              <a:defRPr sz="2000" kern="1200">
-                <a:solidFill>
-                  <a:schemeClr val="tx1"/>
-                </a:solidFill>
-                <a:latin typeface="+mn-lt"/>
-                <a:ea typeface="+mn-ea"/>
-                <a:cs typeface="+mn-cs"/>
-              </a:defRPr>
-            </a:lvl3pPr>
-            <a:lvl4pPr marL="944563" indent="-246063" algn="l" defTabSz="914400" rtl="0" eaLnBrk="1" latinLnBrk="0" hangingPunct="1">
-              <a:lnSpc>
-                <a:spcPct val="90000"/>
-              </a:lnSpc>
-              <a:spcBef>
-                <a:spcPts val="500"/>
-              </a:spcBef>
-              <a:buFont typeface="Arial" panose="020B0604020202020204" pitchFamily="34" charset="0"/>
-              <a:buChar char="−"/>
-              <a:defRPr sz="2000" kern="1200">
-                <a:solidFill>
-                  <a:schemeClr val="tx1"/>
-                </a:solidFill>
-                <a:latin typeface="+mn-lt"/>
-                <a:ea typeface="+mn-ea"/>
-                <a:cs typeface="+mn-cs"/>
-              </a:defRPr>
-            </a:lvl4pPr>
-            <a:lvl5pPr marL="1169988" indent="-225425" algn="l" defTabSz="914400" rtl="0" eaLnBrk="1" latinLnBrk="0" hangingPunct="1">
-              <a:lnSpc>
-                <a:spcPct val="90000"/>
-              </a:lnSpc>
-              <a:spcBef>
-                <a:spcPts val="500"/>
-              </a:spcBef>
-              <a:buFont typeface="Arial" panose="020B0604020202020204" pitchFamily="34" charset="0"/>
-              <a:buChar char="−"/>
-              <a:defRPr sz="2000" kern="1200">
-                <a:solidFill>
-                  <a:schemeClr val="tx1"/>
-                </a:solidFill>
-                <a:latin typeface="+mn-lt"/>
-                <a:ea typeface="+mn-ea"/>
-                <a:cs typeface="+mn-cs"/>
-              </a:defRPr>
-            </a:lvl5pPr>
-            <a:lvl6pPr marL="2514600" indent="-228600" algn="l" defTabSz="914400" rtl="0" eaLnBrk="1" latinLnBrk="0" hangingPunct="1">
-              <a:lnSpc>
-                <a:spcPct val="90000"/>
-              </a:lnSpc>
-              <a:spcBef>
-                <a:spcPts val="500"/>
-              </a:spcBef>
-              <a:buFont typeface="Arial" panose="020B0604020202020204" pitchFamily="34" charset="0"/>
-              <a:buChar char="•"/>
-              <a:defRPr sz="1800" kern="1200">
-                <a:solidFill>
-                  <a:schemeClr val="tx1"/>
-                </a:solidFill>
-                <a:latin typeface="+mn-lt"/>
-                <a:ea typeface="+mn-ea"/>
-                <a:cs typeface="+mn-cs"/>
-              </a:defRPr>
-            </a:lvl6pPr>
-            <a:lvl7pPr marL="2971800" indent="-228600" algn="l" defTabSz="914400" rtl="0" eaLnBrk="1" latinLnBrk="0" hangingPunct="1">
-              <a:lnSpc>
-                <a:spcPct val="90000"/>
-              </a:lnSpc>
-              <a:spcBef>
-                <a:spcPts val="500"/>
-              </a:spcBef>
-              <a:buFont typeface="Arial" panose="020B0604020202020204" pitchFamily="34" charset="0"/>
-              <a:buChar char="•"/>
-              <a:defRPr sz="1800" kern="1200">
-                <a:solidFill>
-                  <a:schemeClr val="tx1"/>
-                </a:solidFill>
-                <a:latin typeface="+mn-lt"/>
-                <a:ea typeface="+mn-ea"/>
-                <a:cs typeface="+mn-cs"/>
-              </a:defRPr>
-            </a:lvl7pPr>
-            <a:lvl8pPr marL="3429000" indent="-228600" algn="l" defTabSz="914400" rtl="0" eaLnBrk="1" latinLnBrk="0" hangingPunct="1">
-              <a:lnSpc>
-                <a:spcPct val="90000"/>
-              </a:lnSpc>
-              <a:spcBef>
-                <a:spcPts val="500"/>
-              </a:spcBef>
-              <a:buFont typeface="Arial" panose="020B0604020202020204" pitchFamily="34" charset="0"/>
-              <a:buChar char="•"/>
-              <a:defRPr sz="1800" kern="1200">
-                <a:solidFill>
-                  <a:schemeClr val="tx1"/>
-                </a:solidFill>
-                <a:latin typeface="+mn-lt"/>
-                <a:ea typeface="+mn-ea"/>
-                <a:cs typeface="+mn-cs"/>
-              </a:defRPr>
-            </a:lvl8pPr>
-            <a:lvl9pPr marL="3886200" indent="-228600" algn="l" defTabSz="914400" rtl="0" eaLnBrk="1" latinLnBrk="0" hangingPunct="1">
-              <a:lnSpc>
-                <a:spcPct val="90000"/>
-              </a:lnSpc>
-              <a:spcBef>
-                <a:spcPts val="500"/>
-              </a:spcBef>
-              <a:buFont typeface="Arial" panose="020B0604020202020204" pitchFamily="34" charset="0"/>
-              <a:buChar char="•"/>
-              <a:defRPr sz="1800" kern="1200">
-                <a:solidFill>
-                  <a:schemeClr val="tx1"/>
-                </a:solidFill>
-                <a:latin typeface="+mn-lt"/>
-                <a:ea typeface="+mn-ea"/>
-                <a:cs typeface="+mn-cs"/>
-              </a:defRPr>
-            </a:lvl9pPr>
-          </a:lstStyle>
-          <a:p>
-            <a:pPr marL="0" indent="0">
-              <a:buNone/>
-            </a:pPr>
-            <a:r>
-              <a:rPr lang="en-US" b="1" dirty="0"/>
-              <a:t>Main()</a:t>
-            </a:r>
-          </a:p>
-          <a:p>
-            <a:r>
-              <a:rPr lang="en-US" dirty="0" err="1"/>
-              <a:t>WebHostBuilder</a:t>
-            </a:r>
-            <a:r>
-              <a:rPr lang="en-US" dirty="0"/>
-              <a:t> (=&gt; </a:t>
-            </a:r>
-            <a:r>
-              <a:rPr lang="en-US" dirty="0" err="1"/>
-              <a:t>HostBuilder</a:t>
-            </a:r>
-            <a:r>
-              <a:rPr lang="en-US" dirty="0"/>
-              <a:t> in 3.0)</a:t>
-            </a:r>
-          </a:p>
-          <a:p>
-            <a:r>
-              <a:rPr lang="en-US" dirty="0"/>
-              <a:t>Environment setup</a:t>
-            </a:r>
-          </a:p>
-          <a:p>
-            <a:pPr lvl="1"/>
-            <a:r>
-              <a:rPr lang="en-US" dirty="0"/>
-              <a:t>One build for multiple environments</a:t>
-            </a:r>
-          </a:p>
-          <a:p>
-            <a:pPr lvl="1"/>
-            <a:r>
-              <a:rPr lang="en-US" dirty="0" err="1"/>
-              <a:t>BuildIn</a:t>
-            </a:r>
-            <a:r>
-              <a:rPr lang="en-US" dirty="0"/>
-              <a:t>: Development, Staging, Production</a:t>
-            </a:r>
-          </a:p>
-          <a:p>
-            <a:r>
-              <a:rPr lang="en-US" dirty="0"/>
-              <a:t>Logging</a:t>
-            </a:r>
-          </a:p>
-          <a:p>
-            <a:r>
-              <a:rPr lang="en-US" dirty="0"/>
-              <a:t>Settings</a:t>
-            </a:r>
-          </a:p>
-          <a:p>
-            <a:r>
-              <a:rPr lang="en-US" dirty="0"/>
-              <a:t>Startup class to use</a:t>
-            </a:r>
-          </a:p>
-          <a:p>
-            <a:pPr marL="265112" lvl="1" indent="0">
-              <a:buNone/>
-            </a:pPr>
-            <a:endParaRPr lang="en-US" dirty="0"/>
-          </a:p>
-          <a:p>
-            <a:endParaRPr lang="en-US" dirty="0"/>
-          </a:p>
-        </p:txBody>
-      </p:sp>
-      <p:sp>
-        <p:nvSpPr>
-          <p:cNvPr id="6" name="Content Placeholder 1">
-            <a:extLst>
-              <a:ext uri="{FF2B5EF4-FFF2-40B4-BE49-F238E27FC236}">
-                <a16:creationId xmlns:a16="http://schemas.microsoft.com/office/drawing/2014/main" id="{3BE2D14E-1C24-4E8A-9778-C73C88184F7C}"/>
-              </a:ext>
-            </a:extLst>
-          </p:cNvPr>
-          <p:cNvSpPr txBox="1">
-            <a:spLocks/>
-          </p:cNvSpPr>
-          <p:nvPr/>
-        </p:nvSpPr>
-        <p:spPr>
-          <a:xfrm>
-            <a:off x="6394314" y="1881188"/>
-            <a:ext cx="5246823" cy="3852862"/>
-          </a:xfrm>
-          <a:prstGeom prst="rect">
-            <a:avLst/>
-          </a:prstGeom>
-        </p:spPr>
-        <p:txBody>
-          <a:bodyPr vert="horz" lIns="0" tIns="0" rIns="0" bIns="0" rtlCol="0">
-            <a:noAutofit/>
-          </a:bodyPr>
-          <a:lstStyle>
-            <a:lvl1pPr marL="228600" indent="-228600" algn="l" defTabSz="914400" rtl="0" eaLnBrk="1" latinLnBrk="0" hangingPunct="1">
-              <a:lnSpc>
-                <a:spcPct val="90000"/>
-              </a:lnSpc>
-              <a:spcBef>
-                <a:spcPts val="1000"/>
-              </a:spcBef>
-              <a:buSzPct val="110000"/>
-              <a:buFont typeface="Arial" panose="020B0604020202020204" pitchFamily="34" charset="0"/>
-              <a:buChar char="•"/>
-              <a:defRPr sz="2000" kern="1200">
-                <a:solidFill>
-                  <a:schemeClr val="tx1"/>
-                </a:solidFill>
-                <a:latin typeface="+mn-lt"/>
-                <a:ea typeface="+mn-ea"/>
-                <a:cs typeface="+mn-cs"/>
-              </a:defRPr>
-            </a:lvl1pPr>
-            <a:lvl2pPr marL="501650" indent="-236538" algn="l" defTabSz="914400" rtl="0" eaLnBrk="1" latinLnBrk="0" hangingPunct="1">
-              <a:lnSpc>
-                <a:spcPct val="90000"/>
-              </a:lnSpc>
-              <a:spcBef>
-                <a:spcPts val="500"/>
-              </a:spcBef>
-              <a:buFont typeface="Arial" panose="020B0604020202020204" pitchFamily="34" charset="0"/>
-              <a:buChar char="−"/>
-              <a:defRPr sz="2000" kern="1200">
-                <a:solidFill>
-                  <a:schemeClr val="tx1"/>
-                </a:solidFill>
-                <a:latin typeface="+mn-lt"/>
-                <a:ea typeface="+mn-ea"/>
-                <a:cs typeface="+mn-cs"/>
-              </a:defRPr>
-            </a:lvl2pPr>
-            <a:lvl3pPr marL="717550" indent="-215900" algn="l" defTabSz="914400" rtl="0" eaLnBrk="1" latinLnBrk="0" hangingPunct="1">
-              <a:lnSpc>
-                <a:spcPct val="90000"/>
-              </a:lnSpc>
-              <a:spcBef>
-                <a:spcPts val="500"/>
-              </a:spcBef>
-              <a:buFont typeface="Arial" panose="020B0604020202020204" pitchFamily="34" charset="0"/>
-              <a:buChar char="−"/>
-              <a:defRPr sz="2000" kern="1200">
-                <a:solidFill>
-                  <a:schemeClr val="tx1"/>
-                </a:solidFill>
-                <a:latin typeface="+mn-lt"/>
-                <a:ea typeface="+mn-ea"/>
-                <a:cs typeface="+mn-cs"/>
-              </a:defRPr>
-            </a:lvl3pPr>
-            <a:lvl4pPr marL="944563" indent="-246063" algn="l" defTabSz="914400" rtl="0" eaLnBrk="1" latinLnBrk="0" hangingPunct="1">
-              <a:lnSpc>
-                <a:spcPct val="90000"/>
-              </a:lnSpc>
-              <a:spcBef>
-                <a:spcPts val="500"/>
-              </a:spcBef>
-              <a:buFont typeface="Arial" panose="020B0604020202020204" pitchFamily="34" charset="0"/>
-              <a:buChar char="−"/>
-              <a:defRPr sz="2000" kern="1200">
-                <a:solidFill>
-                  <a:schemeClr val="tx1"/>
-                </a:solidFill>
-                <a:latin typeface="+mn-lt"/>
-                <a:ea typeface="+mn-ea"/>
-                <a:cs typeface="+mn-cs"/>
-              </a:defRPr>
-            </a:lvl4pPr>
-            <a:lvl5pPr marL="1169988" indent="-225425" algn="l" defTabSz="914400" rtl="0" eaLnBrk="1" latinLnBrk="0" hangingPunct="1">
-              <a:lnSpc>
-                <a:spcPct val="90000"/>
-              </a:lnSpc>
-              <a:spcBef>
-                <a:spcPts val="500"/>
-              </a:spcBef>
-              <a:buFont typeface="Arial" panose="020B0604020202020204" pitchFamily="34" charset="0"/>
-              <a:buChar char="−"/>
-              <a:defRPr sz="2000" kern="1200">
-                <a:solidFill>
-                  <a:schemeClr val="tx1"/>
-                </a:solidFill>
-                <a:latin typeface="+mn-lt"/>
-                <a:ea typeface="+mn-ea"/>
-                <a:cs typeface="+mn-cs"/>
-              </a:defRPr>
-            </a:lvl5pPr>
-            <a:lvl6pPr marL="2514600" indent="-228600" algn="l" defTabSz="914400" rtl="0" eaLnBrk="1" latinLnBrk="0" hangingPunct="1">
-              <a:lnSpc>
-                <a:spcPct val="90000"/>
-              </a:lnSpc>
-              <a:spcBef>
-                <a:spcPts val="500"/>
-              </a:spcBef>
-              <a:buFont typeface="Arial" panose="020B0604020202020204" pitchFamily="34" charset="0"/>
-              <a:buChar char="•"/>
-              <a:defRPr sz="1800" kern="1200">
-                <a:solidFill>
-                  <a:schemeClr val="tx1"/>
-                </a:solidFill>
-                <a:latin typeface="+mn-lt"/>
-                <a:ea typeface="+mn-ea"/>
-                <a:cs typeface="+mn-cs"/>
-              </a:defRPr>
-            </a:lvl6pPr>
-            <a:lvl7pPr marL="2971800" indent="-228600" algn="l" defTabSz="914400" rtl="0" eaLnBrk="1" latinLnBrk="0" hangingPunct="1">
-              <a:lnSpc>
-                <a:spcPct val="90000"/>
-              </a:lnSpc>
-              <a:spcBef>
-                <a:spcPts val="500"/>
-              </a:spcBef>
-              <a:buFont typeface="Arial" panose="020B0604020202020204" pitchFamily="34" charset="0"/>
-              <a:buChar char="•"/>
-              <a:defRPr sz="1800" kern="1200">
-                <a:solidFill>
-                  <a:schemeClr val="tx1"/>
-                </a:solidFill>
-                <a:latin typeface="+mn-lt"/>
-                <a:ea typeface="+mn-ea"/>
-                <a:cs typeface="+mn-cs"/>
-              </a:defRPr>
-            </a:lvl7pPr>
-            <a:lvl8pPr marL="3429000" indent="-228600" algn="l" defTabSz="914400" rtl="0" eaLnBrk="1" latinLnBrk="0" hangingPunct="1">
-              <a:lnSpc>
-                <a:spcPct val="90000"/>
-              </a:lnSpc>
-              <a:spcBef>
-                <a:spcPts val="500"/>
-              </a:spcBef>
-              <a:buFont typeface="Arial" panose="020B0604020202020204" pitchFamily="34" charset="0"/>
-              <a:buChar char="•"/>
-              <a:defRPr sz="1800" kern="1200">
-                <a:solidFill>
-                  <a:schemeClr val="tx1"/>
-                </a:solidFill>
-                <a:latin typeface="+mn-lt"/>
-                <a:ea typeface="+mn-ea"/>
-                <a:cs typeface="+mn-cs"/>
-              </a:defRPr>
-            </a:lvl8pPr>
-            <a:lvl9pPr marL="3886200" indent="-228600" algn="l" defTabSz="914400" rtl="0" eaLnBrk="1" latinLnBrk="0" hangingPunct="1">
-              <a:lnSpc>
-                <a:spcPct val="90000"/>
-              </a:lnSpc>
-              <a:spcBef>
-                <a:spcPts val="500"/>
-              </a:spcBef>
-              <a:buFont typeface="Arial" panose="020B0604020202020204" pitchFamily="34" charset="0"/>
-              <a:buChar char="•"/>
-              <a:defRPr sz="1800" kern="1200">
-                <a:solidFill>
-                  <a:schemeClr val="tx1"/>
-                </a:solidFill>
-                <a:latin typeface="+mn-lt"/>
-                <a:ea typeface="+mn-ea"/>
-                <a:cs typeface="+mn-cs"/>
-              </a:defRPr>
-            </a:lvl9pPr>
-          </a:lstStyle>
-          <a:p>
-            <a:pPr marL="0" indent="0">
-              <a:buNone/>
-            </a:pPr>
-            <a:r>
-              <a:rPr lang="en-US" b="1" dirty="0"/>
-              <a:t>Startup class</a:t>
-            </a:r>
-          </a:p>
-          <a:p>
-            <a:r>
-              <a:rPr lang="en-US" dirty="0" err="1"/>
-              <a:t>ConfigureServices</a:t>
-            </a:r>
-            <a:r>
-              <a:rPr lang="en-US" dirty="0"/>
-              <a:t>()</a:t>
-            </a:r>
-          </a:p>
-          <a:p>
-            <a:pPr lvl="1"/>
-            <a:r>
-              <a:rPr lang="en-US" dirty="0"/>
-              <a:t>Composition root (DI setup)</a:t>
-            </a:r>
-          </a:p>
-          <a:p>
-            <a:r>
-              <a:rPr lang="en-US" dirty="0"/>
-              <a:t>Configure()</a:t>
-            </a:r>
-          </a:p>
-          <a:p>
-            <a:pPr lvl="1"/>
-            <a:r>
-              <a:rPr lang="en-US" dirty="0"/>
-              <a:t>Pipeline setup</a:t>
-            </a:r>
-          </a:p>
-          <a:p>
-            <a:pPr lvl="1"/>
-            <a:r>
-              <a:rPr lang="en-US" i="1" dirty="0"/>
-              <a:t>App initialization?</a:t>
-            </a:r>
-          </a:p>
-          <a:p>
-            <a:endParaRPr lang="en-US" i="1" dirty="0"/>
-          </a:p>
-          <a:p>
-            <a:r>
-              <a:rPr lang="en-US" dirty="0"/>
-              <a:t>Convention based</a:t>
-            </a:r>
-          </a:p>
-          <a:p>
-            <a:pPr lvl="1"/>
-            <a:r>
-              <a:rPr lang="en-US" dirty="0" err="1"/>
-              <a:t>Configure</a:t>
-            </a:r>
-            <a:r>
-              <a:rPr lang="en-US" b="1" dirty="0" err="1"/>
-              <a:t>Development</a:t>
-            </a:r>
-            <a:r>
-              <a:rPr lang="en-US" dirty="0" err="1"/>
-              <a:t>Services</a:t>
-            </a:r>
-            <a:r>
-              <a:rPr lang="en-US" dirty="0"/>
-              <a:t>()</a:t>
-            </a:r>
-          </a:p>
-          <a:p>
-            <a:pPr lvl="1"/>
-            <a:endParaRPr lang="en-US" dirty="0"/>
-          </a:p>
-          <a:p>
-            <a:endParaRPr lang="en-US" dirty="0"/>
-          </a:p>
-        </p:txBody>
-      </p:sp>
-    </p:spTree>
-    <p:extLst>
-      <p:ext uri="{BB962C8B-B14F-4D97-AF65-F5344CB8AC3E}">
-        <p14:creationId xmlns:p14="http://schemas.microsoft.com/office/powerpoint/2010/main" val="261096526"/>
-      </p:ext>
-    </p:extLst>
-  </p:cSld>
-  <p:clrMapOvr>
-    <a:masterClrMapping/>
-  </p:clrMapOvr>
-  <p:timing>
-    <p:tnLst>
-      <p:par>
-        <p:cTn id="1" dur="indefinite" restart="never" nodeType="tmRoot">
-          <p:childTnLst>
-            <p:seq concurrent="1" nextAc="seek">
-              <p:cTn id="2" dur="indefinite" nodeType="mainSeq">
-                <p:childTnLst>
-                  <p:par>
-                    <p:cTn id="3" fill="hold">
-                      <p:stCondLst>
-                        <p:cond delay="indefinite"/>
-                        <p:cond evt="onBegin" delay="0">
-                          <p:tn val="2"/>
-                        </p:cond>
-                      </p:stCondLst>
-                      <p:childTnLst>
-                        <p:par>
-                          <p:cTn id="4" fill="hold">
-                            <p:stCondLst>
-                              <p:cond delay="0"/>
-                            </p:stCondLst>
-                            <p:childTnLst>
-                              <p:par>
-                                <p:cTn id="5" presetID="1" presetClass="entr" presetSubtype="0" fill="hold" nodeType="withEffect">
-                                  <p:stCondLst>
-                                    <p:cond delay="0"/>
-                                  </p:stCondLst>
-                                  <p:childTnLst>
-                                    <p:set>
-                                      <p:cBhvr>
-                                        <p:cTn id="6" dur="1" fill="hold">
-                                          <p:stCondLst>
-                                            <p:cond delay="0"/>
-                                          </p:stCondLst>
-                                        </p:cTn>
-                                        <p:tgtEl>
-                                          <p:spTgt spid="8">
-                                            <p:txEl>
-                                              <p:pRg st="0" end="0"/>
-                                            </p:txEl>
-                                          </p:spTgt>
-                                        </p:tgtEl>
-                                        <p:attrNameLst>
-                                          <p:attrName>style.visibility</p:attrName>
-                                        </p:attrNameLst>
-                                      </p:cBhvr>
-                                      <p:to>
-                                        <p:strVal val="visible"/>
-                                      </p:to>
-                                    </p:set>
-                                  </p:childTnLst>
-                                </p:cTn>
-                              </p:par>
-                              <p:par>
-                                <p:cTn id="7" presetID="1" presetClass="entr" presetSubtype="0" fill="hold" nodeType="withEffect">
-                                  <p:stCondLst>
-                                    <p:cond delay="0"/>
-                                  </p:stCondLst>
-                                  <p:childTnLst>
-                                    <p:set>
-                                      <p:cBhvr>
-                                        <p:cTn id="8" dur="1" fill="hold">
-                                          <p:stCondLst>
-                                            <p:cond delay="0"/>
-                                          </p:stCondLst>
-                                        </p:cTn>
-                                        <p:tgtEl>
-                                          <p:spTgt spid="8">
-                                            <p:txEl>
-                                              <p:pRg st="1" end="1"/>
-                                            </p:txEl>
-                                          </p:spTgt>
-                                        </p:tgtEl>
-                                        <p:attrNameLst>
-                                          <p:attrName>style.visibility</p:attrName>
-                                        </p:attrNameLst>
-                                      </p:cBhvr>
-                                      <p:to>
-                                        <p:strVal val="visible"/>
-                                      </p:to>
-                                    </p:set>
-                                  </p:childTnLst>
-                                </p:cTn>
-                              </p:par>
-                              <p:par>
-                                <p:cTn id="9" presetID="1" presetClass="entr" presetSubtype="0" fill="hold" nodeType="withEffect">
-                                  <p:stCondLst>
-                                    <p:cond delay="0"/>
-                                  </p:stCondLst>
-                                  <p:childTnLst>
-                                    <p:set>
-                                      <p:cBhvr>
-                                        <p:cTn id="10" dur="1" fill="hold">
-                                          <p:stCondLst>
-                                            <p:cond delay="0"/>
-                                          </p:stCondLst>
-                                        </p:cTn>
-                                        <p:tgtEl>
-                                          <p:spTgt spid="8">
-                                            <p:txEl>
-                                              <p:pRg st="5" end="5"/>
-                                            </p:txEl>
-                                          </p:spTgt>
-                                        </p:tgtEl>
-                                        <p:attrNameLst>
-                                          <p:attrName>style.visibility</p:attrName>
-                                        </p:attrNameLst>
-                                      </p:cBhvr>
-                                      <p:to>
-                                        <p:strVal val="visible"/>
-                                      </p:to>
-                                    </p:set>
-                                  </p:childTnLst>
-                                </p:cTn>
-                              </p:par>
-                              <p:par>
-                                <p:cTn id="11" presetID="1" presetClass="entr" presetSubtype="0" fill="hold" nodeType="withEffect">
-                                  <p:stCondLst>
-                                    <p:cond delay="0"/>
-                                  </p:stCondLst>
-                                  <p:childTnLst>
-                                    <p:set>
-                                      <p:cBhvr>
-                                        <p:cTn id="12" dur="1" fill="hold">
-                                          <p:stCondLst>
-                                            <p:cond delay="0"/>
-                                          </p:stCondLst>
-                                        </p:cTn>
-                                        <p:tgtEl>
-                                          <p:spTgt spid="8">
-                                            <p:txEl>
-                                              <p:pRg st="6" end="6"/>
-                                            </p:txEl>
-                                          </p:spTgt>
-                                        </p:tgtEl>
-                                        <p:attrNameLst>
-                                          <p:attrName>style.visibility</p:attrName>
-                                        </p:attrNameLst>
-                                      </p:cBhvr>
-                                      <p:to>
-                                        <p:strVal val="visible"/>
-                                      </p:to>
-                                    </p:set>
-                                  </p:childTnLst>
-                                </p:cTn>
-                              </p:par>
-                              <p:par>
-                                <p:cTn id="13" presetID="1" presetClass="entr" presetSubtype="0" fill="hold" nodeType="withEffect">
-                                  <p:stCondLst>
-                                    <p:cond delay="0"/>
-                                  </p:stCondLst>
-                                  <p:childTnLst>
-                                    <p:set>
-                                      <p:cBhvr>
-                                        <p:cTn id="14" dur="1" fill="hold">
-                                          <p:stCondLst>
-                                            <p:cond delay="0"/>
-                                          </p:stCondLst>
-                                        </p:cTn>
-                                        <p:tgtEl>
-                                          <p:spTgt spid="8">
-                                            <p:txEl>
-                                              <p:pRg st="7" end="7"/>
-                                            </p:txEl>
-                                          </p:spTgt>
-                                        </p:tgtEl>
-                                        <p:attrNameLst>
-                                          <p:attrName>style.visibility</p:attrName>
-                                        </p:attrNameLst>
-                                      </p:cBhvr>
-                                      <p:to>
-                                        <p:strVal val="visible"/>
-                                      </p:to>
-                                    </p:set>
-                                  </p:childTnLst>
-                                </p:cTn>
-                              </p:par>
-                              <p:par>
-                                <p:cTn id="15" presetID="1" presetClass="entr" presetSubtype="0" fill="hold" nodeType="withEffect">
-                                  <p:stCondLst>
-                                    <p:cond delay="0"/>
-                                  </p:stCondLst>
-                                  <p:childTnLst>
-                                    <p:set>
-                                      <p:cBhvr>
-                                        <p:cTn id="16" dur="1" fill="hold">
-                                          <p:stCondLst>
-                                            <p:cond delay="0"/>
-                                          </p:stCondLst>
-                                        </p:cTn>
-                                        <p:tgtEl>
-                                          <p:spTgt spid="8">
-                                            <p:txEl>
-                                              <p:pRg st="2" end="2"/>
-                                            </p:txEl>
-                                          </p:spTgt>
-                                        </p:tgtEl>
-                                        <p:attrNameLst>
-                                          <p:attrName>style.visibility</p:attrName>
-                                        </p:attrNameLst>
-                                      </p:cBhvr>
-                                      <p:to>
-                                        <p:strVal val="visible"/>
-                                      </p:to>
-                                    </p:set>
-                                  </p:childTnLst>
-                                </p:cTn>
-                              </p:par>
-                              <p:par>
-                                <p:cTn id="17" presetID="1" presetClass="entr" presetSubtype="0" fill="hold" nodeType="withEffect">
-                                  <p:stCondLst>
-                                    <p:cond delay="0"/>
-                                  </p:stCondLst>
-                                  <p:childTnLst>
-                                    <p:set>
-                                      <p:cBhvr>
-                                        <p:cTn id="18" dur="1" fill="hold">
-                                          <p:stCondLst>
-                                            <p:cond delay="0"/>
-                                          </p:stCondLst>
-                                        </p:cTn>
-                                        <p:tgtEl>
-                                          <p:spTgt spid="8">
-                                            <p:txEl>
-                                              <p:pRg st="3" end="3"/>
-                                            </p:txEl>
-                                          </p:spTgt>
-                                        </p:tgtEl>
-                                        <p:attrNameLst>
-                                          <p:attrName>style.visibility</p:attrName>
-                                        </p:attrNameLst>
-                                      </p:cBhvr>
-                                      <p:to>
-                                        <p:strVal val="visible"/>
-                                      </p:to>
-                                    </p:set>
-                                  </p:childTnLst>
-                                </p:cTn>
-                              </p:par>
-                              <p:par>
-                                <p:cTn id="19" presetID="1" presetClass="entr" presetSubtype="0" fill="hold" nodeType="withEffect">
-                                  <p:stCondLst>
-                                    <p:cond delay="0"/>
-                                  </p:stCondLst>
-                                  <p:childTnLst>
-                                    <p:set>
-                                      <p:cBhvr>
-                                        <p:cTn id="20" dur="1" fill="hold">
-                                          <p:stCondLst>
-                                            <p:cond delay="0"/>
-                                          </p:stCondLst>
-                                        </p:cTn>
-                                        <p:tgtEl>
-                                          <p:spTgt spid="8">
-                                            <p:txEl>
-                                              <p:pRg st="4" end="4"/>
-                                            </p:txEl>
-                                          </p:spTgt>
-                                        </p:tgtEl>
-                                        <p:attrNameLst>
-                                          <p:attrName>style.visibility</p:attrName>
-                                        </p:attrNameLst>
-                                      </p:cBhvr>
-                                      <p:to>
-                                        <p:strVal val="visible"/>
-                                      </p:to>
-                                    </p:set>
-                                  </p:childTnLst>
-                                </p:cTn>
-                              </p:par>
-                              <p:par>
-                                <p:cTn id="21" presetID="1" presetClass="entr" presetSubtype="0" fill="hold" nodeType="withEffect">
-                                  <p:stCondLst>
-                                    <p:cond delay="0"/>
-                                  </p:stCondLst>
-                                  <p:childTnLst>
-                                    <p:set>
-                                      <p:cBhvr>
-                                        <p:cTn id="22" dur="1" fill="hold">
-                                          <p:stCondLst>
-                                            <p:cond delay="0"/>
-                                          </p:stCondLst>
-                                        </p:cTn>
-                                        <p:tgtEl>
-                                          <p:spTgt spid="6">
-                                            <p:txEl>
-                                              <p:pRg st="0" end="0"/>
-                                            </p:txEl>
-                                          </p:spTgt>
-                                        </p:tgtEl>
-                                        <p:attrNameLst>
-                                          <p:attrName>style.visibility</p:attrName>
-                                        </p:attrNameLst>
-                                      </p:cBhvr>
-                                      <p:to>
-                                        <p:strVal val="visible"/>
-                                      </p:to>
-                                    </p:set>
-                                  </p:childTnLst>
-                                </p:cTn>
-                              </p:par>
-                              <p:par>
-                                <p:cTn id="23" presetID="1" presetClass="entr" presetSubtype="0" fill="hold" nodeType="withEffect">
-                                  <p:stCondLst>
-                                    <p:cond delay="0"/>
-                                  </p:stCondLst>
-                                  <p:childTnLst>
-                                    <p:set>
-                                      <p:cBhvr>
-                                        <p:cTn id="24" dur="1" fill="hold">
-                                          <p:stCondLst>
-                                            <p:cond delay="0"/>
-                                          </p:stCondLst>
-                                        </p:cTn>
-                                        <p:tgtEl>
-                                          <p:spTgt spid="6">
-                                            <p:txEl>
-                                              <p:pRg st="1" end="1"/>
-                                            </p:txEl>
-                                          </p:spTgt>
-                                        </p:tgtEl>
-                                        <p:attrNameLst>
-                                          <p:attrName>style.visibility</p:attrName>
-                                        </p:attrNameLst>
-                                      </p:cBhvr>
-                                      <p:to>
-                                        <p:strVal val="visible"/>
-                                      </p:to>
-                                    </p:set>
-                                  </p:childTnLst>
-                                </p:cTn>
-                              </p:par>
-                              <p:par>
-                                <p:cTn id="25" presetID="1" presetClass="entr" presetSubtype="0" fill="hold" nodeType="withEffect">
-                                  <p:stCondLst>
-                                    <p:cond delay="0"/>
-                                  </p:stCondLst>
-                                  <p:childTnLst>
-                                    <p:set>
-                                      <p:cBhvr>
-                                        <p:cTn id="26" dur="1" fill="hold">
-                                          <p:stCondLst>
-                                            <p:cond delay="0"/>
-                                          </p:stCondLst>
-                                        </p:cTn>
-                                        <p:tgtEl>
-                                          <p:spTgt spid="6">
-                                            <p:txEl>
-                                              <p:pRg st="2" end="2"/>
-                                            </p:txEl>
-                                          </p:spTgt>
-                                        </p:tgtEl>
-                                        <p:attrNameLst>
-                                          <p:attrName>style.visibility</p:attrName>
-                                        </p:attrNameLst>
-                                      </p:cBhvr>
-                                      <p:to>
-                                        <p:strVal val="visible"/>
-                                      </p:to>
-                                    </p:set>
-                                  </p:childTnLst>
-                                </p:cTn>
-                              </p:par>
-                              <p:par>
-                                <p:cTn id="27" presetID="1" presetClass="entr" presetSubtype="0" fill="hold" nodeType="withEffect">
-                                  <p:stCondLst>
-                                    <p:cond delay="0"/>
-                                  </p:stCondLst>
-                                  <p:childTnLst>
-                                    <p:set>
-                                      <p:cBhvr>
-                                        <p:cTn id="28" dur="1" fill="hold">
-                                          <p:stCondLst>
-                                            <p:cond delay="0"/>
-                                          </p:stCondLst>
-                                        </p:cTn>
-                                        <p:tgtEl>
-                                          <p:spTgt spid="6">
-                                            <p:txEl>
-                                              <p:pRg st="3" end="3"/>
-                                            </p:txEl>
-                                          </p:spTgt>
-                                        </p:tgtEl>
-                                        <p:attrNameLst>
-                                          <p:attrName>style.visibility</p:attrName>
-                                        </p:attrNameLst>
-                                      </p:cBhvr>
-                                      <p:to>
-                                        <p:strVal val="visible"/>
-                                      </p:to>
-                                    </p:set>
-                                  </p:childTnLst>
-                                </p:cTn>
-                              </p:par>
-                              <p:par>
-                                <p:cTn id="29" presetID="1" presetClass="entr" presetSubtype="0" fill="hold" nodeType="withEffect">
-                                  <p:stCondLst>
-                                    <p:cond delay="0"/>
-                                  </p:stCondLst>
-                                  <p:childTnLst>
-                                    <p:set>
-                                      <p:cBhvr>
-                                        <p:cTn id="30" dur="1" fill="hold">
-                                          <p:stCondLst>
-                                            <p:cond delay="0"/>
-                                          </p:stCondLst>
-                                        </p:cTn>
-                                        <p:tgtEl>
-                                          <p:spTgt spid="6">
-                                            <p:txEl>
-                                              <p:pRg st="4" end="4"/>
-                                            </p:txEl>
-                                          </p:spTgt>
-                                        </p:tgtEl>
-                                        <p:attrNameLst>
-                                          <p:attrName>style.visibility</p:attrName>
-                                        </p:attrNameLst>
-                                      </p:cBhvr>
-                                      <p:to>
-                                        <p:strVal val="visible"/>
-                                      </p:to>
-                                    </p:set>
-                                  </p:childTnLst>
-                                </p:cTn>
-                              </p:par>
-                              <p:par>
-                                <p:cTn id="31" presetID="1" presetClass="entr" presetSubtype="0" fill="hold" nodeType="withEffect">
-                                  <p:stCondLst>
-                                    <p:cond delay="0"/>
-                                  </p:stCondLst>
-                                  <p:childTnLst>
-                                    <p:set>
-                                      <p:cBhvr>
-                                        <p:cTn id="32" dur="1" fill="hold">
-                                          <p:stCondLst>
-                                            <p:cond delay="0"/>
-                                          </p:stCondLst>
-                                        </p:cTn>
-                                        <p:tgtEl>
-                                          <p:spTgt spid="6">
-                                            <p:txEl>
-                                              <p:pRg st="5" end="5"/>
-                                            </p:txEl>
-                                          </p:spTgt>
-                                        </p:tgtEl>
-                                        <p:attrNameLst>
-                                          <p:attrName>style.visibility</p:attrName>
-                                        </p:attrNameLst>
-                                      </p:cBhvr>
-                                      <p:to>
-                                        <p:strVal val="visible"/>
-                                      </p:to>
-                                    </p:set>
-                                  </p:childTnLst>
-                                </p:cTn>
-                              </p:par>
-                              <p:par>
-                                <p:cTn id="33" presetID="1" presetClass="entr" presetSubtype="0" fill="hold" nodeType="withEffect">
-                                  <p:stCondLst>
-                                    <p:cond delay="0"/>
-                                  </p:stCondLst>
-                                  <p:childTnLst>
-                                    <p:set>
-                                      <p:cBhvr>
-                                        <p:cTn id="34" dur="1" fill="hold">
-                                          <p:stCondLst>
-                                            <p:cond delay="0"/>
-                                          </p:stCondLst>
-                                        </p:cTn>
-                                        <p:tgtEl>
-                                          <p:spTgt spid="6">
-                                            <p:txEl>
-                                              <p:pRg st="7" end="7"/>
-                                            </p:txEl>
-                                          </p:spTgt>
-                                        </p:tgtEl>
-                                        <p:attrNameLst>
-                                          <p:attrName>style.visibility</p:attrName>
-                                        </p:attrNameLst>
-                                      </p:cBhvr>
-                                      <p:to>
-                                        <p:strVal val="visible"/>
-                                      </p:to>
-                                    </p:set>
-                                  </p:childTnLst>
-                                </p:cTn>
-                              </p:par>
-                              <p:par>
-                                <p:cTn id="35" presetID="1" presetClass="entr" presetSubtype="0" fill="hold" nodeType="withEffect">
-                                  <p:stCondLst>
-                                    <p:cond delay="0"/>
-                                  </p:stCondLst>
-                                  <p:childTnLst>
-                                    <p:set>
-                                      <p:cBhvr>
-                                        <p:cTn id="36" dur="1" fill="hold">
-                                          <p:stCondLst>
-                                            <p:cond delay="0"/>
-                                          </p:stCondLst>
-                                        </p:cTn>
-                                        <p:tgtEl>
-                                          <p:spTgt spid="6">
-                                            <p:txEl>
-                                              <p:pRg st="8" end="8"/>
-                                            </p:txEl>
-                                          </p:spTgt>
-                                        </p:tgtEl>
-                                        <p:attrNameLst>
-                                          <p:attrName>style.visibility</p:attrName>
-                                        </p:attrNameLst>
-                                      </p:cBhvr>
-                                      <p:to>
-                                        <p:strVal val="visible"/>
-                                      </p:to>
-                                    </p:set>
-                                  </p:childTnLst>
-                                </p:cTn>
-                              </p:par>
-                            </p:childTnLst>
-                          </p:cTn>
-                        </p:par>
-                      </p:childTnLst>
-                    </p:cTn>
-                  </p:par>
-                </p:childTnLst>
-              </p:cTn>
-              <p:prevCondLst>
-                <p:cond evt="onPrev" delay="0">
-                  <p:tgtEl>
-                    <p:sldTgt/>
-                  </p:tgtEl>
-                </p:cond>
-              </p:prevCondLst>
-              <p:nextCondLst>
-                <p:cond evt="onNext" delay="0">
-                  <p:tgtEl>
-                    <p:sldTgt/>
-                  </p:tgtEl>
-                </p:cond>
-              </p:nextCondLst>
-            </p:seq>
-          </p:childTnLst>
-        </p:cTn>
-      </p:par>
-    </p:tnLst>
+    <p:bldLst>
+      <p:bldP spid="6" grpId="0"/>
+    </p:bldLst>
   </p:timing>
 </p:sld>
 </file>
@@ -28619,6 +27849,16 @@
             </a:r>
           </a:p>
           <a:p>
+            <a:r>
+              <a:rPr lang="en-US" dirty="0" err="1"/>
+              <a:t>applicationBuilder.Use</a:t>
+            </a:r>
+            <a:r>
+              <a:rPr lang="en-US" dirty="0"/>
+              <a:t>()</a:t>
+            </a:r>
+          </a:p>
+          <a:p>
             <a:endParaRPr lang="en-US" dirty="0"/>
           </a:p>
           <a:p>
@@ -28630,10 +27870,9 @@
           <a:p>
             <a:pPr lvl="1"/>
             <a:r>
-              <a:rPr lang="en-US"/>
+              <a:rPr lang="en-US" dirty="0"/>
               <a:t>HTTPS</a:t>
             </a:r>
-            <a:endParaRPr lang="en-US" dirty="0"/>
           </a:p>
           <a:p>
             <a:pPr lvl="1"/>
@@ -28668,274 +27907,6 @@
   <p:clrMapOvr>
     <a:masterClrMapping/>
   </p:clrMapOvr>
-  <p:timing>
-    <p:tnLst>
-      <p:par>
-        <p:cTn id="1" dur="indefinite" restart="never" nodeType="tmRoot">
-          <p:childTnLst>
-            <p:seq concurrent="1" nextAc="seek">
-              <p:cTn id="2" dur="indefinite" nodeType="mainSeq">
-                <p:childTnLst>
-                  <p:par>
-                    <p:cTn id="3" fill="hold">
-                      <p:stCondLst>
-                        <p:cond delay="indefinite"/>
-                        <p:cond evt="onBegin" delay="0">
-                          <p:tn val="2"/>
-                        </p:cond>
-                      </p:stCondLst>
-                      <p:childTnLst>
-                        <p:par>
-                          <p:cTn id="4" fill="hold">
-                            <p:stCondLst>
-                              <p:cond delay="0"/>
-                            </p:stCondLst>
-                            <p:childTnLst>
-                              <p:par>
-                                <p:cTn id="5" presetID="1" presetClass="entr" presetSubtype="0" fill="hold" nodeType="withEffect">
-                                  <p:stCondLst>
-                                    <p:cond delay="0"/>
-                                  </p:stCondLst>
-                                  <p:childTnLst>
-                                    <p:set>
-                                      <p:cBhvr>
-                                        <p:cTn id="6" dur="1" fill="hold">
-                                          <p:stCondLst>
-                                            <p:cond delay="0"/>
-                                          </p:stCondLst>
-                                        </p:cTn>
-                                        <p:tgtEl>
-                                          <p:spTgt spid="8">
-                                            <p:txEl>
-                                              <p:pRg st="0" end="0"/>
-                                            </p:txEl>
-                                          </p:spTgt>
-                                        </p:tgtEl>
-                                        <p:attrNameLst>
-                                          <p:attrName>style.visibility</p:attrName>
-                                        </p:attrNameLst>
-                                      </p:cBhvr>
-                                      <p:to>
-                                        <p:strVal val="visible"/>
-                                      </p:to>
-                                    </p:set>
-                                  </p:childTnLst>
-                                </p:cTn>
-                              </p:par>
-                              <p:par>
-                                <p:cTn id="7" presetID="1" presetClass="entr" presetSubtype="0" fill="hold" nodeType="withEffect">
-                                  <p:stCondLst>
-                                    <p:cond delay="0"/>
-                                  </p:stCondLst>
-                                  <p:childTnLst>
-                                    <p:set>
-                                      <p:cBhvr>
-                                        <p:cTn id="8" dur="1" fill="hold">
-                                          <p:stCondLst>
-                                            <p:cond delay="0"/>
-                                          </p:stCondLst>
-                                        </p:cTn>
-                                        <p:tgtEl>
-                                          <p:spTgt spid="8">
-                                            <p:txEl>
-                                              <p:pRg st="1" end="1"/>
-                                            </p:txEl>
-                                          </p:spTgt>
-                                        </p:tgtEl>
-                                        <p:attrNameLst>
-                                          <p:attrName>style.visibility</p:attrName>
-                                        </p:attrNameLst>
-                                      </p:cBhvr>
-                                      <p:to>
-                                        <p:strVal val="visible"/>
-                                      </p:to>
-                                    </p:set>
-                                  </p:childTnLst>
-                                </p:cTn>
-                              </p:par>
-                              <p:par>
-                                <p:cTn id="9" presetID="1" presetClass="entr" presetSubtype="0" fill="hold" nodeType="withEffect">
-                                  <p:stCondLst>
-                                    <p:cond delay="0"/>
-                                  </p:stCondLst>
-                                  <p:childTnLst>
-                                    <p:set>
-                                      <p:cBhvr>
-                                        <p:cTn id="10" dur="1" fill="hold">
-                                          <p:stCondLst>
-                                            <p:cond delay="0"/>
-                                          </p:stCondLst>
-                                        </p:cTn>
-                                        <p:tgtEl>
-                                          <p:spTgt spid="8">
-                                            <p:txEl>
-                                              <p:pRg st="3" end="3"/>
-                                            </p:txEl>
-                                          </p:spTgt>
-                                        </p:tgtEl>
-                                        <p:attrNameLst>
-                                          <p:attrName>style.visibility</p:attrName>
-                                        </p:attrNameLst>
-                                      </p:cBhvr>
-                                      <p:to>
-                                        <p:strVal val="visible"/>
-                                      </p:to>
-                                    </p:set>
-                                  </p:childTnLst>
-                                </p:cTn>
-                              </p:par>
-                              <p:par>
-                                <p:cTn id="11" presetID="1" presetClass="entr" presetSubtype="0" fill="hold" nodeType="withEffect">
-                                  <p:stCondLst>
-                                    <p:cond delay="0"/>
-                                  </p:stCondLst>
-                                  <p:childTnLst>
-                                    <p:set>
-                                      <p:cBhvr>
-                                        <p:cTn id="12" dur="1" fill="hold">
-                                          <p:stCondLst>
-                                            <p:cond delay="0"/>
-                                          </p:stCondLst>
-                                        </p:cTn>
-                                        <p:tgtEl>
-                                          <p:spTgt spid="8">
-                                            <p:txEl>
-                                              <p:pRg st="4" end="4"/>
-                                            </p:txEl>
-                                          </p:spTgt>
-                                        </p:tgtEl>
-                                        <p:attrNameLst>
-                                          <p:attrName>style.visibility</p:attrName>
-                                        </p:attrNameLst>
-                                      </p:cBhvr>
-                                      <p:to>
-                                        <p:strVal val="visible"/>
-                                      </p:to>
-                                    </p:set>
-                                  </p:childTnLst>
-                                </p:cTn>
-                              </p:par>
-                              <p:par>
-                                <p:cTn id="13" presetID="1" presetClass="entr" presetSubtype="0" fill="hold" nodeType="withEffect">
-                                  <p:stCondLst>
-                                    <p:cond delay="0"/>
-                                  </p:stCondLst>
-                                  <p:childTnLst>
-                                    <p:set>
-                                      <p:cBhvr>
-                                        <p:cTn id="14" dur="1" fill="hold">
-                                          <p:stCondLst>
-                                            <p:cond delay="0"/>
-                                          </p:stCondLst>
-                                        </p:cTn>
-                                        <p:tgtEl>
-                                          <p:spTgt spid="8">
-                                            <p:txEl>
-                                              <p:pRg st="5" end="5"/>
-                                            </p:txEl>
-                                          </p:spTgt>
-                                        </p:tgtEl>
-                                        <p:attrNameLst>
-                                          <p:attrName>style.visibility</p:attrName>
-                                        </p:attrNameLst>
-                                      </p:cBhvr>
-                                      <p:to>
-                                        <p:strVal val="visible"/>
-                                      </p:to>
-                                    </p:set>
-                                  </p:childTnLst>
-                                </p:cTn>
-                              </p:par>
-                              <p:par>
-                                <p:cTn id="15" presetID="1" presetClass="entr" presetSubtype="0" fill="hold" nodeType="withEffect">
-                                  <p:stCondLst>
-                                    <p:cond delay="0"/>
-                                  </p:stCondLst>
-                                  <p:childTnLst>
-                                    <p:set>
-                                      <p:cBhvr>
-                                        <p:cTn id="16" dur="1" fill="hold">
-                                          <p:stCondLst>
-                                            <p:cond delay="0"/>
-                                          </p:stCondLst>
-                                        </p:cTn>
-                                        <p:tgtEl>
-                                          <p:spTgt spid="8">
-                                            <p:txEl>
-                                              <p:pRg st="6" end="6"/>
-                                            </p:txEl>
-                                          </p:spTgt>
-                                        </p:tgtEl>
-                                        <p:attrNameLst>
-                                          <p:attrName>style.visibility</p:attrName>
-                                        </p:attrNameLst>
-                                      </p:cBhvr>
-                                      <p:to>
-                                        <p:strVal val="visible"/>
-                                      </p:to>
-                                    </p:set>
-                                  </p:childTnLst>
-                                </p:cTn>
-                              </p:par>
-                              <p:par>
-                                <p:cTn id="17" presetID="1" presetClass="entr" presetSubtype="0" fill="hold" nodeType="withEffect">
-                                  <p:stCondLst>
-                                    <p:cond delay="0"/>
-                                  </p:stCondLst>
-                                  <p:childTnLst>
-                                    <p:set>
-                                      <p:cBhvr>
-                                        <p:cTn id="18" dur="1" fill="hold">
-                                          <p:stCondLst>
-                                            <p:cond delay="0"/>
-                                          </p:stCondLst>
-                                        </p:cTn>
-                                        <p:tgtEl>
-                                          <p:spTgt spid="8">
-                                            <p:txEl>
-                                              <p:pRg st="7" end="7"/>
-                                            </p:txEl>
-                                          </p:spTgt>
-                                        </p:tgtEl>
-                                        <p:attrNameLst>
-                                          <p:attrName>style.visibility</p:attrName>
-                                        </p:attrNameLst>
-                                      </p:cBhvr>
-                                      <p:to>
-                                        <p:strVal val="visible"/>
-                                      </p:to>
-                                    </p:set>
-                                  </p:childTnLst>
-                                </p:cTn>
-                              </p:par>
-                            </p:childTnLst>
-                          </p:cTn>
-                        </p:par>
-                      </p:childTnLst>
-                    </p:cTn>
-                  </p:par>
-                </p:childTnLst>
-              </p:cTn>
-              <p:prevCondLst>
-                <p:cond evt="onPrev" delay="0">
-                  <p:tgtEl>
-                    <p:sldTgt/>
-                  </p:tgtEl>
-                </p:cond>
-              </p:prevCondLst>
-              <p:nextCondLst>
-                <p:cond evt="onNext" delay="0">
-                  <p:tgtEl>
-                    <p:sldTgt/>
-                  </p:tgtEl>
-                </p:cond>
-              </p:nextCondLst>
-            </p:seq>
-          </p:childTnLst>
-        </p:cTn>
-      </p:par>
-    </p:tnLst>
-  </p:timing>
 </p:sld>
 </file>
 

--- a/docs/CoreIntro.pptx
+++ b/docs/CoreIntro.pptx
@@ -271,7 +271,7 @@
           <a:p>
             <a:fld id="{9210894D-53F3-4060-AF7D-8EA07C655384}" type="datetimeFigureOut">
               <a:rPr lang="en-US" smtClean="0"/>
-              <a:t>4/8/2019</a:t>
+              <a:t>4/9/2019</a:t>
             </a:fld>
             <a:endParaRPr lang="en-US"/>
           </a:p>
@@ -436,7 +436,7 @@
           <a:p>
             <a:fld id="{BD4F7F70-21DE-4C83-92F5-435E90FDCD29}" type="datetimeFigureOut">
               <a:rPr lang="en-US" smtClean="0"/>
-              <a:t>4/8/2019</a:t>
+              <a:t>4/9/2019</a:t>
             </a:fld>
             <a:endParaRPr lang="en-US"/>
           </a:p>
@@ -1083,6 +1083,21 @@
               <a:buChar char="-"/>
             </a:pPr>
             <a:r>
+              <a:rPr lang="en-US" dirty="0"/>
+              <a:t>Program -&gt; </a:t>
+            </a:r>
+            <a:r>
+              <a:rPr lang="en-US" dirty="0" err="1"/>
+              <a:t>ConfigurAppConfiguration</a:t>
+            </a:r>
+            <a:endParaRPr lang="en-US" dirty="0"/>
+          </a:p>
+          <a:p>
+            <a:pPr marL="171450" indent="-171450">
+              <a:buFontTx/>
+              <a:buChar char="-"/>
+            </a:pPr>
+            <a:r>
               <a:rPr lang="en-US" dirty="0" err="1"/>
               <a:t>StartUp</a:t>
             </a:r>
@@ -1450,6 +1465,86 @@
           <a:chExt cx="0" cy="0"/>
         </a:xfrm>
       </p:grpSpPr>
+      <p:sp>
+        <p:nvSpPr>
+          <p:cNvPr id="2" name="Notes Placeholder 1">
+            <a:extLst>
+              <a:ext uri="{FF2B5EF4-FFF2-40B4-BE49-F238E27FC236}">
+                <a16:creationId xmlns:a16="http://schemas.microsoft.com/office/drawing/2014/main" id="{14309861-7B85-4AB7-961A-D22EF5D742C7}"/>
+              </a:ext>
+            </a:extLst>
+          </p:cNvPr>
+          <p:cNvSpPr>
+            <a:spLocks noGrp="1"/>
+          </p:cNvSpPr>
+          <p:nvPr>
+            <p:ph type="body" idx="1"/>
+          </p:nvPr>
+        </p:nvSpPr>
+        <p:spPr/>
+        <p:txBody>
+          <a:bodyPr/>
+          <a:lstStyle/>
+          <a:p>
+            <a:r>
+              <a:rPr lang="en-US" dirty="0"/>
+              <a:t>Demo</a:t>
+            </a:r>
+          </a:p>
+          <a:p>
+            <a:pPr marL="171450" indent="-171450">
+              <a:buFontTx/>
+              <a:buChar char="-"/>
+            </a:pPr>
+            <a:r>
+              <a:rPr lang="en-US" dirty="0"/>
+              <a:t>07-API</a:t>
+            </a:r>
+          </a:p>
+          <a:p>
+            <a:pPr marL="171450" indent="-171450">
+              <a:buFontTx/>
+              <a:buChar char="-"/>
+            </a:pPr>
+            <a:r>
+              <a:rPr lang="en-US" dirty="0"/>
+              <a:t>Plain and derived controller – base class</a:t>
+            </a:r>
+          </a:p>
+          <a:p>
+            <a:pPr marL="171450" indent="-171450">
+              <a:buFontTx/>
+              <a:buChar char="-"/>
+            </a:pPr>
+            <a:r>
+              <a:rPr lang="en-US" dirty="0"/>
+              <a:t>Different routes in </a:t>
+            </a:r>
+            <a:r>
+              <a:rPr lang="en-US" dirty="0" err="1"/>
+              <a:t>RouteController</a:t>
+            </a:r>
+            <a:endParaRPr lang="en-US" dirty="0"/>
+          </a:p>
+          <a:p>
+            <a:pPr marL="171450" indent="-171450">
+              <a:buFontTx/>
+              <a:buChar char="-"/>
+            </a:pPr>
+            <a:r>
+              <a:rPr lang="en-US" dirty="0"/>
+              <a:t>Swagger?</a:t>
+            </a:r>
+          </a:p>
+          <a:p>
+            <a:pPr marL="171450" indent="-171450">
+              <a:buFontTx/>
+              <a:buChar char="-"/>
+            </a:pPr>
+            <a:endParaRPr lang="en-US" dirty="0"/>
+          </a:p>
+        </p:txBody>
+      </p:sp>
     </p:spTree>
   </p:cSld>
   <p:clrMapOvr>
@@ -2779,7 +2874,18 @@
               <a:rPr lang="en-US" dirty="0">
                 <a:hlinkClick r:id="rId3"/>
               </a:rPr>
-              <a:t>https://oriflame.visualstudio.com/_git/ReportingService?path=%2Fsrc%2FReporting%2Fsrc%2FOri.Reporting.UI%2FProperties%2FlaunchSettings.json&amp;version=GBmaster</a:t>
+              <a:t>https://oriflame.visualstudio.com/_git/ReportingService?path=%2Fsrc%2FReporting%2Fsrc%2FOri.Reporting.UI%2FProperties%2FlaunchSettings.json&amp;version=Gbmaster</a:t>
+            </a:r>
+            <a:endParaRPr lang="en-US" dirty="0"/>
+          </a:p>
+          <a:p>
+            <a:pPr marL="171450" indent="-171450">
+              <a:buFontTx/>
+              <a:buChar char="-"/>
+            </a:pPr>
+            <a:r>
+              <a:rPr lang="en-US" dirty="0" err="1"/>
+              <a:t>launchSettings.json</a:t>
             </a:r>
             <a:endParaRPr lang="en-US" dirty="0"/>
           </a:p>
@@ -18272,7 +18378,7 @@
             <a:pPr lvl="1"/>
             <a:r>
               <a:rPr lang="en-US" dirty="0"/>
-              <a:t>Local machine secret store</a:t>
+              <a:t>dotnet user-secrets</a:t>
             </a:r>
           </a:p>
         </p:txBody>
@@ -27894,6 +28000,17 @@
               <a:rPr lang="en-US" dirty="0"/>
               <a:t>MVC</a:t>
             </a:r>
+          </a:p>
+          <a:p>
+            <a:pPr lvl="1"/>
+            <a:endParaRPr lang="en-US" dirty="0"/>
+          </a:p>
+          <a:p>
+            <a:r>
+              <a:rPr lang="en-US" dirty="0" err="1"/>
+              <a:t>Ori.Common.ExceptionHandlingMiddleware</a:t>
+            </a:r>
+            <a:endParaRPr lang="en-US" dirty="0"/>
           </a:p>
         </p:txBody>
       </p:sp>
